--- a/software engineering slide.pptx
+++ b/software engineering slide.pptx
@@ -5,26 +5,29 @@
     <p:sldMasterId id="2147483660" r:id="rId1"/>
   </p:sldMasterIdLst>
   <p:sldIdLst>
-    <p:sldId id="260" r:id="rId2"/>
-    <p:sldId id="261" r:id="rId3"/>
-    <p:sldId id="262" r:id="rId4"/>
-    <p:sldId id="263" r:id="rId5"/>
-    <p:sldId id="264" r:id="rId6"/>
-    <p:sldId id="265" r:id="rId7"/>
-    <p:sldId id="266" r:id="rId8"/>
-    <p:sldId id="267" r:id="rId9"/>
-    <p:sldId id="268" r:id="rId10"/>
-    <p:sldId id="269" r:id="rId11"/>
-    <p:sldId id="258" r:id="rId12"/>
-    <p:sldId id="259" r:id="rId13"/>
-    <p:sldId id="257" r:id="rId14"/>
-    <p:sldId id="270" r:id="rId15"/>
-    <p:sldId id="271" r:id="rId16"/>
-    <p:sldId id="272" r:id="rId17"/>
-    <p:sldId id="273" r:id="rId18"/>
-    <p:sldId id="274" r:id="rId19"/>
-    <p:sldId id="275" r:id="rId20"/>
-    <p:sldId id="276" r:id="rId21"/>
+    <p:sldId id="277" r:id="rId2"/>
+    <p:sldId id="278" r:id="rId3"/>
+    <p:sldId id="279" r:id="rId4"/>
+    <p:sldId id="269" r:id="rId5"/>
+    <p:sldId id="258" r:id="rId6"/>
+    <p:sldId id="259" r:id="rId7"/>
+    <p:sldId id="257" r:id="rId8"/>
+    <p:sldId id="270" r:id="rId9"/>
+    <p:sldId id="271" r:id="rId10"/>
+    <p:sldId id="272" r:id="rId11"/>
+    <p:sldId id="260" r:id="rId12"/>
+    <p:sldId id="261" r:id="rId13"/>
+    <p:sldId id="262" r:id="rId14"/>
+    <p:sldId id="263" r:id="rId15"/>
+    <p:sldId id="264" r:id="rId16"/>
+    <p:sldId id="265" r:id="rId17"/>
+    <p:sldId id="266" r:id="rId18"/>
+    <p:sldId id="267" r:id="rId19"/>
+    <p:sldId id="268" r:id="rId20"/>
+    <p:sldId id="273" r:id="rId21"/>
+    <p:sldId id="274" r:id="rId22"/>
+    <p:sldId id="275" r:id="rId23"/>
+    <p:sldId id="276" r:id="rId24"/>
   </p:sldIdLst>
   <p:sldSz cx="12192000" cy="6858000"/>
   <p:notesSz cx="6858000" cy="9144000"/>
@@ -3948,16 +3951,33 @@
             <p:ph type="title"/>
           </p:nvPr>
         </p:nvSpPr>
-        <p:spPr/>
+        <p:spPr>
+          <a:xfrm>
+            <a:off x="584885" y="2004592"/>
+            <a:ext cx="10972800" cy="1143000"/>
+          </a:xfrm>
+        </p:spPr>
         <p:txBody>
           <a:bodyPr/>
           <a:lstStyle/>
           <a:p>
             <a:r>
-              <a:rPr lang="en-US" dirty="0" err="1" smtClean="0"/>
-              <a:t>django</a:t>
-            </a:r>
-            <a:endParaRPr lang="en-MY" dirty="0"/>
+              <a:rPr lang="en-US" sz="6000" b="1" i="1" dirty="0" smtClean="0">
+                <a:solidFill>
+                  <a:schemeClr val="tx2">
+                    <a:lumMod val="75000"/>
+                  </a:schemeClr>
+                </a:solidFill>
+              </a:rPr>
+              <a:t>SMART WATER SENSOR</a:t>
+            </a:r>
+            <a:endParaRPr lang="en-US" sz="6000" b="1" i="1" dirty="0">
+              <a:solidFill>
+                <a:schemeClr val="tx2">
+                  <a:lumMod val="75000"/>
+                </a:schemeClr>
+              </a:solidFill>
+            </a:endParaRPr>
           </a:p>
         </p:txBody>
       </p:sp>
@@ -3971,51 +3991,153 @@
             <p:ph idx="1"/>
           </p:nvPr>
         </p:nvSpPr>
-        <p:spPr/>
+        <p:spPr>
+          <a:xfrm>
+            <a:off x="675503" y="3344564"/>
+            <a:ext cx="4250724" cy="3089188"/>
+          </a:xfrm>
+          <a:ln>
+            <a:solidFill>
+              <a:schemeClr val="accent1">
+                <a:lumMod val="60000"/>
+                <a:lumOff val="40000"/>
+              </a:schemeClr>
+            </a:solidFill>
+          </a:ln>
+        </p:spPr>
         <p:txBody>
           <a:bodyPr/>
           <a:lstStyle/>
           <a:p>
-            <a:endParaRPr lang="en-MY" dirty="0"/>
-          </a:p>
-        </p:txBody>
-      </p:sp>
-      <p:sp>
-        <p:nvSpPr>
-          <p:cNvPr id="4" name="Slide Number Placeholder 3"/>
-          <p:cNvSpPr>
-            <a:spLocks noGrp="1"/>
-          </p:cNvSpPr>
-          <p:nvPr>
-            <p:ph type="sldNum" sz="quarter" idx="12"/>
-          </p:nvPr>
-        </p:nvSpPr>
-        <p:spPr/>
-        <p:txBody>
-          <a:bodyPr/>
-          <a:lstStyle/>
-          <a:p>
-            <a:fld id="{A90F21CD-99AA-425F-97AE-5CC2D8B33E07}" type="slidenum">
-              <a:rPr lang="en-MY" smtClean="0">
-                <a:solidFill>
-                  <a:prstClr val="black"/>
-                </a:solidFill>
-              </a:rPr>
-              <a:pPr/>
-              <a:t>1</a:t>
-            </a:fld>
-            <a:endParaRPr lang="en-MY">
-              <a:solidFill>
-                <a:prstClr val="black"/>
-              </a:solidFill>
-            </a:endParaRPr>
-          </a:p>
-        </p:txBody>
-      </p:sp>
+            <a:pPr marL="0" indent="0">
+              <a:buNone/>
+            </a:pPr>
+            <a:r>
+              <a:rPr lang="en-US" sz="2400" dirty="0" smtClean="0"/>
+              <a:t>Team members</a:t>
+            </a:r>
+          </a:p>
+          <a:p>
+            <a:pPr marL="0" indent="0">
+              <a:buNone/>
+            </a:pPr>
+            <a:r>
+              <a:rPr lang="en-US" sz="1800" dirty="0" smtClean="0"/>
+              <a:t>-Farah </a:t>
+            </a:r>
+            <a:r>
+              <a:rPr lang="en-US" sz="1800" dirty="0" err="1" smtClean="0"/>
+              <a:t>Binti</a:t>
+            </a:r>
+            <a:r>
+              <a:rPr lang="en-US" sz="1800" dirty="0" smtClean="0"/>
+              <a:t> Abdul Muttalib</a:t>
+            </a:r>
+          </a:p>
+          <a:p>
+            <a:pPr marL="0" indent="0">
+              <a:buNone/>
+            </a:pPr>
+            <a:r>
+              <a:rPr lang="en-US" sz="1800" dirty="0" smtClean="0"/>
+              <a:t>-Mohamad Shahnizam Bin Abd Saini</a:t>
+            </a:r>
+          </a:p>
+          <a:p>
+            <a:pPr marL="0" indent="0">
+              <a:buNone/>
+            </a:pPr>
+            <a:r>
+              <a:rPr lang="en-US" sz="1800" dirty="0" smtClean="0"/>
+              <a:t>-Mohamad Syahmi Bin Mohamad Khairudin </a:t>
+            </a:r>
+          </a:p>
+          <a:p>
+            <a:pPr marL="0" indent="0">
+              <a:buNone/>
+            </a:pPr>
+            <a:r>
+              <a:rPr lang="en-US" sz="1800" dirty="0" smtClean="0"/>
+              <a:t>-Zulfadli Bin Kamaruzzaman</a:t>
+            </a:r>
+          </a:p>
+          <a:p>
+            <a:pPr marL="0" indent="0">
+              <a:buNone/>
+            </a:pPr>
+            <a:r>
+              <a:rPr lang="en-US" sz="1800" dirty="0" smtClean="0"/>
+              <a:t>-</a:t>
+            </a:r>
+            <a:r>
+              <a:rPr lang="de-DE" sz="1800" dirty="0" smtClean="0"/>
+              <a:t>Wan Zahiruddin Bin W Abd Kadir</a:t>
+            </a:r>
+          </a:p>
+          <a:p>
+            <a:pPr marL="0" indent="0">
+              <a:buNone/>
+            </a:pPr>
+            <a:r>
+              <a:rPr lang="de-DE" sz="1800" dirty="0" smtClean="0"/>
+              <a:t>-Muhammad A'tif Bin Abd Razak</a:t>
+            </a:r>
+          </a:p>
+          <a:p>
+            <a:pPr marL="0" indent="0">
+              <a:buNone/>
+            </a:pPr>
+            <a:r>
+              <a:rPr lang="de-DE" sz="1800" dirty="0" smtClean="0"/>
+              <a:t>-Muhammad Amirul Fahmi Bin Abdullah </a:t>
+            </a:r>
+          </a:p>
+          <a:p>
+            <a:pPr marL="0" indent="0">
+              <a:buNone/>
+            </a:pPr>
+            <a:r>
+              <a:rPr lang="de-DE" sz="1800" dirty="0" smtClean="0"/>
+              <a:t>-Ahmad Zulzhafri Bin Mohamad Zuki</a:t>
+            </a:r>
+            <a:endParaRPr lang="en-US" sz="1800" dirty="0" smtClean="0"/>
+          </a:p>
+          <a:p>
+            <a:pPr marL="0" indent="0">
+              <a:buNone/>
+            </a:pPr>
+            <a:endParaRPr lang="en-US" sz="2800" dirty="0"/>
+          </a:p>
+        </p:txBody>
+      </p:sp>
+      <p:pic>
+        <p:nvPicPr>
+          <p:cNvPr id="5" name="Picture 4"/>
+          <p:cNvPicPr>
+            <a:picLocks noChangeAspect="1"/>
+          </p:cNvPicPr>
+          <p:nvPr/>
+        </p:nvPicPr>
+        <p:blipFill>
+          <a:blip r:embed="rId2"/>
+          <a:stretch>
+            <a:fillRect/>
+          </a:stretch>
+        </p:blipFill>
+        <p:spPr>
+          <a:xfrm>
+            <a:off x="9218177" y="0"/>
+            <a:ext cx="2973823" cy="2153937"/>
+          </a:xfrm>
+          <a:prstGeom prst="rect">
+            <a:avLst/>
+          </a:prstGeom>
+        </p:spPr>
+      </p:pic>
     </p:spTree>
     <p:extLst>
       <p:ext uri="{BB962C8B-B14F-4D97-AF65-F5344CB8AC3E}">
-        <p14:creationId xmlns:p14="http://schemas.microsoft.com/office/powerpoint/2010/main" val="3734573290"/>
+        <p14:creationId xmlns:p14="http://schemas.microsoft.com/office/powerpoint/2010/main" val="3821166317"/>
       </p:ext>
     </p:extLst>
   </p:cSld>
@@ -4044,12 +4166,12 @@
       </p:grpSpPr>
       <p:sp>
         <p:nvSpPr>
-          <p:cNvPr id="2" name="Title 1"/>
-          <p:cNvSpPr>
-            <a:spLocks noGrp="1"/>
-          </p:cNvSpPr>
-          <p:nvPr>
-            <p:ph type="title"/>
+          <p:cNvPr id="4" name="Slide Number Placeholder 3"/>
+          <p:cNvSpPr>
+            <a:spLocks noGrp="1"/>
+          </p:cNvSpPr>
+          <p:nvPr>
+            <p:ph type="sldNum" sz="quarter" idx="12"/>
           </p:nvPr>
         </p:nvSpPr>
         <p:spPr/>
@@ -4057,73 +4179,266 @@
           <a:bodyPr/>
           <a:lstStyle/>
           <a:p>
-            <a:r>
-              <a:rPr lang="en-US" dirty="0" err="1" smtClean="0"/>
-              <a:t>Rasberry</a:t>
-            </a:r>
-            <a:r>
-              <a:rPr lang="en-US" dirty="0" smtClean="0"/>
-              <a:t> pi</a:t>
-            </a:r>
-            <a:endParaRPr lang="en-MY" dirty="0"/>
-          </a:p>
-        </p:txBody>
-      </p:sp>
-      <p:sp>
-        <p:nvSpPr>
-          <p:cNvPr id="3" name="Content Placeholder 2"/>
-          <p:cNvSpPr>
-            <a:spLocks noGrp="1"/>
-          </p:cNvSpPr>
-          <p:nvPr>
-            <p:ph idx="1"/>
-          </p:nvPr>
-        </p:nvSpPr>
-        <p:spPr/>
-        <p:txBody>
-          <a:bodyPr/>
-          <a:lstStyle/>
-          <a:p>
-            <a:endParaRPr lang="en-MY"/>
-          </a:p>
-        </p:txBody>
-      </p:sp>
-      <p:sp>
-        <p:nvSpPr>
-          <p:cNvPr id="4" name="Slide Number Placeholder 3"/>
-          <p:cNvSpPr>
-            <a:spLocks noGrp="1"/>
-          </p:cNvSpPr>
-          <p:nvPr>
-            <p:ph type="sldNum" sz="quarter" idx="12"/>
-          </p:nvPr>
-        </p:nvSpPr>
-        <p:spPr/>
-        <p:txBody>
-          <a:bodyPr/>
-          <a:lstStyle/>
-          <a:p>
             <a:fld id="{A90F21CD-99AA-425F-97AE-5CC2D8B33E07}" type="slidenum">
-              <a:rPr lang="en-MY" smtClean="0">
-                <a:solidFill>
-                  <a:prstClr val="black"/>
-                </a:solidFill>
-              </a:rPr>
+              <a:rPr lang="en-MY" smtClean="0"/>
               <a:pPr/>
               <a:t>10</a:t>
             </a:fld>
-            <a:endParaRPr lang="en-MY">
-              <a:solidFill>
-                <a:prstClr val="black"/>
-              </a:solidFill>
-            </a:endParaRPr>
-          </a:p>
-        </p:txBody>
-      </p:sp>
+            <a:endParaRPr lang="en-MY"/>
+          </a:p>
+        </p:txBody>
+      </p:sp>
+      <p:sp>
+        <p:nvSpPr>
+          <p:cNvPr id="5" name="Title 1"/>
+          <p:cNvSpPr txBox="1">
+            <a:spLocks/>
+          </p:cNvSpPr>
+          <p:nvPr/>
+        </p:nvSpPr>
+        <p:spPr bwMode="auto">
+          <a:xfrm>
+            <a:off x="838200" y="365125"/>
+            <a:ext cx="10515600" cy="1325563"/>
+          </a:xfrm>
+          <a:prstGeom prst="rect">
+            <a:avLst/>
+          </a:prstGeom>
+          <a:noFill/>
+          <a:ln>
+            <a:noFill/>
+          </a:ln>
+          <a:extLst>
+            <a:ext uri="{909E8E84-426E-40DD-AFC4-6F175D3DCCD1}">
+              <a14:hiddenFill xmlns:a14="http://schemas.microsoft.com/office/drawing/2010/main">
+                <a:solidFill>
+                  <a:srgbClr val="FFFFFF"/>
+                </a:solidFill>
+              </a14:hiddenFill>
+            </a:ext>
+            <a:ext uri="{91240B29-F687-4F45-9708-019B960494DF}">
+              <a14:hiddenLine xmlns:a14="http://schemas.microsoft.com/office/drawing/2010/main" w="9525">
+                <a:solidFill>
+                  <a:srgbClr val="000000"/>
+                </a:solidFill>
+                <a:miter lim="800000"/>
+                <a:headEnd/>
+                <a:tailEnd/>
+              </a14:hiddenLine>
+            </a:ext>
+          </a:extLst>
+        </p:spPr>
+        <p:txBody>
+          <a:bodyPr vert="horz" wrap="square" lIns="91440" tIns="45720" rIns="91440" bIns="45720" numCol="1" anchor="ctr" anchorCtr="0" compatLnSpc="1">
+            <a:prstTxWarp prst="textNoShape">
+              <a:avLst/>
+            </a:prstTxWarp>
+          </a:bodyPr>
+          <a:lstStyle>
+            <a:lvl1pPr algn="ctr" rtl="0" eaLnBrk="1" fontAlgn="base" hangingPunct="1">
+              <a:spcBef>
+                <a:spcPct val="0"/>
+              </a:spcBef>
+              <a:spcAft>
+                <a:spcPct val="0"/>
+              </a:spcAft>
+              <a:defRPr sz="4400" kern="1200">
+                <a:solidFill>
+                  <a:schemeClr val="tx1"/>
+                </a:solidFill>
+                <a:latin typeface="+mj-lt"/>
+                <a:ea typeface="+mj-ea"/>
+                <a:cs typeface="+mj-cs"/>
+              </a:defRPr>
+            </a:lvl1pPr>
+            <a:lvl2pPr algn="ctr" rtl="0" eaLnBrk="1" fontAlgn="base" hangingPunct="1">
+              <a:spcBef>
+                <a:spcPct val="0"/>
+              </a:spcBef>
+              <a:spcAft>
+                <a:spcPct val="0"/>
+              </a:spcAft>
+              <a:defRPr sz="4400">
+                <a:solidFill>
+                  <a:schemeClr val="tx1"/>
+                </a:solidFill>
+                <a:latin typeface="Calibri" pitchFamily="-112" charset="0"/>
+              </a:defRPr>
+            </a:lvl2pPr>
+            <a:lvl3pPr algn="ctr" rtl="0" eaLnBrk="1" fontAlgn="base" hangingPunct="1">
+              <a:spcBef>
+                <a:spcPct val="0"/>
+              </a:spcBef>
+              <a:spcAft>
+                <a:spcPct val="0"/>
+              </a:spcAft>
+              <a:defRPr sz="4400">
+                <a:solidFill>
+                  <a:schemeClr val="tx1"/>
+                </a:solidFill>
+                <a:latin typeface="Calibri" pitchFamily="-112" charset="0"/>
+              </a:defRPr>
+            </a:lvl3pPr>
+            <a:lvl4pPr algn="ctr" rtl="0" eaLnBrk="1" fontAlgn="base" hangingPunct="1">
+              <a:spcBef>
+                <a:spcPct val="0"/>
+              </a:spcBef>
+              <a:spcAft>
+                <a:spcPct val="0"/>
+              </a:spcAft>
+              <a:defRPr sz="4400">
+                <a:solidFill>
+                  <a:schemeClr val="tx1"/>
+                </a:solidFill>
+                <a:latin typeface="Calibri" pitchFamily="-112" charset="0"/>
+              </a:defRPr>
+            </a:lvl4pPr>
+            <a:lvl5pPr algn="ctr" rtl="0" eaLnBrk="1" fontAlgn="base" hangingPunct="1">
+              <a:spcBef>
+                <a:spcPct val="0"/>
+              </a:spcBef>
+              <a:spcAft>
+                <a:spcPct val="0"/>
+              </a:spcAft>
+              <a:defRPr sz="4400">
+                <a:solidFill>
+                  <a:schemeClr val="tx1"/>
+                </a:solidFill>
+                <a:latin typeface="Calibri" pitchFamily="-112" charset="0"/>
+              </a:defRPr>
+            </a:lvl5pPr>
+            <a:lvl6pPr marL="457200" algn="ctr" rtl="0" eaLnBrk="1" fontAlgn="base" hangingPunct="1">
+              <a:spcBef>
+                <a:spcPct val="0"/>
+              </a:spcBef>
+              <a:spcAft>
+                <a:spcPct val="0"/>
+              </a:spcAft>
+              <a:defRPr sz="4400">
+                <a:solidFill>
+                  <a:schemeClr val="tx1"/>
+                </a:solidFill>
+                <a:latin typeface="Calibri" pitchFamily="-112" charset="0"/>
+              </a:defRPr>
+            </a:lvl6pPr>
+            <a:lvl7pPr marL="914400" algn="ctr" rtl="0" eaLnBrk="1" fontAlgn="base" hangingPunct="1">
+              <a:spcBef>
+                <a:spcPct val="0"/>
+              </a:spcBef>
+              <a:spcAft>
+                <a:spcPct val="0"/>
+              </a:spcAft>
+              <a:defRPr sz="4400">
+                <a:solidFill>
+                  <a:schemeClr val="tx1"/>
+                </a:solidFill>
+                <a:latin typeface="Calibri" pitchFamily="-112" charset="0"/>
+              </a:defRPr>
+            </a:lvl7pPr>
+            <a:lvl8pPr marL="1371600" algn="ctr" rtl="0" eaLnBrk="1" fontAlgn="base" hangingPunct="1">
+              <a:spcBef>
+                <a:spcPct val="0"/>
+              </a:spcBef>
+              <a:spcAft>
+                <a:spcPct val="0"/>
+              </a:spcAft>
+              <a:defRPr sz="4400">
+                <a:solidFill>
+                  <a:schemeClr val="tx1"/>
+                </a:solidFill>
+                <a:latin typeface="Calibri" pitchFamily="-112" charset="0"/>
+              </a:defRPr>
+            </a:lvl8pPr>
+            <a:lvl9pPr marL="1828800" algn="ctr" rtl="0" eaLnBrk="1" fontAlgn="base" hangingPunct="1">
+              <a:spcBef>
+                <a:spcPct val="0"/>
+              </a:spcBef>
+              <a:spcAft>
+                <a:spcPct val="0"/>
+              </a:spcAft>
+              <a:defRPr sz="4400">
+                <a:solidFill>
+                  <a:schemeClr val="tx1"/>
+                </a:solidFill>
+                <a:latin typeface="Calibri" pitchFamily="-112" charset="0"/>
+              </a:defRPr>
+            </a:lvl9pPr>
+          </a:lstStyle>
+          <a:p>
+            <a:r>
+              <a:rPr lang="en-US" b="1" smtClean="0"/>
+              <a:t>Data Flow</a:t>
+            </a:r>
+            <a:endParaRPr lang="en-US" b="1" dirty="0"/>
+          </a:p>
+        </p:txBody>
+      </p:sp>
+      <p:graphicFrame>
+        <p:nvGraphicFramePr>
+          <p:cNvPr id="6" name="Object 5"/>
+          <p:cNvGraphicFramePr>
+            <a:graphicFrameLocks noChangeAspect="1"/>
+          </p:cNvGraphicFramePr>
+          <p:nvPr>
+            <p:extLst>
+              <p:ext uri="{D42A27DB-BD31-4B8C-83A1-F6EECF244321}">
+                <p14:modId xmlns:p14="http://schemas.microsoft.com/office/powerpoint/2010/main" val="783719821"/>
+              </p:ext>
+            </p:extLst>
+          </p:nvPr>
+        </p:nvGraphicFramePr>
+        <p:xfrm>
+          <a:off x="838200" y="1549891"/>
+          <a:ext cx="10515600" cy="4681638"/>
+        </p:xfrm>
+        <a:graphic>
+          <a:graphicData uri="http://schemas.openxmlformats.org/presentationml/2006/ole">
+            <mc:AlternateContent xmlns:mc="http://schemas.openxmlformats.org/markup-compatibility/2006">
+              <mc:Choice xmlns:v="urn:schemas-microsoft-com:vml" Requires="v">
+                <p:oleObj spid="_x0000_s2053" name="Image" r:id="rId3" imgW="3462480" imgH="1542240" progId="Photoshop.Image.13">
+                  <p:embed/>
+                </p:oleObj>
+              </mc:Choice>
+              <mc:Fallback>
+                <p:oleObj name="Image" r:id="rId3" imgW="3462480" imgH="1542240" progId="Photoshop.Image.13">
+                  <p:embed/>
+                  <p:pic>
+                    <p:nvPicPr>
+                      <p:cNvPr id="0" name=""/>
+                      <p:cNvPicPr/>
+                      <p:nvPr/>
+                    </p:nvPicPr>
+                    <p:blipFill>
+                      <a:blip r:embed="rId4"/>
+                      <a:stretch>
+                        <a:fillRect/>
+                      </a:stretch>
+                    </p:blipFill>
+                    <p:spPr>
+                      <a:xfrm>
+                        <a:off x="838200" y="1549891"/>
+                        <a:ext cx="10515600" cy="4681638"/>
+                      </a:xfrm>
+                      <a:prstGeom prst="rect">
+                        <a:avLst/>
+                      </a:prstGeom>
+                      <a:ln>
+                        <a:solidFill>
+                          <a:schemeClr val="tx1"/>
+                        </a:solidFill>
+                      </a:ln>
+                    </p:spPr>
+                  </p:pic>
+                </p:oleObj>
+              </mc:Fallback>
+            </mc:AlternateContent>
+          </a:graphicData>
+        </a:graphic>
+      </p:graphicFrame>
     </p:spTree>
     <p:extLst>
       <p:ext uri="{BB962C8B-B14F-4D97-AF65-F5344CB8AC3E}">
-        <p14:creationId xmlns:p14="http://schemas.microsoft.com/office/powerpoint/2010/main" val="432555917"/>
+        <p14:creationId xmlns:p14="http://schemas.microsoft.com/office/powerpoint/2010/main" val="1530855254"/>
       </p:ext>
     </p:extLst>
   </p:cSld>
@@ -4152,6 +4467,34 @@
       </p:grpSpPr>
       <p:sp>
         <p:nvSpPr>
+          <p:cNvPr id="2" name="Title 1"/>
+          <p:cNvSpPr>
+            <a:spLocks noGrp="1"/>
+          </p:cNvSpPr>
+          <p:nvPr>
+            <p:ph type="title"/>
+          </p:nvPr>
+        </p:nvSpPr>
+        <p:spPr>
+          <a:xfrm>
+            <a:off x="609600" y="2416480"/>
+            <a:ext cx="10972800" cy="1143000"/>
+          </a:xfrm>
+        </p:spPr>
+        <p:txBody>
+          <a:bodyPr/>
+          <a:lstStyle/>
+          <a:p>
+            <a:r>
+              <a:rPr lang="en-US" sz="6600" b="1" dirty="0" smtClean="0"/>
+              <a:t>DJANGO</a:t>
+            </a:r>
+            <a:endParaRPr lang="en-MY" sz="6600" b="1" dirty="0"/>
+          </a:p>
+        </p:txBody>
+      </p:sp>
+      <p:sp>
+        <p:nvSpPr>
           <p:cNvPr id="4" name="Slide Number Placeholder 3"/>
           <p:cNvSpPr>
             <a:spLocks noGrp="1"/>
@@ -4182,297 +4525,10 @@
           </a:p>
         </p:txBody>
       </p:sp>
-      <p:sp>
-        <p:nvSpPr>
-          <p:cNvPr id="6" name="Title 1"/>
-          <p:cNvSpPr>
-            <a:spLocks noGrp="1"/>
-          </p:cNvSpPr>
-          <p:nvPr>
-            <p:ph type="title"/>
-          </p:nvPr>
-        </p:nvSpPr>
-        <p:spPr>
-          <a:xfrm>
-            <a:off x="453736" y="323080"/>
-            <a:ext cx="10972800" cy="1143000"/>
-          </a:xfrm>
-        </p:spPr>
-        <p:txBody>
-          <a:bodyPr>
-            <a:normAutofit/>
-          </a:bodyPr>
-          <a:lstStyle/>
-          <a:p>
-            <a:pPr algn="ctr"/>
-            <a:r>
-              <a:rPr lang="en-US" b="1" dirty="0" smtClean="0"/>
-              <a:t>Raspberry Pi GPIO</a:t>
-            </a:r>
-            <a:endParaRPr lang="en-US" b="1" dirty="0"/>
-          </a:p>
-        </p:txBody>
-      </p:sp>
-      <p:sp>
-        <p:nvSpPr>
-          <p:cNvPr id="2" name="TextBox 1"/>
-          <p:cNvSpPr txBox="1"/>
-          <p:nvPr/>
-        </p:nvSpPr>
-        <p:spPr>
-          <a:xfrm>
-            <a:off x="529936" y="1652155"/>
-            <a:ext cx="11014364" cy="1200329"/>
-          </a:xfrm>
-          <a:prstGeom prst="rect">
-            <a:avLst/>
-          </a:prstGeom>
-          <a:noFill/>
-        </p:spPr>
-        <p:txBody>
-          <a:bodyPr wrap="square" rtlCol="0">
-            <a:spAutoFit/>
-          </a:bodyPr>
-          <a:lstStyle/>
-          <a:p>
-            <a:r>
-              <a:rPr lang="en-US" dirty="0" smtClean="0"/>
-              <a:t>All </a:t>
-            </a:r>
-            <a:r>
-              <a:rPr lang="en-US" dirty="0" err="1" smtClean="0"/>
-              <a:t>Rpi</a:t>
-            </a:r>
-            <a:r>
-              <a:rPr lang="en-US" dirty="0" smtClean="0"/>
-              <a:t> GPIO interaction is setup using Python language</a:t>
-            </a:r>
-          </a:p>
-          <a:p>
-            <a:pPr marL="285750" indent="-285750">
-              <a:buFontTx/>
-              <a:buChar char="-"/>
-            </a:pPr>
-            <a:r>
-              <a:rPr lang="en-US" dirty="0" smtClean="0"/>
-              <a:t>water_system.py</a:t>
-            </a:r>
-          </a:p>
-          <a:p>
-            <a:pPr marL="285750" indent="-285750">
-              <a:buFontTx/>
-              <a:buChar char="-"/>
-            </a:pPr>
-            <a:r>
-              <a:rPr lang="en-US" dirty="0" smtClean="0"/>
-              <a:t>start_pump.py</a:t>
-            </a:r>
-          </a:p>
-          <a:p>
-            <a:pPr marL="285750" indent="-285750">
-              <a:buFontTx/>
-              <a:buChar char="-"/>
-            </a:pPr>
-            <a:r>
-              <a:rPr lang="en-US" dirty="0" smtClean="0"/>
-              <a:t>cleanup.py</a:t>
-            </a:r>
-            <a:endParaRPr lang="en-US" dirty="0"/>
-          </a:p>
-        </p:txBody>
-      </p:sp>
-      <p:pic>
-        <p:nvPicPr>
-          <p:cNvPr id="1026" name="Picture 2" descr="Image result for rpi"/>
-          <p:cNvPicPr>
-            <a:picLocks noChangeAspect="1" noChangeArrowheads="1"/>
-          </p:cNvPicPr>
-          <p:nvPr/>
-        </p:nvPicPr>
-        <p:blipFill>
-          <a:blip r:embed="rId2" cstate="print">
-            <a:extLst>
-              <a:ext uri="{28A0092B-C50C-407E-A947-70E740481C1C}">
-                <a14:useLocalDpi xmlns:a14="http://schemas.microsoft.com/office/drawing/2010/main" val="0"/>
-              </a:ext>
-            </a:extLst>
-          </a:blip>
-          <a:srcRect/>
-          <a:stretch>
-            <a:fillRect/>
-          </a:stretch>
-        </p:blipFill>
-        <p:spPr bwMode="auto">
-          <a:xfrm>
-            <a:off x="763968" y="3470560"/>
-            <a:ext cx="1812651" cy="2277342"/>
-          </a:xfrm>
-          <a:prstGeom prst="rect">
-            <a:avLst/>
-          </a:prstGeom>
-          <a:noFill/>
-          <a:extLst>
-            <a:ext uri="{909E8E84-426E-40DD-AFC4-6F175D3DCCD1}">
-              <a14:hiddenFill xmlns:a14="http://schemas.microsoft.com/office/drawing/2010/main">
-                <a:solidFill>
-                  <a:srgbClr val="FFFFFF"/>
-                </a:solidFill>
-              </a14:hiddenFill>
-            </a:ext>
-          </a:extLst>
-        </p:spPr>
-      </p:pic>
-      <p:pic>
-        <p:nvPicPr>
-          <p:cNvPr id="1030" name="Picture 6" descr="Image result for plus symbol png"/>
-          <p:cNvPicPr>
-            <a:picLocks noChangeAspect="1" noChangeArrowheads="1"/>
-          </p:cNvPicPr>
-          <p:nvPr/>
-        </p:nvPicPr>
-        <p:blipFill>
-          <a:blip r:embed="rId3" cstate="print">
-            <a:extLst>
-              <a:ext uri="{28A0092B-C50C-407E-A947-70E740481C1C}">
-                <a14:useLocalDpi xmlns:a14="http://schemas.microsoft.com/office/drawing/2010/main" val="0"/>
-              </a:ext>
-            </a:extLst>
-          </a:blip>
-          <a:srcRect/>
-          <a:stretch>
-            <a:fillRect/>
-          </a:stretch>
-        </p:blipFill>
-        <p:spPr bwMode="auto">
-          <a:xfrm>
-            <a:off x="2977109" y="3979269"/>
-            <a:ext cx="1247197" cy="1259924"/>
-          </a:xfrm>
-          <a:prstGeom prst="rect">
-            <a:avLst/>
-          </a:prstGeom>
-          <a:noFill/>
-          <a:extLst>
-            <a:ext uri="{909E8E84-426E-40DD-AFC4-6F175D3DCCD1}">
-              <a14:hiddenFill xmlns:a14="http://schemas.microsoft.com/office/drawing/2010/main">
-                <a:solidFill>
-                  <a:srgbClr val="FFFFFF"/>
-                </a:solidFill>
-              </a14:hiddenFill>
-            </a:ext>
-          </a:extLst>
-        </p:spPr>
-      </p:pic>
-      <p:pic>
-        <p:nvPicPr>
-          <p:cNvPr id="1032" name="Picture 8" descr="Image result for equal symbol png"/>
-          <p:cNvPicPr>
-            <a:picLocks noChangeAspect="1" noChangeArrowheads="1"/>
-          </p:cNvPicPr>
-          <p:nvPr/>
-        </p:nvPicPr>
-        <p:blipFill>
-          <a:blip r:embed="rId4" cstate="print">
-            <a:extLst>
-              <a:ext uri="{28A0092B-C50C-407E-A947-70E740481C1C}">
-                <a14:useLocalDpi xmlns:a14="http://schemas.microsoft.com/office/drawing/2010/main" val="0"/>
-              </a:ext>
-            </a:extLst>
-          </a:blip>
-          <a:srcRect/>
-          <a:stretch>
-            <a:fillRect/>
-          </a:stretch>
-        </p:blipFill>
-        <p:spPr bwMode="auto">
-          <a:xfrm>
-            <a:off x="6816801" y="3709247"/>
-            <a:ext cx="1799963" cy="1799963"/>
-          </a:xfrm>
-          <a:prstGeom prst="rect">
-            <a:avLst/>
-          </a:prstGeom>
-          <a:noFill/>
-          <a:extLst>
-            <a:ext uri="{909E8E84-426E-40DD-AFC4-6F175D3DCCD1}">
-              <a14:hiddenFill xmlns:a14="http://schemas.microsoft.com/office/drawing/2010/main">
-                <a:solidFill>
-                  <a:srgbClr val="FFFFFF"/>
-                </a:solidFill>
-              </a14:hiddenFill>
-            </a:ext>
-          </a:extLst>
-        </p:spPr>
-      </p:pic>
-      <p:pic>
-        <p:nvPicPr>
-          <p:cNvPr id="1034" name="Picture 10" descr="Image result for python png"/>
-          <p:cNvPicPr>
-            <a:picLocks noChangeAspect="1" noChangeArrowheads="1"/>
-          </p:cNvPicPr>
-          <p:nvPr/>
-        </p:nvPicPr>
-        <p:blipFill>
-          <a:blip r:embed="rId5" cstate="print">
-            <a:extLst>
-              <a:ext uri="{28A0092B-C50C-407E-A947-70E740481C1C}">
-                <a14:useLocalDpi xmlns:a14="http://schemas.microsoft.com/office/drawing/2010/main" val="0"/>
-              </a:ext>
-            </a:extLst>
-          </a:blip>
-          <a:srcRect/>
-          <a:stretch>
-            <a:fillRect/>
-          </a:stretch>
-        </p:blipFill>
-        <p:spPr bwMode="auto">
-          <a:xfrm>
-            <a:off x="4624796" y="3513227"/>
-            <a:ext cx="2192005" cy="2192005"/>
-          </a:xfrm>
-          <a:prstGeom prst="rect">
-            <a:avLst/>
-          </a:prstGeom>
-          <a:noFill/>
-          <a:extLst>
-            <a:ext uri="{909E8E84-426E-40DD-AFC4-6F175D3DCCD1}">
-              <a14:hiddenFill xmlns:a14="http://schemas.microsoft.com/office/drawing/2010/main">
-                <a:solidFill>
-                  <a:srgbClr val="FFFFFF"/>
-                </a:solidFill>
-              </a14:hiddenFill>
-            </a:ext>
-          </a:extLst>
-        </p:spPr>
-      </p:pic>
-      <p:pic>
-        <p:nvPicPr>
-          <p:cNvPr id="3" name="Picture 2"/>
-          <p:cNvPicPr>
-            <a:picLocks noChangeAspect="1"/>
-          </p:cNvPicPr>
-          <p:nvPr/>
-        </p:nvPicPr>
-        <p:blipFill>
-          <a:blip r:embed="rId6"/>
-          <a:stretch>
-            <a:fillRect/>
-          </a:stretch>
-        </p:blipFill>
-        <p:spPr>
-          <a:xfrm>
-            <a:off x="8373468" y="2883458"/>
-            <a:ext cx="2921260" cy="2921260"/>
-          </a:xfrm>
-          <a:prstGeom prst="rect">
-            <a:avLst/>
-          </a:prstGeom>
-        </p:spPr>
-      </p:pic>
     </p:spTree>
     <p:extLst>
       <p:ext uri="{BB962C8B-B14F-4D97-AF65-F5344CB8AC3E}">
-        <p14:creationId xmlns:p14="http://schemas.microsoft.com/office/powerpoint/2010/main" val="3699278382"/>
+        <p14:creationId xmlns:p14="http://schemas.microsoft.com/office/powerpoint/2010/main" val="3734573290"/>
       </p:ext>
     </p:extLst>
   </p:cSld>
@@ -4501,146 +4557,320 @@
       </p:grpSpPr>
       <p:sp>
         <p:nvSpPr>
-          <p:cNvPr id="4" name="Slide Number Placeholder 3"/>
-          <p:cNvSpPr>
-            <a:spLocks noGrp="1"/>
-          </p:cNvSpPr>
-          <p:nvPr>
-            <p:ph type="sldNum" sz="quarter" idx="12"/>
-          </p:nvPr>
-        </p:nvSpPr>
-        <p:spPr/>
+          <p:cNvPr id="2" name="Title 1"/>
+          <p:cNvSpPr>
+            <a:spLocks noGrp="1"/>
+          </p:cNvSpPr>
+          <p:nvPr>
+            <p:ph type="title"/>
+          </p:nvPr>
+        </p:nvSpPr>
+        <p:spPr>
+          <a:xfrm>
+            <a:off x="616039" y="591899"/>
+            <a:ext cx="10972800" cy="1143000"/>
+          </a:xfrm>
+        </p:spPr>
         <p:txBody>
           <a:bodyPr/>
           <a:lstStyle/>
           <a:p>
+            <a:r>
+              <a:rPr lang="en-US" sz="3200" b="1" dirty="0">
+                <a:solidFill>
+                  <a:srgbClr val="002060"/>
+                </a:solidFill>
+                <a:latin typeface="Baskerville Old Face" panose="02020602080505020303" pitchFamily="18" charset="0"/>
+              </a:rPr>
+              <a:t>WEB PAGE DATA FLOW </a:t>
+            </a:r>
+          </a:p>
+        </p:txBody>
+      </p:sp>
+      <p:sp>
+        <p:nvSpPr>
+          <p:cNvPr id="4" name="Slide Number Placeholder 3"/>
+          <p:cNvSpPr>
+            <a:spLocks noGrp="1"/>
+          </p:cNvSpPr>
+          <p:nvPr>
+            <p:ph type="sldNum" sz="quarter" idx="12"/>
+          </p:nvPr>
+        </p:nvSpPr>
+        <p:spPr/>
+        <p:txBody>
+          <a:bodyPr/>
+          <a:lstStyle/>
+          <a:p>
             <a:fld id="{A90F21CD-99AA-425F-97AE-5CC2D8B33E07}" type="slidenum">
-              <a:rPr lang="en-MY" smtClean="0">
-                <a:solidFill>
-                  <a:prstClr val="black"/>
-                </a:solidFill>
-              </a:rPr>
+              <a:rPr lang="en-MY" smtClean="0"/>
               <a:pPr/>
               <a:t>12</a:t>
             </a:fld>
-            <a:endParaRPr lang="en-MY">
-              <a:solidFill>
-                <a:prstClr val="black"/>
-              </a:solidFill>
-            </a:endParaRPr>
-          </a:p>
-        </p:txBody>
-      </p:sp>
-      <p:sp>
-        <p:nvSpPr>
-          <p:cNvPr id="6" name="Title 1"/>
-          <p:cNvSpPr>
-            <a:spLocks noGrp="1"/>
-          </p:cNvSpPr>
-          <p:nvPr>
-            <p:ph type="title"/>
-          </p:nvPr>
+            <a:endParaRPr lang="en-MY"/>
+          </a:p>
+        </p:txBody>
+      </p:sp>
+      <p:sp>
+        <p:nvSpPr>
+          <p:cNvPr id="3" name="Round Diagonal Corner Rectangle 2"/>
+          <p:cNvSpPr/>
+          <p:nvPr/>
         </p:nvSpPr>
         <p:spPr>
           <a:xfrm>
-            <a:off x="1194955" y="645199"/>
-            <a:ext cx="10345882" cy="570537"/>
-          </a:xfrm>
-        </p:spPr>
-        <p:txBody>
-          <a:bodyPr>
-            <a:noAutofit/>
-          </a:bodyPr>
-          <a:lstStyle/>
-          <a:p>
-            <a:pPr algn="ctr"/>
-            <a:r>
-              <a:rPr lang="en-US" b="1" dirty="0" smtClean="0"/>
-              <a:t>Raspberry Pi Webserver</a:t>
-            </a:r>
-            <a:endParaRPr lang="en-US" b="1" dirty="0"/>
-          </a:p>
-        </p:txBody>
-      </p:sp>
-      <p:sp>
-        <p:nvSpPr>
-          <p:cNvPr id="2" name="TextBox 1"/>
-          <p:cNvSpPr txBox="1"/>
-          <p:nvPr/>
-        </p:nvSpPr>
-        <p:spPr>
-          <a:xfrm>
-            <a:off x="592282" y="1610591"/>
-            <a:ext cx="10948555" cy="923330"/>
-          </a:xfrm>
-          <a:prstGeom prst="rect">
+            <a:off x="888641" y="3078051"/>
+            <a:ext cx="2743200" cy="1571222"/>
+          </a:xfrm>
+          <a:prstGeom prst="round2DiagRect">
             <a:avLst/>
           </a:prstGeom>
-          <a:noFill/>
-        </p:spPr>
-        <p:txBody>
-          <a:bodyPr wrap="square" rtlCol="0">
-            <a:spAutoFit/>
-          </a:bodyPr>
+        </p:spPr>
+        <p:style>
+          <a:lnRef idx="2">
+            <a:schemeClr val="accent1">
+              <a:shade val="50000"/>
+            </a:schemeClr>
+          </a:lnRef>
+          <a:fillRef idx="1">
+            <a:schemeClr val="accent1"/>
+          </a:fillRef>
+          <a:effectRef idx="0">
+            <a:schemeClr val="accent1"/>
+          </a:effectRef>
+          <a:fontRef idx="minor">
+            <a:schemeClr val="lt1"/>
+          </a:fontRef>
+        </p:style>
+        <p:txBody>
+          <a:bodyPr rtlCol="0" anchor="ctr"/>
           <a:lstStyle/>
           <a:p>
-            <a:pPr marL="285750" indent="-285750">
-              <a:buFontTx/>
-              <a:buChar char="-"/>
-            </a:pPr>
-            <a:r>
-              <a:rPr lang="en-US" dirty="0" smtClean="0"/>
-              <a:t>To run </a:t>
-            </a:r>
-            <a:r>
-              <a:rPr lang="en-US" dirty="0" err="1" smtClean="0"/>
-              <a:t>Rpi</a:t>
-            </a:r>
-            <a:r>
-              <a:rPr lang="en-US" dirty="0" smtClean="0"/>
-              <a:t> remotely, webserver setup is needed</a:t>
-            </a:r>
-          </a:p>
-          <a:p>
-            <a:pPr marL="285750" indent="-285750">
-              <a:buFontTx/>
-              <a:buChar char="-"/>
-            </a:pPr>
-            <a:r>
-              <a:rPr lang="en-US" dirty="0" smtClean="0"/>
-              <a:t>There are several choices of webserver available</a:t>
-            </a:r>
-          </a:p>
-          <a:p>
-            <a:pPr marL="285750" indent="-285750">
-              <a:buFontTx/>
-              <a:buChar char="-"/>
-            </a:pPr>
-            <a:r>
-              <a:rPr lang="en-US" dirty="0" smtClean="0"/>
-              <a:t>This project using : Apache + PHP </a:t>
-            </a:r>
-            <a:endParaRPr lang="en-US" dirty="0"/>
+            <a:pPr algn="ctr"/>
+            <a:r>
+              <a:rPr lang="en-US" sz="2800" dirty="0" smtClean="0"/>
+              <a:t>DATABASE</a:t>
+            </a:r>
+            <a:endParaRPr lang="en-US" sz="2800" dirty="0"/>
+          </a:p>
+        </p:txBody>
+      </p:sp>
+      <p:sp>
+        <p:nvSpPr>
+          <p:cNvPr id="6" name="Round Diagonal Corner Rectangle 5"/>
+          <p:cNvSpPr/>
+          <p:nvPr/>
+        </p:nvSpPr>
+        <p:spPr>
+          <a:xfrm>
+            <a:off x="4730839" y="3078051"/>
+            <a:ext cx="2743200" cy="1571222"/>
+          </a:xfrm>
+          <a:prstGeom prst="round2DiagRect">
+            <a:avLst/>
+          </a:prstGeom>
+        </p:spPr>
+        <p:style>
+          <a:lnRef idx="2">
+            <a:schemeClr val="accent1">
+              <a:shade val="50000"/>
+            </a:schemeClr>
+          </a:lnRef>
+          <a:fillRef idx="1">
+            <a:schemeClr val="accent1"/>
+          </a:fillRef>
+          <a:effectRef idx="0">
+            <a:schemeClr val="accent1"/>
+          </a:effectRef>
+          <a:fontRef idx="minor">
+            <a:schemeClr val="lt1"/>
+          </a:fontRef>
+        </p:style>
+        <p:txBody>
+          <a:bodyPr rtlCol="0" anchor="ctr"/>
+          <a:lstStyle/>
+          <a:p>
+            <a:pPr algn="ctr"/>
+            <a:r>
+              <a:rPr lang="en-US" sz="2800" dirty="0" smtClean="0"/>
+              <a:t>PHP</a:t>
+            </a:r>
+            <a:endParaRPr lang="en-US" sz="2800" dirty="0"/>
+          </a:p>
+        </p:txBody>
+      </p:sp>
+      <p:sp>
+        <p:nvSpPr>
+          <p:cNvPr id="7" name="Round Diagonal Corner Rectangle 6"/>
+          <p:cNvSpPr/>
+          <p:nvPr/>
+        </p:nvSpPr>
+        <p:spPr>
+          <a:xfrm>
+            <a:off x="8573036" y="3078051"/>
+            <a:ext cx="2743200" cy="1571222"/>
+          </a:xfrm>
+          <a:prstGeom prst="round2DiagRect">
+            <a:avLst/>
+          </a:prstGeom>
+        </p:spPr>
+        <p:style>
+          <a:lnRef idx="2">
+            <a:schemeClr val="accent1">
+              <a:shade val="50000"/>
+            </a:schemeClr>
+          </a:lnRef>
+          <a:fillRef idx="1">
+            <a:schemeClr val="accent1"/>
+          </a:fillRef>
+          <a:effectRef idx="0">
+            <a:schemeClr val="accent1"/>
+          </a:effectRef>
+          <a:fontRef idx="minor">
+            <a:schemeClr val="lt1"/>
+          </a:fontRef>
+        </p:style>
+        <p:txBody>
+          <a:bodyPr rtlCol="0" anchor="ctr"/>
+          <a:lstStyle/>
+          <a:p>
+            <a:pPr algn="ctr"/>
+            <a:r>
+              <a:rPr lang="en-US" sz="2800" dirty="0" smtClean="0"/>
+              <a:t>PYTHON</a:t>
+            </a:r>
+            <a:endParaRPr lang="en-US" sz="2800" dirty="0"/>
+          </a:p>
+        </p:txBody>
+      </p:sp>
+      <p:sp>
+        <p:nvSpPr>
+          <p:cNvPr id="8" name="Right Arrow 7"/>
+          <p:cNvSpPr/>
+          <p:nvPr/>
+        </p:nvSpPr>
+        <p:spPr>
+          <a:xfrm>
+            <a:off x="3827171" y="3644721"/>
+            <a:ext cx="708338" cy="437882"/>
+          </a:xfrm>
+          <a:prstGeom prst="rightArrow">
+            <a:avLst/>
+          </a:prstGeom>
+          <a:solidFill>
+            <a:srgbClr val="FFFF00"/>
+          </a:solidFill>
+        </p:spPr>
+        <p:style>
+          <a:lnRef idx="2">
+            <a:schemeClr val="accent1">
+              <a:shade val="50000"/>
+            </a:schemeClr>
+          </a:lnRef>
+          <a:fillRef idx="1">
+            <a:schemeClr val="accent1"/>
+          </a:fillRef>
+          <a:effectRef idx="0">
+            <a:schemeClr val="accent1"/>
+          </a:effectRef>
+          <a:fontRef idx="minor">
+            <a:schemeClr val="lt1"/>
+          </a:fontRef>
+        </p:style>
+        <p:txBody>
+          <a:bodyPr rtlCol="0" anchor="ctr"/>
+          <a:lstStyle/>
+          <a:p>
+            <a:pPr algn="ctr"/>
+            <a:endParaRPr lang="en-US"/>
+          </a:p>
+        </p:txBody>
+      </p:sp>
+      <p:sp>
+        <p:nvSpPr>
+          <p:cNvPr id="9" name="Right Arrow 8"/>
+          <p:cNvSpPr/>
+          <p:nvPr/>
+        </p:nvSpPr>
+        <p:spPr>
+          <a:xfrm>
+            <a:off x="7659708" y="3683358"/>
+            <a:ext cx="708338" cy="437882"/>
+          </a:xfrm>
+          <a:prstGeom prst="rightArrow">
+            <a:avLst/>
+          </a:prstGeom>
+          <a:solidFill>
+            <a:srgbClr val="FFFF00"/>
+          </a:solidFill>
+        </p:spPr>
+        <p:style>
+          <a:lnRef idx="2">
+            <a:schemeClr val="accent1">
+              <a:shade val="50000"/>
+            </a:schemeClr>
+          </a:lnRef>
+          <a:fillRef idx="1">
+            <a:schemeClr val="accent1"/>
+          </a:fillRef>
+          <a:effectRef idx="0">
+            <a:schemeClr val="accent1"/>
+          </a:effectRef>
+          <a:fontRef idx="minor">
+            <a:schemeClr val="lt1"/>
+          </a:fontRef>
+        </p:style>
+        <p:txBody>
+          <a:bodyPr rtlCol="0" anchor="ctr"/>
+          <a:lstStyle/>
+          <a:p>
+            <a:pPr algn="ctr"/>
+            <a:endParaRPr lang="en-US"/>
           </a:p>
         </p:txBody>
       </p:sp>
       <p:pic>
         <p:nvPicPr>
-          <p:cNvPr id="3" name="Picture 2"/>
+          <p:cNvPr id="10" name="Picture 9"/>
           <p:cNvPicPr>
             <a:picLocks noChangeAspect="1"/>
           </p:cNvPicPr>
           <p:nvPr/>
         </p:nvPicPr>
-        <p:blipFill rotWithShape="1">
+        <p:blipFill>
           <a:blip r:embed="rId2"/>
-          <a:srcRect b="19048"/>
-          <a:stretch/>
+          <a:stretch>
+            <a:fillRect/>
+          </a:stretch>
         </p:blipFill>
         <p:spPr>
           <a:xfrm>
-            <a:off x="2494684" y="3175000"/>
-            <a:ext cx="7143750" cy="2159000"/>
+            <a:off x="2847346" y="1872957"/>
+            <a:ext cx="2716328" cy="997835"/>
+          </a:xfrm>
+          <a:prstGeom prst="rect">
+            <a:avLst/>
+          </a:prstGeom>
+        </p:spPr>
+      </p:pic>
+      <p:pic>
+        <p:nvPicPr>
+          <p:cNvPr id="11" name="Picture 10"/>
+          <p:cNvPicPr>
+            <a:picLocks noChangeAspect="1"/>
+          </p:cNvPicPr>
+          <p:nvPr/>
+        </p:nvPicPr>
+        <p:blipFill>
+          <a:blip r:embed="rId3"/>
+          <a:stretch>
+            <a:fillRect/>
+          </a:stretch>
+        </p:blipFill>
+        <p:spPr>
+          <a:xfrm>
+            <a:off x="8573036" y="2194517"/>
+            <a:ext cx="3038475" cy="676275"/>
           </a:xfrm>
           <a:prstGeom prst="rect">
             <a:avLst/>
@@ -4650,13 +4880,16 @@
     </p:spTree>
     <p:extLst>
       <p:ext uri="{BB962C8B-B14F-4D97-AF65-F5344CB8AC3E}">
-        <p14:creationId xmlns:p14="http://schemas.microsoft.com/office/powerpoint/2010/main" val="2754153469"/>
+        <p14:creationId xmlns:p14="http://schemas.microsoft.com/office/powerpoint/2010/main" val="4267311295"/>
       </p:ext>
     </p:extLst>
   </p:cSld>
   <p:clrMapOvr>
     <a:masterClrMapping/>
   </p:clrMapOvr>
+  <p:transition>
+    <p:fade/>
+  </p:transition>
 </p:sld>
 </file>
 
@@ -4679,12 +4912,12 @@
       </p:grpSpPr>
       <p:sp>
         <p:nvSpPr>
-          <p:cNvPr id="4" name="Slide Number Placeholder 3"/>
-          <p:cNvSpPr>
-            <a:spLocks noGrp="1"/>
-          </p:cNvSpPr>
-          <p:nvPr>
-            <p:ph type="sldNum" sz="quarter" idx="12"/>
+          <p:cNvPr id="2" name="Title 1"/>
+          <p:cNvSpPr>
+            <a:spLocks noGrp="1"/>
+          </p:cNvSpPr>
+          <p:nvPr>
+            <p:ph type="title"/>
           </p:nvPr>
         </p:nvSpPr>
         <p:spPr/>
@@ -4692,57 +4925,146 @@
           <a:bodyPr/>
           <a:lstStyle/>
           <a:p>
+            <a:r>
+              <a:rPr lang="en-US" sz="3200" b="1" dirty="0" smtClean="0">
+                <a:solidFill>
+                  <a:srgbClr val="002060"/>
+                </a:solidFill>
+                <a:latin typeface="Baskerville Old Face" panose="02020602080505020303" pitchFamily="18" charset="0"/>
+              </a:rPr>
+              <a:t>Important </a:t>
+            </a:r>
+            <a:r>
+              <a:rPr lang="en-US" sz="3200" b="1" dirty="0">
+                <a:solidFill>
+                  <a:srgbClr val="002060"/>
+                </a:solidFill>
+                <a:latin typeface="Baskerville Old Face" panose="02020602080505020303" pitchFamily="18" charset="0"/>
+              </a:rPr>
+              <a:t>P</a:t>
+            </a:r>
+            <a:r>
+              <a:rPr lang="en-US" sz="3200" b="1" dirty="0" smtClean="0">
+                <a:solidFill>
+                  <a:srgbClr val="002060"/>
+                </a:solidFill>
+                <a:latin typeface="Baskerville Old Face" panose="02020602080505020303" pitchFamily="18" charset="0"/>
+              </a:rPr>
+              <a:t>ython Code</a:t>
+            </a:r>
+            <a:endParaRPr lang="en-US" sz="3200" b="1" dirty="0">
+              <a:solidFill>
+                <a:srgbClr val="002060"/>
+              </a:solidFill>
+              <a:latin typeface="Baskerville Old Face" panose="02020602080505020303" pitchFamily="18" charset="0"/>
+            </a:endParaRPr>
+          </a:p>
+        </p:txBody>
+      </p:sp>
+      <p:sp>
+        <p:nvSpPr>
+          <p:cNvPr id="3" name="Content Placeholder 2"/>
+          <p:cNvSpPr>
+            <a:spLocks noGrp="1"/>
+          </p:cNvSpPr>
+          <p:nvPr>
+            <p:ph idx="1"/>
+          </p:nvPr>
+        </p:nvSpPr>
+        <p:spPr>
+          <a:xfrm>
+            <a:off x="386366" y="1249251"/>
+            <a:ext cx="11196034" cy="4876913"/>
+          </a:xfrm>
+        </p:spPr>
+        <p:txBody>
+          <a:bodyPr/>
+          <a:lstStyle/>
+          <a:p>
+            <a:r>
+              <a:rPr lang="en-US" sz="2400" dirty="0" smtClean="0"/>
+              <a:t>views.py (extract data from </a:t>
+            </a:r>
+            <a:r>
+              <a:rPr lang="en-US" sz="2400" dirty="0" err="1" smtClean="0"/>
+              <a:t>php</a:t>
+            </a:r>
+            <a:r>
+              <a:rPr lang="en-US" sz="2400" dirty="0" smtClean="0"/>
+              <a:t> file)</a:t>
+            </a:r>
+          </a:p>
+          <a:p>
+            <a:pPr marL="0" indent="0">
+              <a:buNone/>
+            </a:pPr>
+            <a:r>
+              <a:rPr lang="en-US" sz="2000" b="1" dirty="0" smtClean="0"/>
+              <a:t>Package needed:</a:t>
+            </a:r>
+            <a:r>
+              <a:rPr lang="en-US" sz="2000" b="1" dirty="0"/>
+              <a:t>		Code</a:t>
+            </a:r>
+            <a:r>
+              <a:rPr lang="en-US" sz="2000" b="1" dirty="0" smtClean="0"/>
+              <a:t>:</a:t>
+            </a:r>
+          </a:p>
+          <a:p>
+            <a:pPr marL="0" indent="0">
+              <a:buNone/>
+            </a:pPr>
+            <a:r>
+              <a:rPr lang="en-US" sz="1800" dirty="0" smtClean="0"/>
+              <a:t>import json</a:t>
+            </a:r>
+          </a:p>
+          <a:p>
+            <a:pPr marL="0" indent="0">
+              <a:buNone/>
+            </a:pPr>
+            <a:r>
+              <a:rPr lang="en-US" sz="1800" dirty="0" smtClean="0"/>
+              <a:t>import urllib2</a:t>
+            </a:r>
+            <a:endParaRPr lang="en-US" sz="1800" dirty="0"/>
+          </a:p>
+          <a:p>
+            <a:pPr marL="0" indent="0">
+              <a:buNone/>
+            </a:pPr>
+            <a:endParaRPr lang="en-US" dirty="0"/>
+          </a:p>
+        </p:txBody>
+      </p:sp>
+      <p:sp>
+        <p:nvSpPr>
+          <p:cNvPr id="4" name="Slide Number Placeholder 3"/>
+          <p:cNvSpPr>
+            <a:spLocks noGrp="1"/>
+          </p:cNvSpPr>
+          <p:nvPr>
+            <p:ph type="sldNum" sz="quarter" idx="12"/>
+          </p:nvPr>
+        </p:nvSpPr>
+        <p:spPr/>
+        <p:txBody>
+          <a:bodyPr/>
+          <a:lstStyle/>
+          <a:p>
             <a:fld id="{A90F21CD-99AA-425F-97AE-5CC2D8B33E07}" type="slidenum">
-              <a:rPr lang="en-MY" smtClean="0">
-                <a:solidFill>
-                  <a:prstClr val="black"/>
-                </a:solidFill>
-              </a:rPr>
+              <a:rPr lang="en-MY" smtClean="0"/>
               <a:pPr/>
               <a:t>13</a:t>
             </a:fld>
-            <a:endParaRPr lang="en-MY">
-              <a:solidFill>
-                <a:prstClr val="black"/>
-              </a:solidFill>
-            </a:endParaRPr>
-          </a:p>
-        </p:txBody>
-      </p:sp>
-      <p:sp>
-        <p:nvSpPr>
-          <p:cNvPr id="6" name="Title 1"/>
-          <p:cNvSpPr>
-            <a:spLocks noGrp="1"/>
-          </p:cNvSpPr>
-          <p:nvPr>
-            <p:ph type="title"/>
-          </p:nvPr>
-        </p:nvSpPr>
-        <p:spPr>
-          <a:xfrm>
-            <a:off x="600075" y="374504"/>
-            <a:ext cx="10972800" cy="955532"/>
-          </a:xfrm>
-        </p:spPr>
-        <p:txBody>
-          <a:bodyPr>
-            <a:normAutofit/>
-          </a:bodyPr>
-          <a:lstStyle/>
-          <a:p>
-            <a:pPr algn="ctr"/>
-            <a:r>
-              <a:rPr lang="en-US" b="1" dirty="0" smtClean="0"/>
-              <a:t>Access Raspberry Pi via Remotely</a:t>
-            </a:r>
-            <a:endParaRPr lang="en-US" b="1" dirty="0"/>
+            <a:endParaRPr lang="en-MY"/>
           </a:p>
         </p:txBody>
       </p:sp>
       <p:pic>
         <p:nvPicPr>
-          <p:cNvPr id="2" name="Picture 1"/>
+          <p:cNvPr id="6" name="Picture 5"/>
           <p:cNvPicPr>
             <a:picLocks noChangeAspect="1"/>
           </p:cNvPicPr>
@@ -4756,78 +5078,23 @@
         </p:blipFill>
         <p:spPr>
           <a:xfrm>
-            <a:off x="1752600" y="2431904"/>
-            <a:ext cx="8667750" cy="3528141"/>
+            <a:off x="3879693" y="1628890"/>
+            <a:ext cx="6706741" cy="4928813"/>
           </a:xfrm>
           <a:prstGeom prst="rect">
             <a:avLst/>
           </a:prstGeom>
+          <a:ln>
+            <a:solidFill>
+              <a:schemeClr val="tx1"/>
+            </a:solidFill>
+          </a:ln>
         </p:spPr>
       </p:pic>
-      <p:sp>
-        <p:nvSpPr>
-          <p:cNvPr id="3" name="TextBox 2"/>
-          <p:cNvSpPr txBox="1"/>
-          <p:nvPr/>
-        </p:nvSpPr>
-        <p:spPr>
-          <a:xfrm>
-            <a:off x="592282" y="1444336"/>
-            <a:ext cx="11024754" cy="646331"/>
-          </a:xfrm>
-          <a:prstGeom prst="rect">
-            <a:avLst/>
-          </a:prstGeom>
-          <a:noFill/>
-        </p:spPr>
-        <p:txBody>
-          <a:bodyPr wrap="square" rtlCol="0">
-            <a:spAutoFit/>
-          </a:bodyPr>
-          <a:lstStyle/>
-          <a:p>
-            <a:pPr marL="285750" indent="-285750">
-              <a:buFontTx/>
-              <a:buChar char="-"/>
-            </a:pPr>
-            <a:r>
-              <a:rPr lang="en-US" dirty="0" smtClean="0"/>
-              <a:t>Webserver setup in </a:t>
-            </a:r>
-            <a:r>
-              <a:rPr lang="en-US" dirty="0" err="1" smtClean="0"/>
-              <a:t>Rpi</a:t>
-            </a:r>
-            <a:r>
-              <a:rPr lang="en-US" dirty="0" smtClean="0"/>
-              <a:t> can be publish to the internet for remote access</a:t>
-            </a:r>
-          </a:p>
-          <a:p>
-            <a:pPr marL="285750" indent="-285750">
-              <a:buFontTx/>
-              <a:buChar char="-"/>
-            </a:pPr>
-            <a:r>
-              <a:rPr lang="en-US" dirty="0" smtClean="0"/>
-              <a:t>This project use </a:t>
-            </a:r>
-            <a:r>
-              <a:rPr lang="en-US" dirty="0" err="1" smtClean="0"/>
-              <a:t>PageKite</a:t>
-            </a:r>
-            <a:r>
-              <a:rPr lang="en-US" dirty="0" smtClean="0"/>
-              <a:t> as the server to create accessible domain for user</a:t>
-            </a:r>
-            <a:endParaRPr lang="en-US" dirty="0"/>
-          </a:p>
-        </p:txBody>
-      </p:sp>
     </p:spTree>
     <p:extLst>
       <p:ext uri="{BB962C8B-B14F-4D97-AF65-F5344CB8AC3E}">
-        <p14:creationId xmlns:p14="http://schemas.microsoft.com/office/powerpoint/2010/main" val="3038903447"/>
+        <p14:creationId xmlns:p14="http://schemas.microsoft.com/office/powerpoint/2010/main" val="3890820118"/>
       </p:ext>
     </p:extLst>
   </p:cSld>
@@ -4870,10 +5137,29 @@
           <a:lstStyle/>
           <a:p>
             <a:r>
-              <a:rPr lang="en-US" dirty="0" smtClean="0"/>
-              <a:t>webserver</a:t>
-            </a:r>
-            <a:endParaRPr lang="en-MY" dirty="0"/>
+              <a:rPr lang="en-US" sz="3200" b="1" dirty="0">
+                <a:solidFill>
+                  <a:srgbClr val="002060"/>
+                </a:solidFill>
+                <a:latin typeface="Baskerville Old Face" panose="02020602080505020303" pitchFamily="18" charset="0"/>
+              </a:rPr>
+              <a:t>h</a:t>
+            </a:r>
+            <a:r>
+              <a:rPr lang="en-US" sz="3200" b="1" dirty="0" smtClean="0">
+                <a:solidFill>
+                  <a:srgbClr val="002060"/>
+                </a:solidFill>
+                <a:latin typeface="Baskerville Old Face" panose="02020602080505020303" pitchFamily="18" charset="0"/>
+              </a:rPr>
+              <a:t>tml file for graph specification</a:t>
+            </a:r>
+            <a:endParaRPr lang="en-US" sz="3200" b="1" dirty="0">
+              <a:solidFill>
+                <a:srgbClr val="002060"/>
+              </a:solidFill>
+              <a:latin typeface="Baskerville Old Face" panose="02020602080505020303" pitchFamily="18" charset="0"/>
+            </a:endParaRPr>
           </a:p>
         </p:txBody>
       </p:sp>
@@ -4892,7 +5178,27 @@
           <a:bodyPr/>
           <a:lstStyle/>
           <a:p>
-            <a:endParaRPr lang="en-MY"/>
+            <a:r>
+              <a:rPr lang="en-US" sz="1800" b="1" dirty="0"/>
+              <a:t>c</a:t>
+            </a:r>
+            <a:r>
+              <a:rPr lang="en-US" sz="1800" b="1" dirty="0" smtClean="0"/>
+              <a:t>hart.html</a:t>
+            </a:r>
+            <a:r>
+              <a:rPr lang="en-US" sz="1800" dirty="0" smtClean="0"/>
+              <a:t>:					</a:t>
+            </a:r>
+            <a:r>
+              <a:rPr lang="en-US" sz="1800" b="1" dirty="0" smtClean="0"/>
+              <a:t>base.html</a:t>
+            </a:r>
+            <a:r>
+              <a:rPr lang="en-US" sz="1800" dirty="0" smtClean="0"/>
+              <a:t>:  </a:t>
+            </a:r>
+            <a:endParaRPr lang="en-US" sz="1800" dirty="0"/>
           </a:p>
         </p:txBody>
       </p:sp>
@@ -4912,26 +5218,76 @@
           <a:lstStyle/>
           <a:p>
             <a:fld id="{A90F21CD-99AA-425F-97AE-5CC2D8B33E07}" type="slidenum">
-              <a:rPr lang="en-MY" smtClean="0">
-                <a:solidFill>
-                  <a:prstClr val="black"/>
-                </a:solidFill>
-              </a:rPr>
+              <a:rPr lang="en-MY" smtClean="0"/>
               <a:pPr/>
               <a:t>14</a:t>
             </a:fld>
-            <a:endParaRPr lang="en-MY">
-              <a:solidFill>
-                <a:prstClr val="black"/>
-              </a:solidFill>
-            </a:endParaRPr>
-          </a:p>
-        </p:txBody>
-      </p:sp>
+            <a:endParaRPr lang="en-MY"/>
+          </a:p>
+        </p:txBody>
+      </p:sp>
+      <p:pic>
+        <p:nvPicPr>
+          <p:cNvPr id="6" name="Picture 5"/>
+          <p:cNvPicPr>
+            <a:picLocks noChangeAspect="1"/>
+          </p:cNvPicPr>
+          <p:nvPr/>
+        </p:nvPicPr>
+        <p:blipFill>
+          <a:blip r:embed="rId2"/>
+          <a:stretch>
+            <a:fillRect/>
+          </a:stretch>
+        </p:blipFill>
+        <p:spPr>
+          <a:xfrm>
+            <a:off x="2170091" y="1620949"/>
+            <a:ext cx="3548130" cy="4571629"/>
+          </a:xfrm>
+          <a:prstGeom prst="rect">
+            <a:avLst/>
+          </a:prstGeom>
+          <a:ln>
+            <a:solidFill>
+              <a:schemeClr val="tx1"/>
+            </a:solidFill>
+          </a:ln>
+        </p:spPr>
+      </p:pic>
+      <p:pic>
+        <p:nvPicPr>
+          <p:cNvPr id="7" name="Picture 6"/>
+          <p:cNvPicPr>
+            <a:picLocks noChangeAspect="1"/>
+          </p:cNvPicPr>
+          <p:nvPr/>
+        </p:nvPicPr>
+        <p:blipFill>
+          <a:blip r:embed="rId3"/>
+          <a:stretch>
+            <a:fillRect/>
+          </a:stretch>
+        </p:blipFill>
+        <p:spPr>
+          <a:xfrm>
+            <a:off x="6565206" y="2047905"/>
+            <a:ext cx="5017194" cy="3717715"/>
+          </a:xfrm>
+          <a:prstGeom prst="rect">
+            <a:avLst/>
+          </a:prstGeom>
+          <a:ln>
+            <a:solidFill>
+              <a:schemeClr val="tx1"/>
+            </a:solidFill>
+          </a:ln>
+        </p:spPr>
+      </p:pic>
     </p:spTree>
     <p:extLst>
       <p:ext uri="{BB962C8B-B14F-4D97-AF65-F5344CB8AC3E}">
-        <p14:creationId xmlns:p14="http://schemas.microsoft.com/office/powerpoint/2010/main" val="683785326"/>
+        <p14:creationId xmlns:p14="http://schemas.microsoft.com/office/powerpoint/2010/main" val="2859280592"/>
       </p:ext>
     </p:extLst>
   </p:cSld>
@@ -4960,6 +5316,113 @@
       </p:grpSpPr>
       <p:sp>
         <p:nvSpPr>
+          <p:cNvPr id="2" name="Title 1"/>
+          <p:cNvSpPr>
+            <a:spLocks noGrp="1"/>
+          </p:cNvSpPr>
+          <p:nvPr>
+            <p:ph type="title"/>
+          </p:nvPr>
+        </p:nvSpPr>
+        <p:spPr/>
+        <p:txBody>
+          <a:bodyPr/>
+          <a:lstStyle/>
+          <a:p>
+            <a:r>
+              <a:rPr lang="en-US" sz="3200" b="1" dirty="0" smtClean="0">
+                <a:solidFill>
+                  <a:srgbClr val="002060"/>
+                </a:solidFill>
+                <a:latin typeface="Baskerville Old Face" panose="02020602080505020303" pitchFamily="18" charset="0"/>
+              </a:rPr>
+              <a:t>Steps to produce web page</a:t>
+            </a:r>
+            <a:endParaRPr lang="en-US" sz="3200" b="1" dirty="0">
+              <a:solidFill>
+                <a:srgbClr val="002060"/>
+              </a:solidFill>
+              <a:latin typeface="Baskerville Old Face" panose="02020602080505020303" pitchFamily="18" charset="0"/>
+            </a:endParaRPr>
+          </a:p>
+        </p:txBody>
+      </p:sp>
+      <p:sp>
+        <p:nvSpPr>
+          <p:cNvPr id="3" name="Content Placeholder 2"/>
+          <p:cNvSpPr>
+            <a:spLocks noGrp="1"/>
+          </p:cNvSpPr>
+          <p:nvPr>
+            <p:ph idx="1"/>
+          </p:nvPr>
+        </p:nvSpPr>
+        <p:spPr/>
+        <p:txBody>
+          <a:bodyPr/>
+          <a:lstStyle/>
+          <a:p>
+            <a:pPr marL="514350" indent="-514350">
+              <a:buFont typeface="+mj-lt"/>
+              <a:buAutoNum type="arabicPeriod"/>
+            </a:pPr>
+            <a:r>
+              <a:rPr lang="en-US" dirty="0" smtClean="0"/>
+              <a:t>Run the manage.py:</a:t>
+            </a:r>
+          </a:p>
+          <a:p>
+            <a:pPr marL="514350" indent="-514350">
+              <a:buFont typeface="+mj-lt"/>
+              <a:buAutoNum type="arabicPeriod"/>
+            </a:pPr>
+            <a:endParaRPr lang="en-US" dirty="0"/>
+          </a:p>
+          <a:p>
+            <a:pPr marL="514350" indent="-514350">
+              <a:buFont typeface="+mj-lt"/>
+              <a:buAutoNum type="arabicPeriod"/>
+            </a:pPr>
+            <a:endParaRPr lang="en-US" dirty="0" smtClean="0"/>
+          </a:p>
+          <a:p>
+            <a:pPr marL="514350" indent="-514350">
+              <a:buFont typeface="+mj-lt"/>
+              <a:buAutoNum type="arabicPeriod"/>
+            </a:pPr>
+            <a:endParaRPr lang="en-US" dirty="0"/>
+          </a:p>
+          <a:p>
+            <a:pPr marL="514350" indent="-514350">
+              <a:buFont typeface="+mj-lt"/>
+              <a:buAutoNum type="arabicPeriod"/>
+            </a:pPr>
+            <a:endParaRPr lang="en-US" dirty="0" smtClean="0"/>
+          </a:p>
+          <a:p>
+            <a:pPr marL="514350" indent="-514350">
+              <a:buFont typeface="+mj-lt"/>
+              <a:buAutoNum type="arabicPeriod"/>
+            </a:pPr>
+            <a:r>
+              <a:rPr lang="en-US" dirty="0" err="1" smtClean="0"/>
+              <a:t>Goto</a:t>
+            </a:r>
+            <a:r>
+              <a:rPr lang="en-US" dirty="0" smtClean="0"/>
+              <a:t>: http://127.0.0.1:8000</a:t>
+            </a:r>
+          </a:p>
+          <a:p>
+            <a:pPr marL="0" indent="0">
+              <a:buNone/>
+            </a:pPr>
+            <a:endParaRPr lang="en-US" dirty="0"/>
+          </a:p>
+        </p:txBody>
+      </p:sp>
+      <p:sp>
+        <p:nvSpPr>
           <p:cNvPr id="4" name="Slide Number Placeholder 3"/>
           <p:cNvSpPr>
             <a:spLocks noGrp="1"/>
@@ -4982,91 +5445,39 @@
           </a:p>
         </p:txBody>
       </p:sp>
-      <p:sp>
-        <p:nvSpPr>
-          <p:cNvPr id="5" name="Title 1"/>
-          <p:cNvSpPr>
-            <a:spLocks noGrp="1"/>
-          </p:cNvSpPr>
-          <p:nvPr>
-            <p:ph type="title"/>
-          </p:nvPr>
-        </p:nvSpPr>
+      <p:pic>
+        <p:nvPicPr>
+          <p:cNvPr id="5" name="Picture 4"/>
+          <p:cNvPicPr>
+            <a:picLocks noChangeAspect="1"/>
+          </p:cNvPicPr>
+          <p:nvPr/>
+        </p:nvPicPr>
+        <p:blipFill>
+          <a:blip r:embed="rId2"/>
+          <a:stretch>
+            <a:fillRect/>
+          </a:stretch>
+        </p:blipFill>
         <p:spPr>
           <a:xfrm>
-            <a:off x="838200" y="365125"/>
-            <a:ext cx="10515600" cy="1325563"/>
-          </a:xfrm>
-        </p:spPr>
-        <p:txBody>
-          <a:bodyPr/>
-          <a:lstStyle/>
-          <a:p>
-            <a:r>
-              <a:rPr lang="en-US" b="1" dirty="0" smtClean="0"/>
-              <a:t>Element in Web Server</a:t>
-            </a:r>
-            <a:endParaRPr lang="en-US" b="1" dirty="0"/>
-          </a:p>
-        </p:txBody>
-      </p:sp>
-      <p:graphicFrame>
-        <p:nvGraphicFramePr>
-          <p:cNvPr id="6" name="Object 5"/>
-          <p:cNvGraphicFramePr>
-            <a:graphicFrameLocks noChangeAspect="1"/>
-          </p:cNvGraphicFramePr>
-          <p:nvPr>
-            <p:extLst/>
-          </p:nvPr>
-        </p:nvGraphicFramePr>
-        <p:xfrm>
-          <a:off x="1794993" y="1329789"/>
-          <a:ext cx="8602014" cy="4536980"/>
-        </p:xfrm>
-        <a:graphic>
-          <a:graphicData uri="http://schemas.openxmlformats.org/presentationml/2006/ole">
-            <mc:AlternateContent xmlns:mc="http://schemas.openxmlformats.org/markup-compatibility/2006">
-              <mc:Choice xmlns:v="urn:schemas-microsoft-com:vml" Requires="v">
-                <p:oleObj spid="_x0000_s1026" name="Image" r:id="rId3" imgW="4340160" imgH="2288880" progId="Photoshop.Image.13">
-                  <p:embed/>
-                </p:oleObj>
-              </mc:Choice>
-              <mc:Fallback>
-                <p:oleObj name="Image" r:id="rId3" imgW="4340160" imgH="2288880" progId="Photoshop.Image.13">
-                  <p:embed/>
-                  <p:pic>
-                    <p:nvPicPr>
-                      <p:cNvPr id="0" name=""/>
-                      <p:cNvPicPr/>
-                      <p:nvPr/>
-                    </p:nvPicPr>
-                    <p:blipFill>
-                      <a:blip r:embed="rId4"/>
-                      <a:stretch>
-                        <a:fillRect/>
-                      </a:stretch>
-                    </p:blipFill>
-                    <p:spPr>
-                      <a:xfrm>
-                        <a:off x="1794993" y="1329789"/>
-                        <a:ext cx="8602014" cy="4536980"/>
-                      </a:xfrm>
-                      <a:prstGeom prst="rect">
-                        <a:avLst/>
-                      </a:prstGeom>
-                    </p:spPr>
-                  </p:pic>
-                </p:oleObj>
-              </mc:Fallback>
-            </mc:AlternateContent>
-          </a:graphicData>
-        </a:graphic>
-      </p:graphicFrame>
+            <a:off x="4677914" y="1600200"/>
+            <a:ext cx="5380485" cy="2419133"/>
+          </a:xfrm>
+          <a:prstGeom prst="rect">
+            <a:avLst/>
+          </a:prstGeom>
+          <a:ln>
+            <a:solidFill>
+              <a:schemeClr val="tx1"/>
+            </a:solidFill>
+          </a:ln>
+        </p:spPr>
+      </p:pic>
     </p:spTree>
     <p:extLst>
       <p:ext uri="{BB962C8B-B14F-4D97-AF65-F5344CB8AC3E}">
-        <p14:creationId xmlns:p14="http://schemas.microsoft.com/office/powerpoint/2010/main" val="893836207"/>
+        <p14:creationId xmlns:p14="http://schemas.microsoft.com/office/powerpoint/2010/main" val="2916478802"/>
       </p:ext>
     </p:extLst>
   </p:cSld>
@@ -5095,270 +5506,36 @@
       </p:grpSpPr>
       <p:sp>
         <p:nvSpPr>
-          <p:cNvPr id="4" name="Slide Number Placeholder 3"/>
-          <p:cNvSpPr>
-            <a:spLocks noGrp="1"/>
-          </p:cNvSpPr>
-          <p:nvPr>
-            <p:ph type="sldNum" sz="quarter" idx="12"/>
-          </p:nvPr>
-        </p:nvSpPr>
-        <p:spPr/>
+          <p:cNvPr id="2" name="Title 1"/>
+          <p:cNvSpPr>
+            <a:spLocks noGrp="1"/>
+          </p:cNvSpPr>
+          <p:nvPr>
+            <p:ph type="ctrTitle"/>
+          </p:nvPr>
+        </p:nvSpPr>
+        <p:spPr>
+          <a:xfrm>
+            <a:off x="914400" y="2196330"/>
+            <a:ext cx="10363200" cy="1470025"/>
+          </a:xfrm>
+        </p:spPr>
         <p:txBody>
           <a:bodyPr/>
           <a:lstStyle/>
           <a:p>
-            <a:fld id="{A90F21CD-99AA-425F-97AE-5CC2D8B33E07}" type="slidenum">
-              <a:rPr lang="en-MY" smtClean="0"/>
-              <a:pPr/>
-              <a:t>16</a:t>
-            </a:fld>
-            <a:endParaRPr lang="en-MY"/>
-          </a:p>
-        </p:txBody>
-      </p:sp>
-      <p:sp>
-        <p:nvSpPr>
-          <p:cNvPr id="5" name="Title 1"/>
-          <p:cNvSpPr txBox="1">
-            <a:spLocks/>
-          </p:cNvSpPr>
-          <p:nvPr/>
-        </p:nvSpPr>
-        <p:spPr bwMode="auto">
-          <a:xfrm>
-            <a:off x="838200" y="365125"/>
-            <a:ext cx="10515600" cy="1325563"/>
-          </a:xfrm>
-          <a:prstGeom prst="rect">
-            <a:avLst/>
-          </a:prstGeom>
-          <a:noFill/>
-          <a:ln>
-            <a:noFill/>
-          </a:ln>
-          <a:extLst>
-            <a:ext uri="{909E8E84-426E-40DD-AFC4-6F175D3DCCD1}">
-              <a14:hiddenFill xmlns:a14="http://schemas.microsoft.com/office/drawing/2010/main">
-                <a:solidFill>
-                  <a:srgbClr val="FFFFFF"/>
-                </a:solidFill>
-              </a14:hiddenFill>
-            </a:ext>
-            <a:ext uri="{91240B29-F687-4F45-9708-019B960494DF}">
-              <a14:hiddenLine xmlns:a14="http://schemas.microsoft.com/office/drawing/2010/main" w="9525">
-                <a:solidFill>
-                  <a:srgbClr val="000000"/>
-                </a:solidFill>
-                <a:miter lim="800000"/>
-                <a:headEnd/>
-                <a:tailEnd/>
-              </a14:hiddenLine>
-            </a:ext>
-          </a:extLst>
-        </p:spPr>
-        <p:txBody>
-          <a:bodyPr vert="horz" wrap="square" lIns="91440" tIns="45720" rIns="91440" bIns="45720" numCol="1" anchor="ctr" anchorCtr="0" compatLnSpc="1">
-            <a:prstTxWarp prst="textNoShape">
-              <a:avLst/>
-            </a:prstTxWarp>
-          </a:bodyPr>
-          <a:lstStyle>
-            <a:lvl1pPr algn="ctr" rtl="0" eaLnBrk="1" fontAlgn="base" hangingPunct="1">
-              <a:spcBef>
-                <a:spcPct val="0"/>
-              </a:spcBef>
-              <a:spcAft>
-                <a:spcPct val="0"/>
-              </a:spcAft>
-              <a:defRPr sz="4400" kern="1200">
-                <a:solidFill>
-                  <a:schemeClr val="tx1"/>
-                </a:solidFill>
-                <a:latin typeface="+mj-lt"/>
-                <a:ea typeface="+mj-ea"/>
-                <a:cs typeface="+mj-cs"/>
-              </a:defRPr>
-            </a:lvl1pPr>
-            <a:lvl2pPr algn="ctr" rtl="0" eaLnBrk="1" fontAlgn="base" hangingPunct="1">
-              <a:spcBef>
-                <a:spcPct val="0"/>
-              </a:spcBef>
-              <a:spcAft>
-                <a:spcPct val="0"/>
-              </a:spcAft>
-              <a:defRPr sz="4400">
-                <a:solidFill>
-                  <a:schemeClr val="tx1"/>
-                </a:solidFill>
-                <a:latin typeface="Calibri" pitchFamily="-112" charset="0"/>
-              </a:defRPr>
-            </a:lvl2pPr>
-            <a:lvl3pPr algn="ctr" rtl="0" eaLnBrk="1" fontAlgn="base" hangingPunct="1">
-              <a:spcBef>
-                <a:spcPct val="0"/>
-              </a:spcBef>
-              <a:spcAft>
-                <a:spcPct val="0"/>
-              </a:spcAft>
-              <a:defRPr sz="4400">
-                <a:solidFill>
-                  <a:schemeClr val="tx1"/>
-                </a:solidFill>
-                <a:latin typeface="Calibri" pitchFamily="-112" charset="0"/>
-              </a:defRPr>
-            </a:lvl3pPr>
-            <a:lvl4pPr algn="ctr" rtl="0" eaLnBrk="1" fontAlgn="base" hangingPunct="1">
-              <a:spcBef>
-                <a:spcPct val="0"/>
-              </a:spcBef>
-              <a:spcAft>
-                <a:spcPct val="0"/>
-              </a:spcAft>
-              <a:defRPr sz="4400">
-                <a:solidFill>
-                  <a:schemeClr val="tx1"/>
-                </a:solidFill>
-                <a:latin typeface="Calibri" pitchFamily="-112" charset="0"/>
-              </a:defRPr>
-            </a:lvl4pPr>
-            <a:lvl5pPr algn="ctr" rtl="0" eaLnBrk="1" fontAlgn="base" hangingPunct="1">
-              <a:spcBef>
-                <a:spcPct val="0"/>
-              </a:spcBef>
-              <a:spcAft>
-                <a:spcPct val="0"/>
-              </a:spcAft>
-              <a:defRPr sz="4400">
-                <a:solidFill>
-                  <a:schemeClr val="tx1"/>
-                </a:solidFill>
-                <a:latin typeface="Calibri" pitchFamily="-112" charset="0"/>
-              </a:defRPr>
-            </a:lvl5pPr>
-            <a:lvl6pPr marL="457200" algn="ctr" rtl="0" eaLnBrk="1" fontAlgn="base" hangingPunct="1">
-              <a:spcBef>
-                <a:spcPct val="0"/>
-              </a:spcBef>
-              <a:spcAft>
-                <a:spcPct val="0"/>
-              </a:spcAft>
-              <a:defRPr sz="4400">
-                <a:solidFill>
-                  <a:schemeClr val="tx1"/>
-                </a:solidFill>
-                <a:latin typeface="Calibri" pitchFamily="-112" charset="0"/>
-              </a:defRPr>
-            </a:lvl6pPr>
-            <a:lvl7pPr marL="914400" algn="ctr" rtl="0" eaLnBrk="1" fontAlgn="base" hangingPunct="1">
-              <a:spcBef>
-                <a:spcPct val="0"/>
-              </a:spcBef>
-              <a:spcAft>
-                <a:spcPct val="0"/>
-              </a:spcAft>
-              <a:defRPr sz="4400">
-                <a:solidFill>
-                  <a:schemeClr val="tx1"/>
-                </a:solidFill>
-                <a:latin typeface="Calibri" pitchFamily="-112" charset="0"/>
-              </a:defRPr>
-            </a:lvl7pPr>
-            <a:lvl8pPr marL="1371600" algn="ctr" rtl="0" eaLnBrk="1" fontAlgn="base" hangingPunct="1">
-              <a:spcBef>
-                <a:spcPct val="0"/>
-              </a:spcBef>
-              <a:spcAft>
-                <a:spcPct val="0"/>
-              </a:spcAft>
-              <a:defRPr sz="4400">
-                <a:solidFill>
-                  <a:schemeClr val="tx1"/>
-                </a:solidFill>
-                <a:latin typeface="Calibri" pitchFamily="-112" charset="0"/>
-              </a:defRPr>
-            </a:lvl8pPr>
-            <a:lvl9pPr marL="1828800" algn="ctr" rtl="0" eaLnBrk="1" fontAlgn="base" hangingPunct="1">
-              <a:spcBef>
-                <a:spcPct val="0"/>
-              </a:spcBef>
-              <a:spcAft>
-                <a:spcPct val="0"/>
-              </a:spcAft>
-              <a:defRPr sz="4400">
-                <a:solidFill>
-                  <a:schemeClr val="tx1"/>
-                </a:solidFill>
-                <a:latin typeface="Calibri" pitchFamily="-112" charset="0"/>
-              </a:defRPr>
-            </a:lvl9pPr>
-          </a:lstStyle>
-          <a:p>
-            <a:r>
-              <a:rPr lang="en-US" b="1" smtClean="0"/>
-              <a:t>Data Flow</a:t>
-            </a:r>
-            <a:endParaRPr lang="en-US" b="1" dirty="0"/>
-          </a:p>
-        </p:txBody>
-      </p:sp>
-      <p:graphicFrame>
-        <p:nvGraphicFramePr>
-          <p:cNvPr id="6" name="Object 5"/>
-          <p:cNvGraphicFramePr>
-            <a:graphicFrameLocks noChangeAspect="1"/>
-          </p:cNvGraphicFramePr>
-          <p:nvPr>
-            <p:extLst/>
-          </p:nvPr>
-        </p:nvGraphicFramePr>
-        <p:xfrm>
-          <a:off x="838200" y="1549891"/>
-          <a:ext cx="10515600" cy="4681638"/>
-        </p:xfrm>
-        <a:graphic>
-          <a:graphicData uri="http://schemas.openxmlformats.org/presentationml/2006/ole">
-            <mc:AlternateContent xmlns:mc="http://schemas.openxmlformats.org/markup-compatibility/2006">
-              <mc:Choice xmlns:v="urn:schemas-microsoft-com:vml" Requires="v">
-                <p:oleObj spid="_x0000_s2050" name="Image" r:id="rId3" imgW="3462480" imgH="1542240" progId="Photoshop.Image.13">
-                  <p:embed/>
-                </p:oleObj>
-              </mc:Choice>
-              <mc:Fallback>
-                <p:oleObj name="Image" r:id="rId3" imgW="3462480" imgH="1542240" progId="Photoshop.Image.13">
-                  <p:embed/>
-                  <p:pic>
-                    <p:nvPicPr>
-                      <p:cNvPr id="0" name=""/>
-                      <p:cNvPicPr/>
-                      <p:nvPr/>
-                    </p:nvPicPr>
-                    <p:blipFill>
-                      <a:blip r:embed="rId4"/>
-                      <a:stretch>
-                        <a:fillRect/>
-                      </a:stretch>
-                    </p:blipFill>
-                    <p:spPr>
-                      <a:xfrm>
-                        <a:off x="838200" y="1549891"/>
-                        <a:ext cx="10515600" cy="4681638"/>
-                      </a:xfrm>
-                      <a:prstGeom prst="rect">
-                        <a:avLst/>
-                      </a:prstGeom>
-                    </p:spPr>
-                  </p:pic>
-                </p:oleObj>
-              </mc:Fallback>
-            </mc:AlternateContent>
-          </a:graphicData>
-        </a:graphic>
-      </p:graphicFrame>
+            <a:r>
+              <a:rPr lang="en-US" sz="6600" b="1" dirty="0" smtClean="0"/>
+              <a:t>ANDROID </a:t>
+            </a:r>
+            <a:endParaRPr lang="en-MY" sz="6600" b="1" dirty="0"/>
+          </a:p>
+        </p:txBody>
+      </p:sp>
     </p:spTree>
     <p:extLst>
       <p:ext uri="{BB962C8B-B14F-4D97-AF65-F5344CB8AC3E}">
-        <p14:creationId xmlns:p14="http://schemas.microsoft.com/office/powerpoint/2010/main" val="1530855254"/>
+        <p14:creationId xmlns:p14="http://schemas.microsoft.com/office/powerpoint/2010/main" val="4258769725"/>
       </p:ext>
     </p:extLst>
   </p:cSld>
@@ -5387,63 +5564,536 @@
       </p:grpSpPr>
       <p:sp>
         <p:nvSpPr>
-          <p:cNvPr id="4" name="Slide Number Placeholder 3"/>
-          <p:cNvSpPr>
-            <a:spLocks noGrp="1"/>
-          </p:cNvSpPr>
-          <p:nvPr>
-            <p:ph type="sldNum" sz="quarter" idx="12"/>
-          </p:nvPr>
-        </p:nvSpPr>
-        <p:spPr/>
+          <p:cNvPr id="2" name="Title 1"/>
+          <p:cNvSpPr>
+            <a:spLocks noGrp="1"/>
+          </p:cNvSpPr>
+          <p:nvPr>
+            <p:ph type="title"/>
+          </p:nvPr>
+        </p:nvSpPr>
+        <p:spPr>
+          <a:xfrm>
+            <a:off x="838200" y="365125"/>
+            <a:ext cx="10515600" cy="729579"/>
+          </a:xfrm>
+        </p:spPr>
         <p:txBody>
           <a:bodyPr/>
           <a:lstStyle/>
           <a:p>
-            <a:fld id="{A90F21CD-99AA-425F-97AE-5CC2D8B33E07}" type="slidenum">
-              <a:rPr lang="en-MY" smtClean="0"/>
-              <a:pPr/>
-              <a:t>17</a:t>
-            </a:fld>
-            <a:endParaRPr lang="en-MY"/>
-          </a:p>
-        </p:txBody>
-      </p:sp>
-      <p:sp>
-        <p:nvSpPr>
-          <p:cNvPr id="6" name="Title 1"/>
-          <p:cNvSpPr>
-            <a:spLocks noGrp="1"/>
-          </p:cNvSpPr>
-          <p:nvPr>
-            <p:ph type="title"/>
-          </p:nvPr>
-        </p:nvSpPr>
+            <a:pPr algn="ctr"/>
+            <a:r>
+              <a:rPr lang="en-US" dirty="0" smtClean="0"/>
+              <a:t>Android app flow ( request &amp; response) </a:t>
+            </a:r>
+            <a:endParaRPr lang="en-MY" dirty="0"/>
+          </a:p>
+        </p:txBody>
+      </p:sp>
+      <p:pic>
+        <p:nvPicPr>
+          <p:cNvPr id="9" name="Picture 8"/>
+          <p:cNvPicPr>
+            <a:picLocks noChangeAspect="1"/>
+          </p:cNvPicPr>
+          <p:nvPr/>
+        </p:nvPicPr>
+        <p:blipFill rotWithShape="1">
+          <a:blip r:embed="rId2"/>
+          <a:srcRect b="10304"/>
+          <a:stretch/>
+        </p:blipFill>
         <p:spPr>
           <a:xfrm>
-            <a:off x="609600" y="2515562"/>
-            <a:ext cx="10972800" cy="1143000"/>
-          </a:xfrm>
-        </p:spPr>
-        <p:txBody>
-          <a:bodyPr>
-            <a:normAutofit fontScale="90000"/>
+            <a:off x="1015284" y="1094705"/>
+            <a:ext cx="10161431" cy="2587610"/>
+          </a:xfrm>
+          <a:prstGeom prst="rect">
+            <a:avLst/>
+          </a:prstGeom>
+          <a:ln>
+            <a:solidFill>
+              <a:schemeClr val="tx1"/>
+            </a:solidFill>
+          </a:ln>
+        </p:spPr>
+      </p:pic>
+      <p:sp>
+        <p:nvSpPr>
+          <p:cNvPr id="10" name="TextBox 9"/>
+          <p:cNvSpPr txBox="1"/>
+          <p:nvPr/>
+        </p:nvSpPr>
+        <p:spPr>
+          <a:xfrm>
+            <a:off x="562914" y="3852738"/>
+            <a:ext cx="3737020" cy="2677656"/>
+          </a:xfrm>
+          <a:prstGeom prst="rect">
+            <a:avLst/>
+          </a:prstGeom>
+          <a:noFill/>
+        </p:spPr>
+        <p:txBody>
+          <a:bodyPr wrap="square" rtlCol="0">
+            <a:spAutoFit/>
           </a:bodyPr>
           <a:lstStyle/>
           <a:p>
             <a:pPr algn="ctr"/>
             <a:r>
-              <a:rPr lang="en-US" sz="8800" b="1" dirty="0" smtClean="0"/>
-              <a:t>Backup</a:t>
-            </a:r>
-            <a:endParaRPr lang="en-US" sz="8800" b="1" dirty="0"/>
+              <a:rPr lang="en-US" sz="1900" dirty="0" smtClean="0">
+                <a:solidFill>
+                  <a:schemeClr val="accent4">
+                    <a:lumMod val="75000"/>
+                  </a:schemeClr>
+                </a:solidFill>
+              </a:rPr>
+              <a:t>Android apps using android studio software</a:t>
+            </a:r>
+          </a:p>
+          <a:p>
+            <a:pPr marL="742950" lvl="1" indent="-285750">
+              <a:buFont typeface="Arial" panose="020B0604020202020204" pitchFamily="34" charset="0"/>
+              <a:buChar char="•"/>
+            </a:pPr>
+            <a:r>
+              <a:rPr lang="en-US" sz="1600" dirty="0" smtClean="0"/>
+              <a:t>Java</a:t>
+            </a:r>
+          </a:p>
+          <a:p>
+            <a:pPr marL="1200150" lvl="2" indent="-285750">
+              <a:buFont typeface="Arial" panose="020B0604020202020204" pitchFamily="34" charset="0"/>
+              <a:buChar char="•"/>
+            </a:pPr>
+            <a:r>
+              <a:rPr lang="en-US" sz="1600" dirty="0" smtClean="0"/>
+              <a:t>Login.java</a:t>
+            </a:r>
+          </a:p>
+          <a:p>
+            <a:pPr marL="1200150" lvl="2" indent="-285750">
+              <a:buFont typeface="Arial" panose="020B0604020202020204" pitchFamily="34" charset="0"/>
+              <a:buChar char="•"/>
+            </a:pPr>
+            <a:r>
+              <a:rPr lang="en-US" sz="1600" dirty="0" smtClean="0"/>
+              <a:t>Register.java</a:t>
+            </a:r>
+          </a:p>
+          <a:p>
+            <a:pPr marL="1200150" lvl="2" indent="-285750">
+              <a:buFont typeface="Arial" panose="020B0604020202020204" pitchFamily="34" charset="0"/>
+              <a:buChar char="•"/>
+            </a:pPr>
+            <a:r>
+              <a:rPr lang="en-US" sz="1600" dirty="0" smtClean="0"/>
+              <a:t>Home.java</a:t>
+            </a:r>
+            <a:endParaRPr lang="en-MY" sz="1600" dirty="0" smtClean="0"/>
+          </a:p>
+          <a:p>
+            <a:pPr marL="742950" lvl="1" indent="-285750">
+              <a:buFont typeface="Arial" panose="020B0604020202020204" pitchFamily="34" charset="0"/>
+              <a:buChar char="•"/>
+            </a:pPr>
+            <a:r>
+              <a:rPr lang="en-US" sz="1600" dirty="0" smtClean="0"/>
+              <a:t>Xml ( layout)</a:t>
+            </a:r>
+          </a:p>
+          <a:p>
+            <a:pPr marL="1200150" lvl="2" indent="-285750">
+              <a:buFont typeface="Arial" panose="020B0604020202020204" pitchFamily="34" charset="0"/>
+              <a:buChar char="•"/>
+            </a:pPr>
+            <a:r>
+              <a:rPr lang="en-US" sz="1600" dirty="0" smtClean="0"/>
+              <a:t>Login.xml</a:t>
+            </a:r>
+          </a:p>
+          <a:p>
+            <a:pPr marL="1200150" lvl="2" indent="-285750">
+              <a:buFont typeface="Arial" panose="020B0604020202020204" pitchFamily="34" charset="0"/>
+              <a:buChar char="•"/>
+            </a:pPr>
+            <a:r>
+              <a:rPr lang="en-US" sz="1600" dirty="0" smtClean="0"/>
+              <a:t>Register.xml</a:t>
+            </a:r>
+          </a:p>
+          <a:p>
+            <a:pPr marL="1200150" lvl="2" indent="-285750">
+              <a:buFont typeface="Arial" panose="020B0604020202020204" pitchFamily="34" charset="0"/>
+              <a:buChar char="•"/>
+            </a:pPr>
+            <a:r>
+              <a:rPr lang="en-US" sz="1600" dirty="0" smtClean="0"/>
+              <a:t>Home.xml</a:t>
+            </a:r>
+          </a:p>
+        </p:txBody>
+      </p:sp>
+      <p:sp>
+        <p:nvSpPr>
+          <p:cNvPr id="11" name="TextBox 10"/>
+          <p:cNvSpPr txBox="1"/>
+          <p:nvPr/>
+        </p:nvSpPr>
+        <p:spPr>
+          <a:xfrm>
+            <a:off x="4319788" y="3765374"/>
+            <a:ext cx="3693018" cy="3354765"/>
+          </a:xfrm>
+          <a:prstGeom prst="rect">
+            <a:avLst/>
+          </a:prstGeom>
+          <a:noFill/>
+        </p:spPr>
+        <p:txBody>
+          <a:bodyPr wrap="square" rtlCol="0">
+            <a:spAutoFit/>
+          </a:bodyPr>
+          <a:lstStyle/>
+          <a:p>
+            <a:pPr algn="ctr"/>
+            <a:r>
+              <a:rPr lang="en-US" sz="2000" dirty="0" err="1" smtClean="0">
+                <a:solidFill>
+                  <a:schemeClr val="accent4">
+                    <a:lumMod val="75000"/>
+                  </a:schemeClr>
+                </a:solidFill>
+              </a:rPr>
+              <a:t>Php</a:t>
+            </a:r>
+            <a:endParaRPr lang="en-US" sz="2000" dirty="0" smtClean="0">
+              <a:solidFill>
+                <a:schemeClr val="accent4">
+                  <a:lumMod val="75000"/>
+                </a:schemeClr>
+              </a:solidFill>
+            </a:endParaRPr>
+          </a:p>
+          <a:p>
+            <a:pPr marL="742950" lvl="1" indent="-285750">
+              <a:buFont typeface="Arial" panose="020B0604020202020204" pitchFamily="34" charset="0"/>
+              <a:buChar char="•"/>
+            </a:pPr>
+            <a:r>
+              <a:rPr lang="en-US" sz="1600" dirty="0" err="1" smtClean="0"/>
+              <a:t>Init.php</a:t>
+            </a:r>
+            <a:r>
+              <a:rPr lang="en-US" sz="1600" dirty="0" smtClean="0"/>
+              <a:t> </a:t>
+            </a:r>
+          </a:p>
+          <a:p>
+            <a:pPr marL="1200150" lvl="2" indent="-285750">
+              <a:buFont typeface="Arial" panose="020B0604020202020204" pitchFamily="34" charset="0"/>
+              <a:buChar char="•"/>
+            </a:pPr>
+            <a:r>
+              <a:rPr lang="en-US" sz="1600" dirty="0" smtClean="0"/>
+              <a:t> To setup connection to database</a:t>
+            </a:r>
+          </a:p>
+          <a:p>
+            <a:pPr marL="742950" lvl="1" indent="-285750">
+              <a:buFont typeface="Arial" panose="020B0604020202020204" pitchFamily="34" charset="0"/>
+              <a:buChar char="•"/>
+            </a:pPr>
+            <a:r>
+              <a:rPr lang="en-US" sz="1600" dirty="0" err="1" smtClean="0"/>
+              <a:t>Login.php</a:t>
+            </a:r>
+            <a:r>
+              <a:rPr lang="en-US" sz="1600" dirty="0" smtClean="0"/>
+              <a:t> </a:t>
+            </a:r>
+          </a:p>
+          <a:p>
+            <a:pPr marL="1200150" lvl="2" indent="-285750">
+              <a:buFont typeface="Arial" panose="020B0604020202020204" pitchFamily="34" charset="0"/>
+              <a:buChar char="•"/>
+            </a:pPr>
+            <a:r>
+              <a:rPr lang="en-US" sz="1600" dirty="0" smtClean="0"/>
+              <a:t>To send user information and retrieve from database for compare purposes</a:t>
+            </a:r>
+          </a:p>
+          <a:p>
+            <a:pPr marL="742950" lvl="1" indent="-285750">
+              <a:buFont typeface="Arial" panose="020B0604020202020204" pitchFamily="34" charset="0"/>
+              <a:buChar char="•"/>
+            </a:pPr>
+            <a:r>
+              <a:rPr lang="en-US" sz="1600" dirty="0" err="1" smtClean="0"/>
+              <a:t>Register.php</a:t>
+            </a:r>
+            <a:endParaRPr lang="en-US" sz="1600" dirty="0" smtClean="0"/>
+          </a:p>
+          <a:p>
+            <a:pPr marL="1200150" lvl="2" indent="-285750">
+              <a:buFont typeface="Arial" panose="020B0604020202020204" pitchFamily="34" charset="0"/>
+              <a:buChar char="•"/>
+            </a:pPr>
+            <a:r>
+              <a:rPr lang="en-US" sz="1600" dirty="0" smtClean="0"/>
+              <a:t>To send and store user information to database</a:t>
+            </a:r>
+          </a:p>
+          <a:p>
+            <a:pPr marL="1200150" lvl="2" indent="-285750">
+              <a:buFont typeface="Arial" panose="020B0604020202020204" pitchFamily="34" charset="0"/>
+              <a:buChar char="•"/>
+            </a:pPr>
+            <a:endParaRPr lang="en-US" sz="1600" dirty="0" smtClean="0"/>
+          </a:p>
+          <a:p>
+            <a:pPr marL="742950" lvl="1" indent="-285750">
+              <a:buFont typeface="Arial" panose="020B0604020202020204" pitchFamily="34" charset="0"/>
+              <a:buChar char="•"/>
+            </a:pPr>
+            <a:endParaRPr lang="en-MY" sz="1600" dirty="0"/>
+          </a:p>
+        </p:txBody>
+      </p:sp>
+      <p:sp>
+        <p:nvSpPr>
+          <p:cNvPr id="12" name="TextBox 11"/>
+          <p:cNvSpPr txBox="1"/>
+          <p:nvPr/>
+        </p:nvSpPr>
+        <p:spPr>
+          <a:xfrm>
+            <a:off x="8347657" y="3757145"/>
+            <a:ext cx="3709116" cy="2062103"/>
+          </a:xfrm>
+          <a:prstGeom prst="rect">
+            <a:avLst/>
+          </a:prstGeom>
+          <a:noFill/>
+        </p:spPr>
+        <p:txBody>
+          <a:bodyPr wrap="square" rtlCol="0">
+            <a:spAutoFit/>
+          </a:bodyPr>
+          <a:lstStyle/>
+          <a:p>
+            <a:pPr algn="ctr"/>
+            <a:r>
+              <a:rPr lang="en-US" sz="2400" dirty="0" smtClean="0">
+                <a:solidFill>
+                  <a:schemeClr val="accent4">
+                    <a:lumMod val="75000"/>
+                  </a:schemeClr>
+                </a:solidFill>
+              </a:rPr>
+              <a:t>Database MySQL</a:t>
+            </a:r>
+          </a:p>
+          <a:p>
+            <a:pPr marL="285750" indent="-285750">
+              <a:buFont typeface="Arial" panose="020B0604020202020204" pitchFamily="34" charset="0"/>
+              <a:buChar char="•"/>
+            </a:pPr>
+            <a:r>
+              <a:rPr lang="en-MY" sz="1600" dirty="0" smtClean="0">
+                <a:hlinkClick r:id="rId3"/>
+              </a:rPr>
+              <a:t>https://www.000webhost.com</a:t>
+            </a:r>
+            <a:endParaRPr lang="en-US" dirty="0" smtClean="0"/>
+          </a:p>
+          <a:p>
+            <a:pPr algn="ctr"/>
+            <a:r>
+              <a:rPr lang="en-US" sz="2400" dirty="0" smtClean="0">
+                <a:solidFill>
+                  <a:schemeClr val="accent4">
+                    <a:lumMod val="75000"/>
+                  </a:schemeClr>
+                </a:solidFill>
+              </a:rPr>
+              <a:t>Table</a:t>
+            </a:r>
+          </a:p>
+          <a:p>
+            <a:pPr marL="742950" lvl="1" indent="-285750">
+              <a:buFont typeface="Arial" panose="020B0604020202020204" pitchFamily="34" charset="0"/>
+              <a:buChar char="•"/>
+            </a:pPr>
+            <a:r>
+              <a:rPr lang="en-US" sz="1600" dirty="0" err="1" smtClean="0"/>
+              <a:t>User_info</a:t>
+            </a:r>
+            <a:endParaRPr lang="en-US" sz="1600" dirty="0" smtClean="0"/>
+          </a:p>
+          <a:p>
+            <a:pPr marL="1200150" lvl="2" indent="-285750">
+              <a:buFont typeface="Arial" panose="020B0604020202020204" pitchFamily="34" charset="0"/>
+              <a:buChar char="•"/>
+            </a:pPr>
+            <a:r>
+              <a:rPr lang="en-US" sz="1600" dirty="0" smtClean="0"/>
+              <a:t>For login and register</a:t>
+            </a:r>
+          </a:p>
+          <a:p>
+            <a:pPr marL="742950" lvl="1" indent="-285750">
+              <a:buFont typeface="Arial" panose="020B0604020202020204" pitchFamily="34" charset="0"/>
+              <a:buChar char="•"/>
+            </a:pPr>
+            <a:r>
+              <a:rPr lang="en-US" sz="1600" dirty="0" err="1" smtClean="0"/>
+              <a:t>Water_level_detection</a:t>
+            </a:r>
+            <a:endParaRPr lang="en-US" sz="1600" dirty="0" smtClean="0"/>
+          </a:p>
+          <a:p>
+            <a:pPr marL="1200150" lvl="2" indent="-285750">
+              <a:buFont typeface="Arial" panose="020B0604020202020204" pitchFamily="34" charset="0"/>
+              <a:buChar char="•"/>
+            </a:pPr>
+            <a:r>
+              <a:rPr lang="en-US" sz="1600" dirty="0" smtClean="0"/>
+              <a:t>For data retrieve </a:t>
+            </a:r>
+            <a:endParaRPr lang="en-MY" sz="1600" dirty="0"/>
+          </a:p>
+        </p:txBody>
+      </p:sp>
+      <p:sp>
+        <p:nvSpPr>
+          <p:cNvPr id="14" name="Rounded Rectangle 13"/>
+          <p:cNvSpPr/>
+          <p:nvPr/>
+        </p:nvSpPr>
+        <p:spPr>
+          <a:xfrm>
+            <a:off x="562915" y="3790098"/>
+            <a:ext cx="3661356" cy="2769989"/>
+          </a:xfrm>
+          <a:prstGeom prst="roundRect">
+            <a:avLst/>
+          </a:prstGeom>
+          <a:noFill/>
+        </p:spPr>
+        <p:style>
+          <a:lnRef idx="2">
+            <a:schemeClr val="accent1">
+              <a:shade val="50000"/>
+            </a:schemeClr>
+          </a:lnRef>
+          <a:fillRef idx="1">
+            <a:schemeClr val="accent1"/>
+          </a:fillRef>
+          <a:effectRef idx="0">
+            <a:schemeClr val="accent1"/>
+          </a:effectRef>
+          <a:fontRef idx="minor">
+            <a:schemeClr val="lt1"/>
+          </a:fontRef>
+        </p:style>
+        <p:txBody>
+          <a:bodyPr rtlCol="0" anchor="ctr"/>
+          <a:lstStyle/>
+          <a:p>
+            <a:pPr algn="ctr"/>
+            <a:endParaRPr lang="en-MY"/>
+          </a:p>
+        </p:txBody>
+      </p:sp>
+      <p:sp>
+        <p:nvSpPr>
+          <p:cNvPr id="15" name="Rounded Rectangle 14"/>
+          <p:cNvSpPr/>
+          <p:nvPr/>
+        </p:nvSpPr>
+        <p:spPr>
+          <a:xfrm>
+            <a:off x="4752303" y="3774318"/>
+            <a:ext cx="3314702" cy="2769989"/>
+          </a:xfrm>
+          <a:prstGeom prst="roundRect">
+            <a:avLst/>
+          </a:prstGeom>
+          <a:noFill/>
+        </p:spPr>
+        <p:style>
+          <a:lnRef idx="2">
+            <a:schemeClr val="accent1">
+              <a:shade val="50000"/>
+            </a:schemeClr>
+          </a:lnRef>
+          <a:fillRef idx="1">
+            <a:schemeClr val="accent1"/>
+          </a:fillRef>
+          <a:effectRef idx="0">
+            <a:schemeClr val="accent1"/>
+          </a:effectRef>
+          <a:fontRef idx="minor">
+            <a:schemeClr val="lt1"/>
+          </a:fontRef>
+        </p:style>
+        <p:txBody>
+          <a:bodyPr rtlCol="0" anchor="ctr"/>
+          <a:lstStyle/>
+          <a:p>
+            <a:pPr algn="ctr"/>
+            <a:endParaRPr lang="en-MY"/>
+          </a:p>
+        </p:txBody>
+      </p:sp>
+      <p:sp>
+        <p:nvSpPr>
+          <p:cNvPr id="17" name="Rounded Rectangle 16"/>
+          <p:cNvSpPr/>
+          <p:nvPr/>
+        </p:nvSpPr>
+        <p:spPr>
+          <a:xfrm>
+            <a:off x="8347657" y="3765382"/>
+            <a:ext cx="3374265" cy="2769989"/>
+          </a:xfrm>
+          <a:prstGeom prst="roundRect">
+            <a:avLst/>
+          </a:prstGeom>
+          <a:noFill/>
+        </p:spPr>
+        <p:style>
+          <a:lnRef idx="2">
+            <a:schemeClr val="accent1">
+              <a:shade val="50000"/>
+            </a:schemeClr>
+          </a:lnRef>
+          <a:fillRef idx="1">
+            <a:schemeClr val="accent1"/>
+          </a:fillRef>
+          <a:effectRef idx="0">
+            <a:schemeClr val="accent1"/>
+          </a:effectRef>
+          <a:fontRef idx="minor">
+            <a:schemeClr val="lt1"/>
+          </a:fontRef>
+        </p:style>
+        <p:txBody>
+          <a:bodyPr rtlCol="0" anchor="ctr"/>
+          <a:lstStyle/>
+          <a:p>
+            <a:pPr algn="ctr"/>
+            <a:endParaRPr lang="en-MY"/>
           </a:p>
         </p:txBody>
       </p:sp>
     </p:spTree>
     <p:extLst>
       <p:ext uri="{BB962C8B-B14F-4D97-AF65-F5344CB8AC3E}">
-        <p14:creationId xmlns:p14="http://schemas.microsoft.com/office/powerpoint/2010/main" val="1757452321"/>
+        <p14:creationId xmlns:p14="http://schemas.microsoft.com/office/powerpoint/2010/main" val="1608665547"/>
       </p:ext>
     </p:extLst>
   </p:cSld>
@@ -5472,430 +6122,219 @@
       </p:grpSpPr>
       <p:sp>
         <p:nvSpPr>
-          <p:cNvPr id="4" name="Slide Number Placeholder 3"/>
-          <p:cNvSpPr>
-            <a:spLocks noGrp="1"/>
-          </p:cNvSpPr>
-          <p:nvPr>
-            <p:ph type="sldNum" sz="quarter" idx="12"/>
-          </p:nvPr>
-        </p:nvSpPr>
-        <p:spPr/>
+          <p:cNvPr id="2" name="Title 1"/>
+          <p:cNvSpPr>
+            <a:spLocks noGrp="1"/>
+          </p:cNvSpPr>
+          <p:nvPr>
+            <p:ph type="title"/>
+          </p:nvPr>
+        </p:nvSpPr>
+        <p:spPr>
+          <a:xfrm>
+            <a:off x="838200" y="365126"/>
+            <a:ext cx="10515600" cy="858368"/>
+          </a:xfrm>
+        </p:spPr>
         <p:txBody>
           <a:bodyPr/>
           <a:lstStyle/>
           <a:p>
-            <a:fld id="{A90F21CD-99AA-425F-97AE-5CC2D8B33E07}" type="slidenum">
-              <a:rPr lang="en-MY" smtClean="0"/>
-              <a:pPr/>
-              <a:t>18</a:t>
-            </a:fld>
-            <a:endParaRPr lang="en-MY"/>
-          </a:p>
-        </p:txBody>
-      </p:sp>
-      <p:sp>
-        <p:nvSpPr>
-          <p:cNvPr id="5" name="Title 1"/>
-          <p:cNvSpPr txBox="1">
-            <a:spLocks/>
-          </p:cNvSpPr>
+            <a:pPr algn="ctr"/>
+            <a:r>
+              <a:rPr lang="en-US" dirty="0" err="1" smtClean="0"/>
+              <a:t>Php</a:t>
+            </a:r>
+            <a:r>
+              <a:rPr lang="en-US" dirty="0" smtClean="0"/>
+              <a:t> file</a:t>
+            </a:r>
+            <a:endParaRPr lang="en-MY" dirty="0"/>
+          </a:p>
+        </p:txBody>
+      </p:sp>
+      <p:pic>
+        <p:nvPicPr>
+          <p:cNvPr id="6" name="Content Placeholder 5"/>
+          <p:cNvPicPr>
+            <a:picLocks noGrp="1" noChangeAspect="1"/>
+          </p:cNvPicPr>
+          <p:nvPr>
+            <p:ph idx="1"/>
+          </p:nvPr>
+        </p:nvPicPr>
+        <p:blipFill rotWithShape="1">
+          <a:blip r:embed="rId2"/>
+          <a:srcRect b="19257"/>
+          <a:stretch/>
+        </p:blipFill>
+        <p:spPr>
+          <a:xfrm>
+            <a:off x="1103154" y="1608515"/>
+            <a:ext cx="6665127" cy="1253899"/>
+          </a:xfrm>
+          <a:prstGeom prst="rect">
+            <a:avLst/>
+          </a:prstGeom>
+          <a:ln>
+            <a:solidFill>
+              <a:schemeClr val="tx1"/>
+            </a:solidFill>
+          </a:ln>
+        </p:spPr>
+      </p:pic>
+      <p:pic>
+        <p:nvPicPr>
+          <p:cNvPr id="7" name="Picture 6"/>
+          <p:cNvPicPr>
+            <a:picLocks noChangeAspect="1"/>
+          </p:cNvPicPr>
           <p:nvPr/>
-        </p:nvSpPr>
-        <p:spPr bwMode="auto">
-          <a:xfrm>
-            <a:off x="838200" y="365125"/>
-            <a:ext cx="10515600" cy="1325563"/>
+        </p:nvPicPr>
+        <p:blipFill>
+          <a:blip r:embed="rId3"/>
+          <a:stretch>
+            <a:fillRect/>
+          </a:stretch>
+        </p:blipFill>
+        <p:spPr>
+          <a:xfrm>
+            <a:off x="1103154" y="3157605"/>
+            <a:ext cx="8452969" cy="1243550"/>
+          </a:xfrm>
+          <a:prstGeom prst="rect">
+            <a:avLst/>
+          </a:prstGeom>
+          <a:ln>
+            <a:solidFill>
+              <a:schemeClr val="tx1"/>
+            </a:solidFill>
+          </a:ln>
+        </p:spPr>
+      </p:pic>
+      <p:pic>
+        <p:nvPicPr>
+          <p:cNvPr id="8" name="Picture 7"/>
+          <p:cNvPicPr>
+            <a:picLocks noChangeAspect="1"/>
+          </p:cNvPicPr>
+          <p:nvPr/>
+        </p:nvPicPr>
+        <p:blipFill>
+          <a:blip r:embed="rId4"/>
+          <a:stretch>
+            <a:fillRect/>
+          </a:stretch>
+        </p:blipFill>
+        <p:spPr>
+          <a:xfrm>
+            <a:off x="1055864" y="4844629"/>
+            <a:ext cx="9363144" cy="1590428"/>
+          </a:xfrm>
+          <a:prstGeom prst="rect">
+            <a:avLst/>
+          </a:prstGeom>
+          <a:ln>
+            <a:solidFill>
+              <a:schemeClr val="tx1"/>
+            </a:solidFill>
+          </a:ln>
+        </p:spPr>
+      </p:pic>
+      <p:sp>
+        <p:nvSpPr>
+          <p:cNvPr id="9" name="TextBox 8"/>
+          <p:cNvSpPr txBox="1"/>
+          <p:nvPr/>
+        </p:nvSpPr>
+        <p:spPr>
+          <a:xfrm>
+            <a:off x="1055864" y="1280153"/>
+            <a:ext cx="3378693" cy="369332"/>
           </a:xfrm>
           <a:prstGeom prst="rect">
             <a:avLst/>
           </a:prstGeom>
           <a:noFill/>
-          <a:ln>
-            <a:noFill/>
-          </a:ln>
-          <a:extLst>
-            <a:ext uri="{909E8E84-426E-40DD-AFC4-6F175D3DCCD1}">
-              <a14:hiddenFill xmlns:a14="http://schemas.microsoft.com/office/drawing/2010/main">
-                <a:solidFill>
-                  <a:srgbClr val="FFFFFF"/>
-                </a:solidFill>
-              </a14:hiddenFill>
-            </a:ext>
-            <a:ext uri="{91240B29-F687-4F45-9708-019B960494DF}">
-              <a14:hiddenLine xmlns:a14="http://schemas.microsoft.com/office/drawing/2010/main" w="9525">
-                <a:solidFill>
-                  <a:srgbClr val="000000"/>
-                </a:solidFill>
-                <a:miter lim="800000"/>
-                <a:headEnd/>
-                <a:tailEnd/>
-              </a14:hiddenLine>
-            </a:ext>
-          </a:extLst>
-        </p:spPr>
-        <p:txBody>
-          <a:bodyPr vert="horz" wrap="square" lIns="91440" tIns="45720" rIns="91440" bIns="45720" numCol="1" anchor="ctr" anchorCtr="0" compatLnSpc="1">
-            <a:prstTxWarp prst="textNoShape">
-              <a:avLst/>
-            </a:prstTxWarp>
+        </p:spPr>
+        <p:txBody>
+          <a:bodyPr wrap="square" rtlCol="0">
+            <a:spAutoFit/>
           </a:bodyPr>
-          <a:lstStyle>
-            <a:lvl1pPr algn="ctr" rtl="0" eaLnBrk="1" fontAlgn="base" hangingPunct="1">
-              <a:spcBef>
-                <a:spcPct val="0"/>
-              </a:spcBef>
-              <a:spcAft>
-                <a:spcPct val="0"/>
-              </a:spcAft>
-              <a:defRPr sz="4400" kern="1200">
-                <a:solidFill>
-                  <a:schemeClr val="tx1"/>
-                </a:solidFill>
-                <a:latin typeface="+mj-lt"/>
-                <a:ea typeface="+mj-ea"/>
-                <a:cs typeface="+mj-cs"/>
-              </a:defRPr>
-            </a:lvl1pPr>
-            <a:lvl2pPr algn="ctr" rtl="0" eaLnBrk="1" fontAlgn="base" hangingPunct="1">
-              <a:spcBef>
-                <a:spcPct val="0"/>
-              </a:spcBef>
-              <a:spcAft>
-                <a:spcPct val="0"/>
-              </a:spcAft>
-              <a:defRPr sz="4400">
-                <a:solidFill>
-                  <a:schemeClr val="tx1"/>
-                </a:solidFill>
-                <a:latin typeface="Calibri" pitchFamily="-112" charset="0"/>
-              </a:defRPr>
-            </a:lvl2pPr>
-            <a:lvl3pPr algn="ctr" rtl="0" eaLnBrk="1" fontAlgn="base" hangingPunct="1">
-              <a:spcBef>
-                <a:spcPct val="0"/>
-              </a:spcBef>
-              <a:spcAft>
-                <a:spcPct val="0"/>
-              </a:spcAft>
-              <a:defRPr sz="4400">
-                <a:solidFill>
-                  <a:schemeClr val="tx1"/>
-                </a:solidFill>
-                <a:latin typeface="Calibri" pitchFamily="-112" charset="0"/>
-              </a:defRPr>
-            </a:lvl3pPr>
-            <a:lvl4pPr algn="ctr" rtl="0" eaLnBrk="1" fontAlgn="base" hangingPunct="1">
-              <a:spcBef>
-                <a:spcPct val="0"/>
-              </a:spcBef>
-              <a:spcAft>
-                <a:spcPct val="0"/>
-              </a:spcAft>
-              <a:defRPr sz="4400">
-                <a:solidFill>
-                  <a:schemeClr val="tx1"/>
-                </a:solidFill>
-                <a:latin typeface="Calibri" pitchFamily="-112" charset="0"/>
-              </a:defRPr>
-            </a:lvl4pPr>
-            <a:lvl5pPr algn="ctr" rtl="0" eaLnBrk="1" fontAlgn="base" hangingPunct="1">
-              <a:spcBef>
-                <a:spcPct val="0"/>
-              </a:spcBef>
-              <a:spcAft>
-                <a:spcPct val="0"/>
-              </a:spcAft>
-              <a:defRPr sz="4400">
-                <a:solidFill>
-                  <a:schemeClr val="tx1"/>
-                </a:solidFill>
-                <a:latin typeface="Calibri" pitchFamily="-112" charset="0"/>
-              </a:defRPr>
-            </a:lvl5pPr>
-            <a:lvl6pPr marL="457200" algn="ctr" rtl="0" eaLnBrk="1" fontAlgn="base" hangingPunct="1">
-              <a:spcBef>
-                <a:spcPct val="0"/>
-              </a:spcBef>
-              <a:spcAft>
-                <a:spcPct val="0"/>
-              </a:spcAft>
-              <a:defRPr sz="4400">
-                <a:solidFill>
-                  <a:schemeClr val="tx1"/>
-                </a:solidFill>
-                <a:latin typeface="Calibri" pitchFamily="-112" charset="0"/>
-              </a:defRPr>
-            </a:lvl6pPr>
-            <a:lvl7pPr marL="914400" algn="ctr" rtl="0" eaLnBrk="1" fontAlgn="base" hangingPunct="1">
-              <a:spcBef>
-                <a:spcPct val="0"/>
-              </a:spcBef>
-              <a:spcAft>
-                <a:spcPct val="0"/>
-              </a:spcAft>
-              <a:defRPr sz="4400">
-                <a:solidFill>
-                  <a:schemeClr val="tx1"/>
-                </a:solidFill>
-                <a:latin typeface="Calibri" pitchFamily="-112" charset="0"/>
-              </a:defRPr>
-            </a:lvl7pPr>
-            <a:lvl8pPr marL="1371600" algn="ctr" rtl="0" eaLnBrk="1" fontAlgn="base" hangingPunct="1">
-              <a:spcBef>
-                <a:spcPct val="0"/>
-              </a:spcBef>
-              <a:spcAft>
-                <a:spcPct val="0"/>
-              </a:spcAft>
-              <a:defRPr sz="4400">
-                <a:solidFill>
-                  <a:schemeClr val="tx1"/>
-                </a:solidFill>
-                <a:latin typeface="Calibri" pitchFamily="-112" charset="0"/>
-              </a:defRPr>
-            </a:lvl8pPr>
-            <a:lvl9pPr marL="1828800" algn="ctr" rtl="0" eaLnBrk="1" fontAlgn="base" hangingPunct="1">
-              <a:spcBef>
-                <a:spcPct val="0"/>
-              </a:spcBef>
-              <a:spcAft>
-                <a:spcPct val="0"/>
-              </a:spcAft>
-              <a:defRPr sz="4400">
-                <a:solidFill>
-                  <a:schemeClr val="tx1"/>
-                </a:solidFill>
-                <a:latin typeface="Calibri" pitchFamily="-112" charset="0"/>
-              </a:defRPr>
-            </a:lvl9pPr>
-          </a:lstStyle>
-          <a:p>
-            <a:r>
-              <a:rPr lang="en-US" b="1" smtClean="0"/>
-              <a:t>Web server</a:t>
-            </a:r>
-            <a:endParaRPr lang="en-US" b="1" dirty="0"/>
-          </a:p>
-        </p:txBody>
-      </p:sp>
-      <p:sp>
-        <p:nvSpPr>
-          <p:cNvPr id="6" name="Content Placeholder 2"/>
-          <p:cNvSpPr txBox="1">
-            <a:spLocks/>
-          </p:cNvSpPr>
+          <a:lstStyle/>
+          <a:p>
+            <a:r>
+              <a:rPr lang="en-US" dirty="0" err="1" smtClean="0"/>
+              <a:t>Init.php</a:t>
+            </a:r>
+            <a:endParaRPr lang="en-MY" dirty="0"/>
+          </a:p>
+        </p:txBody>
+      </p:sp>
+      <p:sp>
+        <p:nvSpPr>
+          <p:cNvPr id="10" name="TextBox 9"/>
+          <p:cNvSpPr txBox="1"/>
           <p:nvPr/>
         </p:nvSpPr>
-        <p:spPr bwMode="auto">
-          <a:xfrm>
-            <a:off x="838200" y="1825625"/>
-            <a:ext cx="10515600" cy="4351338"/>
+        <p:spPr>
+          <a:xfrm>
+            <a:off x="1055864" y="2792766"/>
+            <a:ext cx="4009758" cy="369332"/>
           </a:xfrm>
           <a:prstGeom prst="rect">
             <a:avLst/>
           </a:prstGeom>
           <a:noFill/>
-          <a:ln>
-            <a:noFill/>
-          </a:ln>
-          <a:extLst>
-            <a:ext uri="{909E8E84-426E-40DD-AFC4-6F175D3DCCD1}">
-              <a14:hiddenFill xmlns:a14="http://schemas.microsoft.com/office/drawing/2010/main">
-                <a:solidFill>
-                  <a:srgbClr val="FFFFFF"/>
-                </a:solidFill>
-              </a14:hiddenFill>
-            </a:ext>
-            <a:ext uri="{91240B29-F687-4F45-9708-019B960494DF}">
-              <a14:hiddenLine xmlns:a14="http://schemas.microsoft.com/office/drawing/2010/main" w="9525">
-                <a:solidFill>
-                  <a:srgbClr val="000000"/>
-                </a:solidFill>
-                <a:miter lim="800000"/>
-                <a:headEnd/>
-                <a:tailEnd/>
-              </a14:hiddenLine>
-            </a:ext>
-          </a:extLst>
-        </p:spPr>
-        <p:txBody>
-          <a:bodyPr vert="horz" wrap="square" lIns="91440" tIns="45720" rIns="91440" bIns="45720" numCol="1" anchor="t" anchorCtr="0" compatLnSpc="1">
-            <a:prstTxWarp prst="textNoShape">
-              <a:avLst/>
-            </a:prstTxWarp>
+        </p:spPr>
+        <p:txBody>
+          <a:bodyPr wrap="square" rtlCol="0">
+            <a:spAutoFit/>
           </a:bodyPr>
-          <a:lstStyle>
-            <a:lvl1pPr marL="342900" indent="-342900" algn="l" rtl="0" eaLnBrk="1" fontAlgn="base" hangingPunct="1">
-              <a:spcBef>
-                <a:spcPct val="20000"/>
-              </a:spcBef>
-              <a:spcAft>
-                <a:spcPct val="0"/>
-              </a:spcAft>
-              <a:buFont typeface="Arial" panose="020B0604020202020204" pitchFamily="34" charset="0"/>
-              <a:buChar char="•"/>
-              <a:defRPr sz="3200" kern="1200">
-                <a:solidFill>
-                  <a:schemeClr val="tx1"/>
-                </a:solidFill>
-                <a:latin typeface="+mn-lt"/>
-                <a:ea typeface="+mn-ea"/>
-                <a:cs typeface="+mn-cs"/>
-              </a:defRPr>
-            </a:lvl1pPr>
-            <a:lvl2pPr marL="742950" indent="-285750" algn="l" rtl="0" eaLnBrk="1" fontAlgn="base" hangingPunct="1">
-              <a:spcBef>
-                <a:spcPct val="20000"/>
-              </a:spcBef>
-              <a:spcAft>
-                <a:spcPct val="0"/>
-              </a:spcAft>
-              <a:buFont typeface="Arial" panose="020B0604020202020204" pitchFamily="34" charset="0"/>
-              <a:buChar char="–"/>
-              <a:defRPr sz="2800" kern="1200">
-                <a:solidFill>
-                  <a:schemeClr val="tx1"/>
-                </a:solidFill>
-                <a:latin typeface="+mn-lt"/>
-                <a:ea typeface="+mn-ea"/>
-                <a:cs typeface="+mn-cs"/>
-              </a:defRPr>
-            </a:lvl2pPr>
-            <a:lvl3pPr marL="1143000" indent="-228600" algn="l" rtl="0" eaLnBrk="1" fontAlgn="base" hangingPunct="1">
-              <a:spcBef>
-                <a:spcPct val="20000"/>
-              </a:spcBef>
-              <a:spcAft>
-                <a:spcPct val="0"/>
-              </a:spcAft>
-              <a:buFont typeface="Arial" panose="020B0604020202020204" pitchFamily="34" charset="0"/>
-              <a:buChar char="•"/>
-              <a:defRPr sz="2400" kern="1200">
-                <a:solidFill>
-                  <a:schemeClr val="tx1"/>
-                </a:solidFill>
-                <a:latin typeface="+mn-lt"/>
-                <a:ea typeface="+mn-ea"/>
-                <a:cs typeface="+mn-cs"/>
-              </a:defRPr>
-            </a:lvl3pPr>
-            <a:lvl4pPr marL="1600200" indent="-228600" algn="l" rtl="0" eaLnBrk="1" fontAlgn="base" hangingPunct="1">
-              <a:spcBef>
-                <a:spcPct val="20000"/>
-              </a:spcBef>
-              <a:spcAft>
-                <a:spcPct val="0"/>
-              </a:spcAft>
-              <a:buFont typeface="Arial" panose="020B0604020202020204" pitchFamily="34" charset="0"/>
-              <a:buChar char="–"/>
-              <a:defRPr sz="2000" kern="1200">
-                <a:solidFill>
-                  <a:schemeClr val="tx1"/>
-                </a:solidFill>
-                <a:latin typeface="+mn-lt"/>
-                <a:ea typeface="+mn-ea"/>
-                <a:cs typeface="+mn-cs"/>
-              </a:defRPr>
-            </a:lvl4pPr>
-            <a:lvl5pPr marL="2057400" indent="-228600" algn="l" rtl="0" eaLnBrk="1" fontAlgn="base" hangingPunct="1">
-              <a:spcBef>
-                <a:spcPct val="20000"/>
-              </a:spcBef>
-              <a:spcAft>
-                <a:spcPct val="0"/>
-              </a:spcAft>
-              <a:buFont typeface="Arial" panose="020B0604020202020204" pitchFamily="34" charset="0"/>
-              <a:buChar char="»"/>
-              <a:defRPr sz="2000" kern="1200">
-                <a:solidFill>
-                  <a:schemeClr val="tx1"/>
-                </a:solidFill>
-                <a:latin typeface="+mn-lt"/>
-                <a:ea typeface="+mn-ea"/>
-                <a:cs typeface="+mn-cs"/>
-              </a:defRPr>
-            </a:lvl5pPr>
-            <a:lvl6pPr marL="2514600" indent="-228600" algn="l" defTabSz="914400" rtl="0" eaLnBrk="1" latinLnBrk="0" hangingPunct="1">
-              <a:spcBef>
-                <a:spcPct val="20000"/>
-              </a:spcBef>
-              <a:buFont typeface="Arial" pitchFamily="34" charset="0"/>
-              <a:buChar char="•"/>
-              <a:defRPr sz="2000" kern="1200">
-                <a:solidFill>
-                  <a:schemeClr val="tx1"/>
-                </a:solidFill>
-                <a:latin typeface="+mn-lt"/>
-                <a:ea typeface="+mn-ea"/>
-                <a:cs typeface="+mn-cs"/>
-              </a:defRPr>
-            </a:lvl6pPr>
-            <a:lvl7pPr marL="2971800" indent="-228600" algn="l" defTabSz="914400" rtl="0" eaLnBrk="1" latinLnBrk="0" hangingPunct="1">
-              <a:spcBef>
-                <a:spcPct val="20000"/>
-              </a:spcBef>
-              <a:buFont typeface="Arial" pitchFamily="34" charset="0"/>
-              <a:buChar char="•"/>
-              <a:defRPr sz="2000" kern="1200">
-                <a:solidFill>
-                  <a:schemeClr val="tx1"/>
-                </a:solidFill>
-                <a:latin typeface="+mn-lt"/>
-                <a:ea typeface="+mn-ea"/>
-                <a:cs typeface="+mn-cs"/>
-              </a:defRPr>
-            </a:lvl7pPr>
-            <a:lvl8pPr marL="3429000" indent="-228600" algn="l" defTabSz="914400" rtl="0" eaLnBrk="1" latinLnBrk="0" hangingPunct="1">
-              <a:spcBef>
-                <a:spcPct val="20000"/>
-              </a:spcBef>
-              <a:buFont typeface="Arial" pitchFamily="34" charset="0"/>
-              <a:buChar char="•"/>
-              <a:defRPr sz="2000" kern="1200">
-                <a:solidFill>
-                  <a:schemeClr val="tx1"/>
-                </a:solidFill>
-                <a:latin typeface="+mn-lt"/>
-                <a:ea typeface="+mn-ea"/>
-                <a:cs typeface="+mn-cs"/>
-              </a:defRPr>
-            </a:lvl8pPr>
-            <a:lvl9pPr marL="3886200" indent="-228600" algn="l" defTabSz="914400" rtl="0" eaLnBrk="1" latinLnBrk="0" hangingPunct="1">
-              <a:spcBef>
-                <a:spcPct val="20000"/>
-              </a:spcBef>
-              <a:buFont typeface="Arial" pitchFamily="34" charset="0"/>
-              <a:buChar char="•"/>
-              <a:defRPr sz="2000" kern="1200">
-                <a:solidFill>
-                  <a:schemeClr val="tx1"/>
-                </a:solidFill>
-                <a:latin typeface="+mn-lt"/>
-                <a:ea typeface="+mn-ea"/>
-                <a:cs typeface="+mn-cs"/>
-              </a:defRPr>
-            </a:lvl9pPr>
-          </a:lstStyle>
-          <a:p>
-            <a:r>
-              <a:rPr lang="en-US" smtClean="0">
-                <a:hlinkClick r:id="rId2"/>
-              </a:rPr>
-              <a:t>https://softwareengineeing.000webhostapp.com</a:t>
-            </a:r>
-            <a:r>
-              <a:rPr lang="en-US" smtClean="0"/>
-              <a:t> </a:t>
-            </a:r>
-            <a:endParaRPr lang="en-US" dirty="0"/>
+          <a:lstStyle/>
+          <a:p>
+            <a:r>
+              <a:rPr lang="en-US" dirty="0" err="1" smtClean="0"/>
+              <a:t>Login.php</a:t>
+            </a:r>
+            <a:endParaRPr lang="en-MY" dirty="0"/>
+          </a:p>
+        </p:txBody>
+      </p:sp>
+      <p:sp>
+        <p:nvSpPr>
+          <p:cNvPr id="11" name="TextBox 10"/>
+          <p:cNvSpPr txBox="1"/>
+          <p:nvPr/>
+        </p:nvSpPr>
+        <p:spPr>
+          <a:xfrm>
+            <a:off x="1055864" y="4475297"/>
+            <a:ext cx="2902176" cy="369332"/>
+          </a:xfrm>
+          <a:prstGeom prst="rect">
+            <a:avLst/>
+          </a:prstGeom>
+          <a:noFill/>
+        </p:spPr>
+        <p:txBody>
+          <a:bodyPr wrap="square" rtlCol="0">
+            <a:spAutoFit/>
+          </a:bodyPr>
+          <a:lstStyle/>
+          <a:p>
+            <a:r>
+              <a:rPr lang="en-US" dirty="0" err="1" smtClean="0"/>
+              <a:t>Register.php</a:t>
+            </a:r>
+            <a:endParaRPr lang="en-MY" dirty="0"/>
           </a:p>
         </p:txBody>
       </p:sp>
     </p:spTree>
     <p:extLst>
       <p:ext uri="{BB962C8B-B14F-4D97-AF65-F5344CB8AC3E}">
-        <p14:creationId xmlns:p14="http://schemas.microsoft.com/office/powerpoint/2010/main" val="3941612618"/>
+        <p14:creationId xmlns:p14="http://schemas.microsoft.com/office/powerpoint/2010/main" val="949850996"/>
       </p:ext>
     </p:extLst>
   </p:cSld>
@@ -5924,12 +6363,12 @@
       </p:grpSpPr>
       <p:sp>
         <p:nvSpPr>
-          <p:cNvPr id="4" name="Slide Number Placeholder 3"/>
-          <p:cNvSpPr>
-            <a:spLocks noGrp="1"/>
-          </p:cNvSpPr>
-          <p:nvPr>
-            <p:ph type="sldNum" sz="quarter" idx="12"/>
+          <p:cNvPr id="2" name="Title 1"/>
+          <p:cNvSpPr>
+            <a:spLocks noGrp="1"/>
+          </p:cNvSpPr>
+          <p:nvPr>
+            <p:ph type="title"/>
           </p:nvPr>
         </p:nvSpPr>
         <p:spPr/>
@@ -5937,251 +6376,270 @@
           <a:bodyPr/>
           <a:lstStyle/>
           <a:p>
-            <a:fld id="{A90F21CD-99AA-425F-97AE-5CC2D8B33E07}" type="slidenum">
-              <a:rPr lang="en-MY" smtClean="0"/>
-              <a:pPr/>
-              <a:t>19</a:t>
-            </a:fld>
-            <a:endParaRPr lang="en-MY"/>
-          </a:p>
-        </p:txBody>
-      </p:sp>
-      <p:sp>
-        <p:nvSpPr>
-          <p:cNvPr id="5" name="Title 1"/>
-          <p:cNvSpPr txBox="1">
-            <a:spLocks/>
-          </p:cNvSpPr>
-          <p:nvPr/>
-        </p:nvSpPr>
-        <p:spPr bwMode="auto">
-          <a:xfrm>
-            <a:off x="838200" y="365125"/>
-            <a:ext cx="10515600" cy="1325563"/>
-          </a:xfrm>
-          <a:prstGeom prst="rect">
-            <a:avLst/>
-          </a:prstGeom>
-          <a:noFill/>
-          <a:ln>
-            <a:noFill/>
-          </a:ln>
-          <a:extLst>
-            <a:ext uri="{909E8E84-426E-40DD-AFC4-6F175D3DCCD1}">
-              <a14:hiddenFill xmlns:a14="http://schemas.microsoft.com/office/drawing/2010/main">
-                <a:solidFill>
-                  <a:srgbClr val="FFFFFF"/>
-                </a:solidFill>
-              </a14:hiddenFill>
-            </a:ext>
-            <a:ext uri="{91240B29-F687-4F45-9708-019B960494DF}">
-              <a14:hiddenLine xmlns:a14="http://schemas.microsoft.com/office/drawing/2010/main" w="9525">
-                <a:solidFill>
-                  <a:srgbClr val="000000"/>
-                </a:solidFill>
-                <a:miter lim="800000"/>
-                <a:headEnd/>
-                <a:tailEnd/>
-              </a14:hiddenLine>
-            </a:ext>
-          </a:extLst>
-        </p:spPr>
-        <p:txBody>
-          <a:bodyPr vert="horz" wrap="square" lIns="91440" tIns="45720" rIns="91440" bIns="45720" numCol="1" anchor="ctr" anchorCtr="0" compatLnSpc="1">
-            <a:prstTxWarp prst="textNoShape">
-              <a:avLst/>
-            </a:prstTxWarp>
-          </a:bodyPr>
-          <a:lstStyle>
-            <a:lvl1pPr algn="ctr" rtl="0" eaLnBrk="1" fontAlgn="base" hangingPunct="1">
-              <a:spcBef>
-                <a:spcPct val="0"/>
-              </a:spcBef>
-              <a:spcAft>
-                <a:spcPct val="0"/>
-              </a:spcAft>
-              <a:defRPr sz="4400" kern="1200">
-                <a:solidFill>
-                  <a:schemeClr val="tx1"/>
-                </a:solidFill>
-                <a:latin typeface="+mj-lt"/>
-                <a:ea typeface="+mj-ea"/>
-                <a:cs typeface="+mj-cs"/>
-              </a:defRPr>
-            </a:lvl1pPr>
-            <a:lvl2pPr algn="ctr" rtl="0" eaLnBrk="1" fontAlgn="base" hangingPunct="1">
-              <a:spcBef>
-                <a:spcPct val="0"/>
-              </a:spcBef>
-              <a:spcAft>
-                <a:spcPct val="0"/>
-              </a:spcAft>
-              <a:defRPr sz="4400">
-                <a:solidFill>
-                  <a:schemeClr val="tx1"/>
-                </a:solidFill>
-                <a:latin typeface="Calibri" pitchFamily="-112" charset="0"/>
-              </a:defRPr>
-            </a:lvl2pPr>
-            <a:lvl3pPr algn="ctr" rtl="0" eaLnBrk="1" fontAlgn="base" hangingPunct="1">
-              <a:spcBef>
-                <a:spcPct val="0"/>
-              </a:spcBef>
-              <a:spcAft>
-                <a:spcPct val="0"/>
-              </a:spcAft>
-              <a:defRPr sz="4400">
-                <a:solidFill>
-                  <a:schemeClr val="tx1"/>
-                </a:solidFill>
-                <a:latin typeface="Calibri" pitchFamily="-112" charset="0"/>
-              </a:defRPr>
-            </a:lvl3pPr>
-            <a:lvl4pPr algn="ctr" rtl="0" eaLnBrk="1" fontAlgn="base" hangingPunct="1">
-              <a:spcBef>
-                <a:spcPct val="0"/>
-              </a:spcBef>
-              <a:spcAft>
-                <a:spcPct val="0"/>
-              </a:spcAft>
-              <a:defRPr sz="4400">
-                <a:solidFill>
-                  <a:schemeClr val="tx1"/>
-                </a:solidFill>
-                <a:latin typeface="Calibri" pitchFamily="-112" charset="0"/>
-              </a:defRPr>
-            </a:lvl4pPr>
-            <a:lvl5pPr algn="ctr" rtl="0" eaLnBrk="1" fontAlgn="base" hangingPunct="1">
-              <a:spcBef>
-                <a:spcPct val="0"/>
-              </a:spcBef>
-              <a:spcAft>
-                <a:spcPct val="0"/>
-              </a:spcAft>
-              <a:defRPr sz="4400">
-                <a:solidFill>
-                  <a:schemeClr val="tx1"/>
-                </a:solidFill>
-                <a:latin typeface="Calibri" pitchFamily="-112" charset="0"/>
-              </a:defRPr>
-            </a:lvl5pPr>
-            <a:lvl6pPr marL="457200" algn="ctr" rtl="0" eaLnBrk="1" fontAlgn="base" hangingPunct="1">
-              <a:spcBef>
-                <a:spcPct val="0"/>
-              </a:spcBef>
-              <a:spcAft>
-                <a:spcPct val="0"/>
-              </a:spcAft>
-              <a:defRPr sz="4400">
-                <a:solidFill>
-                  <a:schemeClr val="tx1"/>
-                </a:solidFill>
-                <a:latin typeface="Calibri" pitchFamily="-112" charset="0"/>
-              </a:defRPr>
-            </a:lvl6pPr>
-            <a:lvl7pPr marL="914400" algn="ctr" rtl="0" eaLnBrk="1" fontAlgn="base" hangingPunct="1">
-              <a:spcBef>
-                <a:spcPct val="0"/>
-              </a:spcBef>
-              <a:spcAft>
-                <a:spcPct val="0"/>
-              </a:spcAft>
-              <a:defRPr sz="4400">
-                <a:solidFill>
-                  <a:schemeClr val="tx1"/>
-                </a:solidFill>
-                <a:latin typeface="Calibri" pitchFamily="-112" charset="0"/>
-              </a:defRPr>
-            </a:lvl7pPr>
-            <a:lvl8pPr marL="1371600" algn="ctr" rtl="0" eaLnBrk="1" fontAlgn="base" hangingPunct="1">
-              <a:spcBef>
-                <a:spcPct val="0"/>
-              </a:spcBef>
-              <a:spcAft>
-                <a:spcPct val="0"/>
-              </a:spcAft>
-              <a:defRPr sz="4400">
-                <a:solidFill>
-                  <a:schemeClr val="tx1"/>
-                </a:solidFill>
-                <a:latin typeface="Calibri" pitchFamily="-112" charset="0"/>
-              </a:defRPr>
-            </a:lvl8pPr>
-            <a:lvl9pPr marL="1828800" algn="ctr" rtl="0" eaLnBrk="1" fontAlgn="base" hangingPunct="1">
-              <a:spcBef>
-                <a:spcPct val="0"/>
-              </a:spcBef>
-              <a:spcAft>
-                <a:spcPct val="0"/>
-              </a:spcAft>
-              <a:defRPr sz="4400">
-                <a:solidFill>
-                  <a:schemeClr val="tx1"/>
-                </a:solidFill>
-                <a:latin typeface="Calibri" pitchFamily="-112" charset="0"/>
-              </a:defRPr>
-            </a:lvl9pPr>
-          </a:lstStyle>
-          <a:p>
-            <a:r>
-              <a:rPr lang="en-US" smtClean="0"/>
-              <a:t>Database</a:t>
-            </a:r>
-            <a:endParaRPr lang="en-US" dirty="0"/>
+            <a:pPr algn="ctr"/>
+            <a:r>
+              <a:rPr lang="en-US" dirty="0" smtClean="0"/>
+              <a:t>Android app user interface</a:t>
+            </a:r>
+            <a:endParaRPr lang="en-MY" dirty="0"/>
           </a:p>
         </p:txBody>
       </p:sp>
       <p:pic>
         <p:nvPicPr>
-          <p:cNvPr id="6" name="Content Placeholder 3"/>
+          <p:cNvPr id="10" name="Content Placeholder 9"/>
+          <p:cNvPicPr>
+            <a:picLocks noGrp="1" noChangeAspect="1"/>
+          </p:cNvPicPr>
+          <p:nvPr>
+            <p:ph idx="1"/>
+          </p:nvPr>
+        </p:nvPicPr>
+        <p:blipFill>
+          <a:blip r:embed="rId2">
+            <a:extLst>
+              <a:ext uri="{28A0092B-C50C-407E-A947-70E740481C1C}">
+                <a14:useLocalDpi xmlns:a14="http://schemas.microsoft.com/office/drawing/2010/main" val="0"/>
+              </a:ext>
+            </a:extLst>
+          </a:blip>
+          <a:stretch>
+            <a:fillRect/>
+          </a:stretch>
+        </p:blipFill>
+        <p:spPr>
+          <a:xfrm>
+            <a:off x="6096000" y="1952048"/>
+            <a:ext cx="2610520" cy="3948927"/>
+          </a:xfrm>
+        </p:spPr>
+      </p:pic>
+      <p:pic>
+        <p:nvPicPr>
+          <p:cNvPr id="13" name="Picture 12"/>
           <p:cNvPicPr>
             <a:picLocks noChangeAspect="1"/>
           </p:cNvPicPr>
           <p:nvPr/>
         </p:nvPicPr>
         <p:blipFill>
-          <a:blip r:embed="rId2"/>
+          <a:blip r:embed="rId3">
+            <a:extLst>
+              <a:ext uri="{28A0092B-C50C-407E-A947-70E740481C1C}">
+                <a14:useLocalDpi xmlns:a14="http://schemas.microsoft.com/office/drawing/2010/main" val="0"/>
+              </a:ext>
+            </a:extLst>
+          </a:blip>
           <a:stretch>
             <a:fillRect/>
           </a:stretch>
         </p:blipFill>
-        <p:spPr bwMode="auto">
-          <a:xfrm>
-            <a:off x="838200" y="1988239"/>
-            <a:ext cx="10515600" cy="2042765"/>
+        <p:spPr>
+          <a:xfrm>
+            <a:off x="614114" y="1952048"/>
+            <a:ext cx="2170605" cy="3948927"/>
+          </a:xfrm>
+          <a:prstGeom prst="rect">
+            <a:avLst/>
+          </a:prstGeom>
+        </p:spPr>
+      </p:pic>
+      <p:pic>
+        <p:nvPicPr>
+          <p:cNvPr id="14" name="Picture 13"/>
+          <p:cNvPicPr>
+            <a:picLocks noChangeAspect="1"/>
+          </p:cNvPicPr>
+          <p:nvPr/>
+        </p:nvPicPr>
+        <p:blipFill>
+          <a:blip r:embed="rId4">
+            <a:extLst>
+              <a:ext uri="{28A0092B-C50C-407E-A947-70E740481C1C}">
+                <a14:useLocalDpi xmlns:a14="http://schemas.microsoft.com/office/drawing/2010/main" val="0"/>
+              </a:ext>
+            </a:extLst>
+          </a:blip>
+          <a:stretch>
+            <a:fillRect/>
+          </a:stretch>
+        </p:blipFill>
+        <p:spPr>
+          <a:xfrm>
+            <a:off x="3184183" y="1952048"/>
+            <a:ext cx="2405247" cy="3948927"/>
+          </a:xfrm>
+          <a:prstGeom prst="rect">
+            <a:avLst/>
+          </a:prstGeom>
+        </p:spPr>
+      </p:pic>
+      <p:pic>
+        <p:nvPicPr>
+          <p:cNvPr id="15" name="Picture 14"/>
+          <p:cNvPicPr>
+            <a:picLocks noChangeAspect="1"/>
+          </p:cNvPicPr>
+          <p:nvPr/>
+        </p:nvPicPr>
+        <p:blipFill>
+          <a:blip r:embed="rId5" cstate="print">
+            <a:extLst>
+              <a:ext uri="{28A0092B-C50C-407E-A947-70E740481C1C}">
+                <a14:useLocalDpi xmlns:a14="http://schemas.microsoft.com/office/drawing/2010/main" val="0"/>
+              </a:ext>
+            </a:extLst>
+          </a:blip>
+          <a:stretch>
+            <a:fillRect/>
+          </a:stretch>
+        </p:blipFill>
+        <p:spPr>
+          <a:xfrm>
+            <a:off x="9016402" y="2358406"/>
+            <a:ext cx="2449132" cy="1085147"/>
+          </a:xfrm>
+          <a:prstGeom prst="rect">
+            <a:avLst/>
+          </a:prstGeom>
+        </p:spPr>
+      </p:pic>
+      <p:pic>
+        <p:nvPicPr>
+          <p:cNvPr id="16" name="Picture 15"/>
+          <p:cNvPicPr>
+            <a:picLocks noChangeAspect="1"/>
+          </p:cNvPicPr>
+          <p:nvPr/>
+        </p:nvPicPr>
+        <p:blipFill>
+          <a:blip r:embed="rId6" cstate="print">
+            <a:extLst>
+              <a:ext uri="{28A0092B-C50C-407E-A947-70E740481C1C}">
+                <a14:useLocalDpi xmlns:a14="http://schemas.microsoft.com/office/drawing/2010/main" val="0"/>
+              </a:ext>
+            </a:extLst>
+          </a:blip>
+          <a:stretch>
+            <a:fillRect/>
+          </a:stretch>
+        </p:blipFill>
+        <p:spPr>
+          <a:xfrm>
+            <a:off x="9273577" y="3578341"/>
+            <a:ext cx="1728720" cy="681242"/>
+          </a:xfrm>
+          <a:prstGeom prst="rect">
+            <a:avLst/>
+          </a:prstGeom>
+        </p:spPr>
+      </p:pic>
+      <p:sp>
+        <p:nvSpPr>
+          <p:cNvPr id="18" name="Rounded Rectangle 17"/>
+          <p:cNvSpPr/>
+          <p:nvPr/>
+        </p:nvSpPr>
+        <p:spPr>
+          <a:xfrm>
+            <a:off x="9016403" y="2266683"/>
+            <a:ext cx="2449132" cy="2125014"/>
+          </a:xfrm>
+          <a:prstGeom prst="roundRect">
+            <a:avLst/>
+          </a:prstGeom>
+          <a:noFill/>
+        </p:spPr>
+        <p:style>
+          <a:lnRef idx="2">
+            <a:schemeClr val="accent1">
+              <a:shade val="50000"/>
+            </a:schemeClr>
+          </a:lnRef>
+          <a:fillRef idx="1">
+            <a:schemeClr val="accent1"/>
+          </a:fillRef>
+          <a:effectRef idx="0">
+            <a:schemeClr val="accent1"/>
+          </a:effectRef>
+          <a:fontRef idx="minor">
+            <a:schemeClr val="lt1"/>
+          </a:fontRef>
+        </p:style>
+        <p:txBody>
+          <a:bodyPr rtlCol="0" anchor="ctr"/>
+          <a:lstStyle/>
+          <a:p>
+            <a:pPr algn="ctr"/>
+            <a:endParaRPr lang="en-MY"/>
+          </a:p>
+        </p:txBody>
+      </p:sp>
+      <p:sp>
+        <p:nvSpPr>
+          <p:cNvPr id="19" name="TextBox 18"/>
+          <p:cNvSpPr txBox="1"/>
+          <p:nvPr/>
+        </p:nvSpPr>
+        <p:spPr>
+          <a:xfrm>
+            <a:off x="9169758" y="4507606"/>
+            <a:ext cx="2446986" cy="1200329"/>
           </a:xfrm>
           <a:prstGeom prst="rect">
             <a:avLst/>
           </a:prstGeom>
           <a:noFill/>
-          <a:ln>
-            <a:noFill/>
-          </a:ln>
-          <a:extLst>
-            <a:ext uri="{909E8E84-426E-40DD-AFC4-6F175D3DCCD1}">
-              <a14:hiddenFill xmlns:a14="http://schemas.microsoft.com/office/drawing/2010/main">
-                <a:solidFill>
-                  <a:srgbClr val="FFFFFF"/>
-                </a:solidFill>
-              </a14:hiddenFill>
-            </a:ext>
-            <a:ext uri="{91240B29-F687-4F45-9708-019B960494DF}">
-              <a14:hiddenLine xmlns:a14="http://schemas.microsoft.com/office/drawing/2010/main" w="9525">
-                <a:solidFill>
-                  <a:srgbClr val="000000"/>
-                </a:solidFill>
-                <a:miter lim="800000"/>
-                <a:headEnd/>
-                <a:tailEnd/>
-              </a14:hiddenLine>
-            </a:ext>
-          </a:extLst>
-        </p:spPr>
-      </p:pic>
+        </p:spPr>
+        <p:txBody>
+          <a:bodyPr wrap="square" rtlCol="0">
+            <a:spAutoFit/>
+          </a:bodyPr>
+          <a:lstStyle/>
+          <a:p>
+            <a:pPr algn="ctr"/>
+            <a:r>
+              <a:rPr lang="en-US" dirty="0" smtClean="0"/>
+              <a:t>System Control</a:t>
+            </a:r>
+          </a:p>
+          <a:p>
+            <a:pPr marL="285750" indent="-285750">
+              <a:buFont typeface="Arial" panose="020B0604020202020204" pitchFamily="34" charset="0"/>
+              <a:buChar char="•"/>
+            </a:pPr>
+            <a:r>
+              <a:rPr lang="en-US" dirty="0" smtClean="0"/>
+              <a:t>ON</a:t>
+            </a:r>
+          </a:p>
+          <a:p>
+            <a:pPr marL="285750" indent="-285750">
+              <a:buFont typeface="Arial" panose="020B0604020202020204" pitchFamily="34" charset="0"/>
+              <a:buChar char="•"/>
+            </a:pPr>
+            <a:r>
+              <a:rPr lang="en-US" dirty="0" smtClean="0"/>
+              <a:t>START PUMP</a:t>
+            </a:r>
+          </a:p>
+          <a:p>
+            <a:pPr marL="285750" indent="-285750">
+              <a:buFont typeface="Arial" panose="020B0604020202020204" pitchFamily="34" charset="0"/>
+              <a:buChar char="•"/>
+            </a:pPr>
+            <a:r>
+              <a:rPr lang="en-US" dirty="0" smtClean="0"/>
+              <a:t>STOP PUMP</a:t>
+            </a:r>
+            <a:endParaRPr lang="en-MY" dirty="0"/>
+          </a:p>
+        </p:txBody>
+      </p:sp>
     </p:spTree>
     <p:extLst>
       <p:ext uri="{BB962C8B-B14F-4D97-AF65-F5344CB8AC3E}">
-        <p14:creationId xmlns:p14="http://schemas.microsoft.com/office/powerpoint/2010/main" val="3132910798"/>
+        <p14:creationId xmlns:p14="http://schemas.microsoft.com/office/powerpoint/2010/main" val="3147457187"/>
       </p:ext>
     </p:extLst>
   </p:cSld>
@@ -6218,331 +6676,118 @@
             <p:ph type="title"/>
           </p:nvPr>
         </p:nvSpPr>
-        <p:spPr>
-          <a:xfrm>
-            <a:off x="616039" y="591899"/>
-            <a:ext cx="10972800" cy="1143000"/>
-          </a:xfrm>
-        </p:spPr>
+        <p:spPr/>
         <p:txBody>
           <a:bodyPr/>
           <a:lstStyle/>
           <a:p>
             <a:r>
-              <a:rPr lang="en-US" sz="3200" b="1" dirty="0">
-                <a:solidFill>
-                  <a:srgbClr val="002060"/>
-                </a:solidFill>
-                <a:latin typeface="Baskerville Old Face" panose="02020602080505020303" pitchFamily="18" charset="0"/>
-              </a:rPr>
-              <a:t>WEB PAGE DATA FLOW </a:t>
-            </a:r>
-          </a:p>
-        </p:txBody>
-      </p:sp>
-      <p:sp>
-        <p:nvSpPr>
-          <p:cNvPr id="4" name="Slide Number Placeholder 3"/>
-          <p:cNvSpPr>
-            <a:spLocks noGrp="1"/>
-          </p:cNvSpPr>
-          <p:nvPr>
-            <p:ph type="sldNum" sz="quarter" idx="12"/>
-          </p:nvPr>
-        </p:nvSpPr>
-        <p:spPr/>
+              <a:rPr lang="en-US" b="1" dirty="0" smtClean="0"/>
+              <a:t>OBJECTIVES</a:t>
+            </a:r>
+            <a:endParaRPr lang="en-US" b="1" dirty="0"/>
+          </a:p>
+        </p:txBody>
+      </p:sp>
+      <p:sp>
+        <p:nvSpPr>
+          <p:cNvPr id="3" name="Content Placeholder 2"/>
+          <p:cNvSpPr>
+            <a:spLocks noGrp="1"/>
+          </p:cNvSpPr>
+          <p:nvPr>
+            <p:ph idx="1"/>
+          </p:nvPr>
+        </p:nvSpPr>
+        <p:spPr>
+          <a:xfrm>
+            <a:off x="609600" y="1600202"/>
+            <a:ext cx="10972800" cy="4223950"/>
+          </a:xfrm>
+        </p:spPr>
         <p:txBody>
           <a:bodyPr/>
           <a:lstStyle/>
           <a:p>
+            <a:r>
+              <a:rPr lang="en-US" dirty="0" smtClean="0"/>
+              <a:t>Implement IoT concept in the project.</a:t>
+            </a:r>
+          </a:p>
+          <a:p>
+            <a:r>
+              <a:rPr lang="en-US" dirty="0" smtClean="0"/>
+              <a:t>Design water level sensor project that use Raspberry Pi as the controller.</a:t>
+            </a:r>
+          </a:p>
+          <a:p>
+            <a:r>
+              <a:rPr lang="en-US" dirty="0" smtClean="0"/>
+              <a:t>Design smartphone apps.</a:t>
+            </a:r>
+          </a:p>
+          <a:p>
+            <a:r>
+              <a:rPr lang="en-US" dirty="0" smtClean="0"/>
+              <a:t>Design webpage using Django framework.</a:t>
+            </a:r>
+          </a:p>
+          <a:p>
+            <a:r>
+              <a:rPr lang="en-US" dirty="0" smtClean="0"/>
+              <a:t>Implement the knowledge of software engineering in the project.</a:t>
+            </a:r>
+          </a:p>
+          <a:p>
+            <a:endParaRPr lang="en-US" dirty="0" smtClean="0"/>
+          </a:p>
+          <a:p>
+            <a:endParaRPr lang="en-US" dirty="0"/>
+          </a:p>
+        </p:txBody>
+      </p:sp>
+      <p:sp>
+        <p:nvSpPr>
+          <p:cNvPr id="4" name="Slide Number Placeholder 3"/>
+          <p:cNvSpPr>
+            <a:spLocks noGrp="1"/>
+          </p:cNvSpPr>
+          <p:nvPr>
+            <p:ph type="sldNum" sz="quarter" idx="12"/>
+          </p:nvPr>
+        </p:nvSpPr>
+        <p:spPr/>
+        <p:txBody>
+          <a:bodyPr/>
+          <a:lstStyle/>
+          <a:p>
             <a:fld id="{A90F21CD-99AA-425F-97AE-5CC2D8B33E07}" type="slidenum">
-              <a:rPr lang="en-MY" smtClean="0"/>
+              <a:rPr lang="en-MY" smtClean="0">
+                <a:solidFill>
+                  <a:prstClr val="black"/>
+                </a:solidFill>
+              </a:rPr>
               <a:pPr/>
               <a:t>2</a:t>
             </a:fld>
-            <a:endParaRPr lang="en-MY"/>
-          </a:p>
-        </p:txBody>
-      </p:sp>
-      <p:sp>
-        <p:nvSpPr>
-          <p:cNvPr id="3" name="Round Diagonal Corner Rectangle 2"/>
-          <p:cNvSpPr/>
-          <p:nvPr/>
-        </p:nvSpPr>
-        <p:spPr>
-          <a:xfrm>
-            <a:off x="888641" y="3078051"/>
-            <a:ext cx="2743200" cy="1571222"/>
-          </a:xfrm>
-          <a:prstGeom prst="round2DiagRect">
-            <a:avLst/>
-          </a:prstGeom>
-        </p:spPr>
-        <p:style>
-          <a:lnRef idx="2">
-            <a:schemeClr val="accent1">
-              <a:shade val="50000"/>
-            </a:schemeClr>
-          </a:lnRef>
-          <a:fillRef idx="1">
-            <a:schemeClr val="accent1"/>
-          </a:fillRef>
-          <a:effectRef idx="0">
-            <a:schemeClr val="accent1"/>
-          </a:effectRef>
-          <a:fontRef idx="minor">
-            <a:schemeClr val="lt1"/>
-          </a:fontRef>
-        </p:style>
-        <p:txBody>
-          <a:bodyPr rtlCol="0" anchor="ctr"/>
-          <a:lstStyle/>
-          <a:p>
-            <a:pPr algn="ctr"/>
-            <a:r>
-              <a:rPr lang="en-US" sz="2800" dirty="0" smtClean="0"/>
-              <a:t>DATABASE</a:t>
-            </a:r>
-            <a:endParaRPr lang="en-US" sz="2800" dirty="0"/>
-          </a:p>
-        </p:txBody>
-      </p:sp>
-      <p:sp>
-        <p:nvSpPr>
-          <p:cNvPr id="6" name="Round Diagonal Corner Rectangle 5"/>
-          <p:cNvSpPr/>
-          <p:nvPr/>
-        </p:nvSpPr>
-        <p:spPr>
-          <a:xfrm>
-            <a:off x="4730839" y="3078051"/>
-            <a:ext cx="2743200" cy="1571222"/>
-          </a:xfrm>
-          <a:prstGeom prst="round2DiagRect">
-            <a:avLst/>
-          </a:prstGeom>
-        </p:spPr>
-        <p:style>
-          <a:lnRef idx="2">
-            <a:schemeClr val="accent1">
-              <a:shade val="50000"/>
-            </a:schemeClr>
-          </a:lnRef>
-          <a:fillRef idx="1">
-            <a:schemeClr val="accent1"/>
-          </a:fillRef>
-          <a:effectRef idx="0">
-            <a:schemeClr val="accent1"/>
-          </a:effectRef>
-          <a:fontRef idx="minor">
-            <a:schemeClr val="lt1"/>
-          </a:fontRef>
-        </p:style>
-        <p:txBody>
-          <a:bodyPr rtlCol="0" anchor="ctr"/>
-          <a:lstStyle/>
-          <a:p>
-            <a:pPr algn="ctr"/>
-            <a:r>
-              <a:rPr lang="en-US" sz="2800" dirty="0" smtClean="0"/>
-              <a:t>PHP</a:t>
-            </a:r>
-            <a:endParaRPr lang="en-US" sz="2800" dirty="0"/>
-          </a:p>
-        </p:txBody>
-      </p:sp>
-      <p:sp>
-        <p:nvSpPr>
-          <p:cNvPr id="7" name="Round Diagonal Corner Rectangle 6"/>
-          <p:cNvSpPr/>
-          <p:nvPr/>
-        </p:nvSpPr>
-        <p:spPr>
-          <a:xfrm>
-            <a:off x="8573036" y="3078051"/>
-            <a:ext cx="2743200" cy="1571222"/>
-          </a:xfrm>
-          <a:prstGeom prst="round2DiagRect">
-            <a:avLst/>
-          </a:prstGeom>
-        </p:spPr>
-        <p:style>
-          <a:lnRef idx="2">
-            <a:schemeClr val="accent1">
-              <a:shade val="50000"/>
-            </a:schemeClr>
-          </a:lnRef>
-          <a:fillRef idx="1">
-            <a:schemeClr val="accent1"/>
-          </a:fillRef>
-          <a:effectRef idx="0">
-            <a:schemeClr val="accent1"/>
-          </a:effectRef>
-          <a:fontRef idx="minor">
-            <a:schemeClr val="lt1"/>
-          </a:fontRef>
-        </p:style>
-        <p:txBody>
-          <a:bodyPr rtlCol="0" anchor="ctr"/>
-          <a:lstStyle/>
-          <a:p>
-            <a:pPr algn="ctr"/>
-            <a:r>
-              <a:rPr lang="en-US" sz="2800" dirty="0" smtClean="0"/>
-              <a:t>PYTHON</a:t>
-            </a:r>
-            <a:endParaRPr lang="en-US" sz="2800" dirty="0"/>
-          </a:p>
-        </p:txBody>
-      </p:sp>
-      <p:sp>
-        <p:nvSpPr>
-          <p:cNvPr id="8" name="Right Arrow 7"/>
-          <p:cNvSpPr/>
-          <p:nvPr/>
-        </p:nvSpPr>
-        <p:spPr>
-          <a:xfrm>
-            <a:off x="3827171" y="3644721"/>
-            <a:ext cx="708338" cy="437882"/>
-          </a:xfrm>
-          <a:prstGeom prst="rightArrow">
-            <a:avLst/>
-          </a:prstGeom>
-          <a:solidFill>
-            <a:srgbClr val="FFFF00"/>
-          </a:solidFill>
-        </p:spPr>
-        <p:style>
-          <a:lnRef idx="2">
-            <a:schemeClr val="accent1">
-              <a:shade val="50000"/>
-            </a:schemeClr>
-          </a:lnRef>
-          <a:fillRef idx="1">
-            <a:schemeClr val="accent1"/>
-          </a:fillRef>
-          <a:effectRef idx="0">
-            <a:schemeClr val="accent1"/>
-          </a:effectRef>
-          <a:fontRef idx="minor">
-            <a:schemeClr val="lt1"/>
-          </a:fontRef>
-        </p:style>
-        <p:txBody>
-          <a:bodyPr rtlCol="0" anchor="ctr"/>
-          <a:lstStyle/>
-          <a:p>
-            <a:pPr algn="ctr"/>
-            <a:endParaRPr lang="en-US"/>
-          </a:p>
-        </p:txBody>
-      </p:sp>
-      <p:sp>
-        <p:nvSpPr>
-          <p:cNvPr id="9" name="Right Arrow 8"/>
-          <p:cNvSpPr/>
-          <p:nvPr/>
-        </p:nvSpPr>
-        <p:spPr>
-          <a:xfrm>
-            <a:off x="7659708" y="3683358"/>
-            <a:ext cx="708338" cy="437882"/>
-          </a:xfrm>
-          <a:prstGeom prst="rightArrow">
-            <a:avLst/>
-          </a:prstGeom>
-          <a:solidFill>
-            <a:srgbClr val="FFFF00"/>
-          </a:solidFill>
-        </p:spPr>
-        <p:style>
-          <a:lnRef idx="2">
-            <a:schemeClr val="accent1">
-              <a:shade val="50000"/>
-            </a:schemeClr>
-          </a:lnRef>
-          <a:fillRef idx="1">
-            <a:schemeClr val="accent1"/>
-          </a:fillRef>
-          <a:effectRef idx="0">
-            <a:schemeClr val="accent1"/>
-          </a:effectRef>
-          <a:fontRef idx="minor">
-            <a:schemeClr val="lt1"/>
-          </a:fontRef>
-        </p:style>
-        <p:txBody>
-          <a:bodyPr rtlCol="0" anchor="ctr"/>
-          <a:lstStyle/>
-          <a:p>
-            <a:pPr algn="ctr"/>
-            <a:endParaRPr lang="en-US"/>
-          </a:p>
-        </p:txBody>
-      </p:sp>
-      <p:pic>
-        <p:nvPicPr>
-          <p:cNvPr id="10" name="Picture 9"/>
-          <p:cNvPicPr>
-            <a:picLocks noChangeAspect="1"/>
-          </p:cNvPicPr>
-          <p:nvPr/>
-        </p:nvPicPr>
-        <p:blipFill>
-          <a:blip r:embed="rId2"/>
-          <a:stretch>
-            <a:fillRect/>
-          </a:stretch>
-        </p:blipFill>
-        <p:spPr>
-          <a:xfrm>
-            <a:off x="2847346" y="1872957"/>
-            <a:ext cx="2716328" cy="997835"/>
-          </a:xfrm>
-          <a:prstGeom prst="rect">
-            <a:avLst/>
-          </a:prstGeom>
-        </p:spPr>
-      </p:pic>
-      <p:pic>
-        <p:nvPicPr>
-          <p:cNvPr id="11" name="Picture 10"/>
-          <p:cNvPicPr>
-            <a:picLocks noChangeAspect="1"/>
-          </p:cNvPicPr>
-          <p:nvPr/>
-        </p:nvPicPr>
-        <p:blipFill>
-          <a:blip r:embed="rId3"/>
-          <a:stretch>
-            <a:fillRect/>
-          </a:stretch>
-        </p:blipFill>
-        <p:spPr>
-          <a:xfrm>
-            <a:off x="8573036" y="2194517"/>
-            <a:ext cx="3038475" cy="676275"/>
-          </a:xfrm>
-          <a:prstGeom prst="rect">
-            <a:avLst/>
-          </a:prstGeom>
-        </p:spPr>
-      </p:pic>
+            <a:endParaRPr lang="en-MY">
+              <a:solidFill>
+                <a:prstClr val="black"/>
+              </a:solidFill>
+            </a:endParaRPr>
+          </a:p>
+        </p:txBody>
+      </p:sp>
     </p:spTree>
     <p:extLst>
       <p:ext uri="{BB962C8B-B14F-4D97-AF65-F5344CB8AC3E}">
-        <p14:creationId xmlns:p14="http://schemas.microsoft.com/office/powerpoint/2010/main" val="4267311295"/>
+        <p14:creationId xmlns:p14="http://schemas.microsoft.com/office/powerpoint/2010/main" val="3677260956"/>
       </p:ext>
     </p:extLst>
   </p:cSld>
   <p:clrMapOvr>
     <a:masterClrMapping/>
   </p:clrMapOvr>
-  <p:transition>
-    <p:fade/>
-  </p:transition>
 </p:sld>
 </file>
 
@@ -6589,6 +6834,91 @@
       </p:sp>
       <p:sp>
         <p:nvSpPr>
+          <p:cNvPr id="6" name="Title 1"/>
+          <p:cNvSpPr>
+            <a:spLocks noGrp="1"/>
+          </p:cNvSpPr>
+          <p:nvPr>
+            <p:ph type="title"/>
+          </p:nvPr>
+        </p:nvSpPr>
+        <p:spPr>
+          <a:xfrm>
+            <a:off x="609600" y="2515562"/>
+            <a:ext cx="10972800" cy="1143000"/>
+          </a:xfrm>
+        </p:spPr>
+        <p:txBody>
+          <a:bodyPr>
+            <a:noAutofit/>
+          </a:bodyPr>
+          <a:lstStyle/>
+          <a:p>
+            <a:pPr algn="ctr"/>
+            <a:r>
+              <a:rPr lang="en-US" sz="6600" b="1" dirty="0" smtClean="0"/>
+              <a:t>Backup</a:t>
+            </a:r>
+            <a:endParaRPr lang="en-US" sz="6600" b="1" dirty="0"/>
+          </a:p>
+        </p:txBody>
+      </p:sp>
+    </p:spTree>
+    <p:extLst>
+      <p:ext uri="{BB962C8B-B14F-4D97-AF65-F5344CB8AC3E}">
+        <p14:creationId xmlns:p14="http://schemas.microsoft.com/office/powerpoint/2010/main" val="1757452321"/>
+      </p:ext>
+    </p:extLst>
+  </p:cSld>
+  <p:clrMapOvr>
+    <a:masterClrMapping/>
+  </p:clrMapOvr>
+</p:sld>
+</file>
+
+<file path=ppt/slides/slide21.xml><?xml version="1.0" encoding="utf-8"?>
+<p:sld xmlns:a="http://schemas.openxmlformats.org/drawingml/2006/main" xmlns:r="http://schemas.openxmlformats.org/officeDocument/2006/relationships" xmlns:p="http://schemas.openxmlformats.org/presentationml/2006/main">
+  <p:cSld>
+    <p:spTree>
+      <p:nvGrpSpPr>
+        <p:cNvPr id="1" name=""/>
+        <p:cNvGrpSpPr/>
+        <p:nvPr/>
+      </p:nvGrpSpPr>
+      <p:grpSpPr>
+        <a:xfrm>
+          <a:off x="0" y="0"/>
+          <a:ext cx="0" cy="0"/>
+          <a:chOff x="0" y="0"/>
+          <a:chExt cx="0" cy="0"/>
+        </a:xfrm>
+      </p:grpSpPr>
+      <p:sp>
+        <p:nvSpPr>
+          <p:cNvPr id="4" name="Slide Number Placeholder 3"/>
+          <p:cNvSpPr>
+            <a:spLocks noGrp="1"/>
+          </p:cNvSpPr>
+          <p:nvPr>
+            <p:ph type="sldNum" sz="quarter" idx="12"/>
+          </p:nvPr>
+        </p:nvSpPr>
+        <p:spPr/>
+        <p:txBody>
+          <a:bodyPr/>
+          <a:lstStyle/>
+          <a:p>
+            <a:fld id="{A90F21CD-99AA-425F-97AE-5CC2D8B33E07}" type="slidenum">
+              <a:rPr lang="en-MY" smtClean="0"/>
+              <a:pPr/>
+              <a:t>21</a:t>
+            </a:fld>
+            <a:endParaRPr lang="en-MY"/>
+          </a:p>
+        </p:txBody>
+      </p:sp>
+      <p:sp>
+        <p:nvSpPr>
           <p:cNvPr id="5" name="Title 1"/>
           <p:cNvSpPr txBox="1">
             <a:spLocks/>
@@ -6765,8 +7095,863 @@
           </a:lstStyle>
           <a:p>
             <a:r>
+              <a:rPr lang="en-US" b="1" smtClean="0"/>
+              <a:t>Web server</a:t>
+            </a:r>
+            <a:endParaRPr lang="en-US" b="1" dirty="0"/>
+          </a:p>
+        </p:txBody>
+      </p:sp>
+      <p:sp>
+        <p:nvSpPr>
+          <p:cNvPr id="6" name="Content Placeholder 2"/>
+          <p:cNvSpPr txBox="1">
+            <a:spLocks/>
+          </p:cNvSpPr>
+          <p:nvPr/>
+        </p:nvSpPr>
+        <p:spPr bwMode="auto">
+          <a:xfrm>
+            <a:off x="838200" y="1825625"/>
+            <a:ext cx="10515600" cy="736343"/>
+          </a:xfrm>
+          <a:prstGeom prst="rect">
+            <a:avLst/>
+          </a:prstGeom>
+          <a:noFill/>
+          <a:ln>
+            <a:noFill/>
+          </a:ln>
+          <a:extLst>
+            <a:ext uri="{909E8E84-426E-40DD-AFC4-6F175D3DCCD1}">
+              <a14:hiddenFill xmlns:a14="http://schemas.microsoft.com/office/drawing/2010/main">
+                <a:solidFill>
+                  <a:srgbClr val="FFFFFF"/>
+                </a:solidFill>
+              </a14:hiddenFill>
+            </a:ext>
+            <a:ext uri="{91240B29-F687-4F45-9708-019B960494DF}">
+              <a14:hiddenLine xmlns:a14="http://schemas.microsoft.com/office/drawing/2010/main" w="9525">
+                <a:solidFill>
+                  <a:srgbClr val="000000"/>
+                </a:solidFill>
+                <a:miter lim="800000"/>
+                <a:headEnd/>
+                <a:tailEnd/>
+              </a14:hiddenLine>
+            </a:ext>
+          </a:extLst>
+        </p:spPr>
+        <p:txBody>
+          <a:bodyPr vert="horz" wrap="square" lIns="91440" tIns="45720" rIns="91440" bIns="45720" numCol="1" anchor="t" anchorCtr="0" compatLnSpc="1">
+            <a:prstTxWarp prst="textNoShape">
+              <a:avLst/>
+            </a:prstTxWarp>
+          </a:bodyPr>
+          <a:lstStyle>
+            <a:lvl1pPr marL="342900" indent="-342900" algn="l" rtl="0" eaLnBrk="1" fontAlgn="base" hangingPunct="1">
+              <a:spcBef>
+                <a:spcPct val="20000"/>
+              </a:spcBef>
+              <a:spcAft>
+                <a:spcPct val="0"/>
+              </a:spcAft>
+              <a:buFont typeface="Arial" panose="020B0604020202020204" pitchFamily="34" charset="0"/>
+              <a:buChar char="•"/>
+              <a:defRPr sz="3200" kern="1200">
+                <a:solidFill>
+                  <a:schemeClr val="tx1"/>
+                </a:solidFill>
+                <a:latin typeface="+mn-lt"/>
+                <a:ea typeface="+mn-ea"/>
+                <a:cs typeface="+mn-cs"/>
+              </a:defRPr>
+            </a:lvl1pPr>
+            <a:lvl2pPr marL="742950" indent="-285750" algn="l" rtl="0" eaLnBrk="1" fontAlgn="base" hangingPunct="1">
+              <a:spcBef>
+                <a:spcPct val="20000"/>
+              </a:spcBef>
+              <a:spcAft>
+                <a:spcPct val="0"/>
+              </a:spcAft>
+              <a:buFont typeface="Arial" panose="020B0604020202020204" pitchFamily="34" charset="0"/>
+              <a:buChar char="–"/>
+              <a:defRPr sz="2800" kern="1200">
+                <a:solidFill>
+                  <a:schemeClr val="tx1"/>
+                </a:solidFill>
+                <a:latin typeface="+mn-lt"/>
+                <a:ea typeface="+mn-ea"/>
+                <a:cs typeface="+mn-cs"/>
+              </a:defRPr>
+            </a:lvl2pPr>
+            <a:lvl3pPr marL="1143000" indent="-228600" algn="l" rtl="0" eaLnBrk="1" fontAlgn="base" hangingPunct="1">
+              <a:spcBef>
+                <a:spcPct val="20000"/>
+              </a:spcBef>
+              <a:spcAft>
+                <a:spcPct val="0"/>
+              </a:spcAft>
+              <a:buFont typeface="Arial" panose="020B0604020202020204" pitchFamily="34" charset="0"/>
+              <a:buChar char="•"/>
+              <a:defRPr sz="2400" kern="1200">
+                <a:solidFill>
+                  <a:schemeClr val="tx1"/>
+                </a:solidFill>
+                <a:latin typeface="+mn-lt"/>
+                <a:ea typeface="+mn-ea"/>
+                <a:cs typeface="+mn-cs"/>
+              </a:defRPr>
+            </a:lvl3pPr>
+            <a:lvl4pPr marL="1600200" indent="-228600" algn="l" rtl="0" eaLnBrk="1" fontAlgn="base" hangingPunct="1">
+              <a:spcBef>
+                <a:spcPct val="20000"/>
+              </a:spcBef>
+              <a:spcAft>
+                <a:spcPct val="0"/>
+              </a:spcAft>
+              <a:buFont typeface="Arial" panose="020B0604020202020204" pitchFamily="34" charset="0"/>
+              <a:buChar char="–"/>
+              <a:defRPr sz="2000" kern="1200">
+                <a:solidFill>
+                  <a:schemeClr val="tx1"/>
+                </a:solidFill>
+                <a:latin typeface="+mn-lt"/>
+                <a:ea typeface="+mn-ea"/>
+                <a:cs typeface="+mn-cs"/>
+              </a:defRPr>
+            </a:lvl4pPr>
+            <a:lvl5pPr marL="2057400" indent="-228600" algn="l" rtl="0" eaLnBrk="1" fontAlgn="base" hangingPunct="1">
+              <a:spcBef>
+                <a:spcPct val="20000"/>
+              </a:spcBef>
+              <a:spcAft>
+                <a:spcPct val="0"/>
+              </a:spcAft>
+              <a:buFont typeface="Arial" panose="020B0604020202020204" pitchFamily="34" charset="0"/>
+              <a:buChar char="»"/>
+              <a:defRPr sz="2000" kern="1200">
+                <a:solidFill>
+                  <a:schemeClr val="tx1"/>
+                </a:solidFill>
+                <a:latin typeface="+mn-lt"/>
+                <a:ea typeface="+mn-ea"/>
+                <a:cs typeface="+mn-cs"/>
+              </a:defRPr>
+            </a:lvl5pPr>
+            <a:lvl6pPr marL="2514600" indent="-228600" algn="l" defTabSz="914400" rtl="0" eaLnBrk="1" latinLnBrk="0" hangingPunct="1">
+              <a:spcBef>
+                <a:spcPct val="20000"/>
+              </a:spcBef>
+              <a:buFont typeface="Arial" pitchFamily="34" charset="0"/>
+              <a:buChar char="•"/>
+              <a:defRPr sz="2000" kern="1200">
+                <a:solidFill>
+                  <a:schemeClr val="tx1"/>
+                </a:solidFill>
+                <a:latin typeface="+mn-lt"/>
+                <a:ea typeface="+mn-ea"/>
+                <a:cs typeface="+mn-cs"/>
+              </a:defRPr>
+            </a:lvl6pPr>
+            <a:lvl7pPr marL="2971800" indent="-228600" algn="l" defTabSz="914400" rtl="0" eaLnBrk="1" latinLnBrk="0" hangingPunct="1">
+              <a:spcBef>
+                <a:spcPct val="20000"/>
+              </a:spcBef>
+              <a:buFont typeface="Arial" pitchFamily="34" charset="0"/>
+              <a:buChar char="•"/>
+              <a:defRPr sz="2000" kern="1200">
+                <a:solidFill>
+                  <a:schemeClr val="tx1"/>
+                </a:solidFill>
+                <a:latin typeface="+mn-lt"/>
+                <a:ea typeface="+mn-ea"/>
+                <a:cs typeface="+mn-cs"/>
+              </a:defRPr>
+            </a:lvl7pPr>
+            <a:lvl8pPr marL="3429000" indent="-228600" algn="l" defTabSz="914400" rtl="0" eaLnBrk="1" latinLnBrk="0" hangingPunct="1">
+              <a:spcBef>
+                <a:spcPct val="20000"/>
+              </a:spcBef>
+              <a:buFont typeface="Arial" pitchFamily="34" charset="0"/>
+              <a:buChar char="•"/>
+              <a:defRPr sz="2000" kern="1200">
+                <a:solidFill>
+                  <a:schemeClr val="tx1"/>
+                </a:solidFill>
+                <a:latin typeface="+mn-lt"/>
+                <a:ea typeface="+mn-ea"/>
+                <a:cs typeface="+mn-cs"/>
+              </a:defRPr>
+            </a:lvl8pPr>
+            <a:lvl9pPr marL="3886200" indent="-228600" algn="l" defTabSz="914400" rtl="0" eaLnBrk="1" latinLnBrk="0" hangingPunct="1">
+              <a:spcBef>
+                <a:spcPct val="20000"/>
+              </a:spcBef>
+              <a:buFont typeface="Arial" pitchFamily="34" charset="0"/>
+              <a:buChar char="•"/>
+              <a:defRPr sz="2000" kern="1200">
+                <a:solidFill>
+                  <a:schemeClr val="tx1"/>
+                </a:solidFill>
+                <a:latin typeface="+mn-lt"/>
+                <a:ea typeface="+mn-ea"/>
+                <a:cs typeface="+mn-cs"/>
+              </a:defRPr>
+            </a:lvl9pPr>
+          </a:lstStyle>
+          <a:p>
+            <a:r>
+              <a:rPr lang="en-US" sz="2400" dirty="0" smtClean="0">
+                <a:hlinkClick r:id="rId2"/>
+              </a:rPr>
+              <a:t>https://softwareengineeing.000webhostapp.com</a:t>
+            </a:r>
+            <a:r>
+              <a:rPr lang="en-US" sz="2400" dirty="0" smtClean="0"/>
+              <a:t> </a:t>
+            </a:r>
+            <a:endParaRPr lang="en-US" sz="2400" dirty="0"/>
+          </a:p>
+        </p:txBody>
+      </p:sp>
+      <p:sp>
+        <p:nvSpPr>
+          <p:cNvPr id="7" name="Title 1"/>
+          <p:cNvSpPr txBox="1">
+            <a:spLocks/>
+          </p:cNvSpPr>
+          <p:nvPr/>
+        </p:nvSpPr>
+        <p:spPr bwMode="auto">
+          <a:xfrm>
+            <a:off x="838200" y="3064260"/>
+            <a:ext cx="10515600" cy="823783"/>
+          </a:xfrm>
+          <a:prstGeom prst="rect">
+            <a:avLst/>
+          </a:prstGeom>
+          <a:noFill/>
+          <a:ln>
+            <a:noFill/>
+          </a:ln>
+          <a:extLst>
+            <a:ext uri="{909E8E84-426E-40DD-AFC4-6F175D3DCCD1}">
+              <a14:hiddenFill xmlns:a14="http://schemas.microsoft.com/office/drawing/2010/main">
+                <a:solidFill>
+                  <a:srgbClr val="FFFFFF"/>
+                </a:solidFill>
+              </a14:hiddenFill>
+            </a:ext>
+            <a:ext uri="{91240B29-F687-4F45-9708-019B960494DF}">
+              <a14:hiddenLine xmlns:a14="http://schemas.microsoft.com/office/drawing/2010/main" w="9525">
+                <a:solidFill>
+                  <a:srgbClr val="000000"/>
+                </a:solidFill>
+                <a:miter lim="800000"/>
+                <a:headEnd/>
+                <a:tailEnd/>
+              </a14:hiddenLine>
+            </a:ext>
+          </a:extLst>
+        </p:spPr>
+        <p:txBody>
+          <a:bodyPr vert="horz" wrap="square" lIns="91440" tIns="45720" rIns="91440" bIns="45720" numCol="1" anchor="ctr" anchorCtr="0" compatLnSpc="1">
+            <a:prstTxWarp prst="textNoShape">
+              <a:avLst/>
+            </a:prstTxWarp>
+          </a:bodyPr>
+          <a:lstStyle>
+            <a:lvl1pPr algn="ctr" rtl="0" eaLnBrk="1" fontAlgn="base" hangingPunct="1">
+              <a:spcBef>
+                <a:spcPct val="0"/>
+              </a:spcBef>
+              <a:spcAft>
+                <a:spcPct val="0"/>
+              </a:spcAft>
+              <a:defRPr sz="4400" kern="1200">
+                <a:solidFill>
+                  <a:schemeClr val="tx1"/>
+                </a:solidFill>
+                <a:latin typeface="+mj-lt"/>
+                <a:ea typeface="+mj-ea"/>
+                <a:cs typeface="+mj-cs"/>
+              </a:defRPr>
+            </a:lvl1pPr>
+            <a:lvl2pPr algn="ctr" rtl="0" eaLnBrk="1" fontAlgn="base" hangingPunct="1">
+              <a:spcBef>
+                <a:spcPct val="0"/>
+              </a:spcBef>
+              <a:spcAft>
+                <a:spcPct val="0"/>
+              </a:spcAft>
+              <a:defRPr sz="4400">
+                <a:solidFill>
+                  <a:schemeClr val="tx1"/>
+                </a:solidFill>
+                <a:latin typeface="Calibri" pitchFamily="-112" charset="0"/>
+              </a:defRPr>
+            </a:lvl2pPr>
+            <a:lvl3pPr algn="ctr" rtl="0" eaLnBrk="1" fontAlgn="base" hangingPunct="1">
+              <a:spcBef>
+                <a:spcPct val="0"/>
+              </a:spcBef>
+              <a:spcAft>
+                <a:spcPct val="0"/>
+              </a:spcAft>
+              <a:defRPr sz="4400">
+                <a:solidFill>
+                  <a:schemeClr val="tx1"/>
+                </a:solidFill>
+                <a:latin typeface="Calibri" pitchFamily="-112" charset="0"/>
+              </a:defRPr>
+            </a:lvl3pPr>
+            <a:lvl4pPr algn="ctr" rtl="0" eaLnBrk="1" fontAlgn="base" hangingPunct="1">
+              <a:spcBef>
+                <a:spcPct val="0"/>
+              </a:spcBef>
+              <a:spcAft>
+                <a:spcPct val="0"/>
+              </a:spcAft>
+              <a:defRPr sz="4400">
+                <a:solidFill>
+                  <a:schemeClr val="tx1"/>
+                </a:solidFill>
+                <a:latin typeface="Calibri" pitchFamily="-112" charset="0"/>
+              </a:defRPr>
+            </a:lvl4pPr>
+            <a:lvl5pPr algn="ctr" rtl="0" eaLnBrk="1" fontAlgn="base" hangingPunct="1">
+              <a:spcBef>
+                <a:spcPct val="0"/>
+              </a:spcBef>
+              <a:spcAft>
+                <a:spcPct val="0"/>
+              </a:spcAft>
+              <a:defRPr sz="4400">
+                <a:solidFill>
+                  <a:schemeClr val="tx1"/>
+                </a:solidFill>
+                <a:latin typeface="Calibri" pitchFamily="-112" charset="0"/>
+              </a:defRPr>
+            </a:lvl5pPr>
+            <a:lvl6pPr marL="457200" algn="ctr" rtl="0" eaLnBrk="1" fontAlgn="base" hangingPunct="1">
+              <a:spcBef>
+                <a:spcPct val="0"/>
+              </a:spcBef>
+              <a:spcAft>
+                <a:spcPct val="0"/>
+              </a:spcAft>
+              <a:defRPr sz="4400">
+                <a:solidFill>
+                  <a:schemeClr val="tx1"/>
+                </a:solidFill>
+                <a:latin typeface="Calibri" pitchFamily="-112" charset="0"/>
+              </a:defRPr>
+            </a:lvl6pPr>
+            <a:lvl7pPr marL="914400" algn="ctr" rtl="0" eaLnBrk="1" fontAlgn="base" hangingPunct="1">
+              <a:spcBef>
+                <a:spcPct val="0"/>
+              </a:spcBef>
+              <a:spcAft>
+                <a:spcPct val="0"/>
+              </a:spcAft>
+              <a:defRPr sz="4400">
+                <a:solidFill>
+                  <a:schemeClr val="tx1"/>
+                </a:solidFill>
+                <a:latin typeface="Calibri" pitchFamily="-112" charset="0"/>
+              </a:defRPr>
+            </a:lvl7pPr>
+            <a:lvl8pPr marL="1371600" algn="ctr" rtl="0" eaLnBrk="1" fontAlgn="base" hangingPunct="1">
+              <a:spcBef>
+                <a:spcPct val="0"/>
+              </a:spcBef>
+              <a:spcAft>
+                <a:spcPct val="0"/>
+              </a:spcAft>
+              <a:defRPr sz="4400">
+                <a:solidFill>
+                  <a:schemeClr val="tx1"/>
+                </a:solidFill>
+                <a:latin typeface="Calibri" pitchFamily="-112" charset="0"/>
+              </a:defRPr>
+            </a:lvl8pPr>
+            <a:lvl9pPr marL="1828800" algn="ctr" rtl="0" eaLnBrk="1" fontAlgn="base" hangingPunct="1">
+              <a:spcBef>
+                <a:spcPct val="0"/>
+              </a:spcBef>
+              <a:spcAft>
+                <a:spcPct val="0"/>
+              </a:spcAft>
+              <a:defRPr sz="4400">
+                <a:solidFill>
+                  <a:schemeClr val="tx1"/>
+                </a:solidFill>
+                <a:latin typeface="Calibri" pitchFamily="-112" charset="0"/>
+              </a:defRPr>
+            </a:lvl9pPr>
+          </a:lstStyle>
+          <a:p>
+            <a:r>
+              <a:rPr lang="en-US" b="1" dirty="0" smtClean="0"/>
+              <a:t>GitHub</a:t>
+            </a:r>
+            <a:endParaRPr lang="en-US" b="1" dirty="0"/>
+          </a:p>
+        </p:txBody>
+      </p:sp>
+      <p:sp>
+        <p:nvSpPr>
+          <p:cNvPr id="8" name="Content Placeholder 2"/>
+          <p:cNvSpPr txBox="1">
+            <a:spLocks/>
+          </p:cNvSpPr>
+          <p:nvPr/>
+        </p:nvSpPr>
+        <p:spPr bwMode="auto">
+          <a:xfrm>
+            <a:off x="838200" y="3935540"/>
+            <a:ext cx="10515600" cy="1089541"/>
+          </a:xfrm>
+          <a:prstGeom prst="rect">
+            <a:avLst/>
+          </a:prstGeom>
+          <a:noFill/>
+          <a:ln>
+            <a:noFill/>
+          </a:ln>
+          <a:extLst>
+            <a:ext uri="{909E8E84-426E-40DD-AFC4-6F175D3DCCD1}">
+              <a14:hiddenFill xmlns:a14="http://schemas.microsoft.com/office/drawing/2010/main">
+                <a:solidFill>
+                  <a:srgbClr val="FFFFFF"/>
+                </a:solidFill>
+              </a14:hiddenFill>
+            </a:ext>
+            <a:ext uri="{91240B29-F687-4F45-9708-019B960494DF}">
+              <a14:hiddenLine xmlns:a14="http://schemas.microsoft.com/office/drawing/2010/main" w="9525">
+                <a:solidFill>
+                  <a:srgbClr val="000000"/>
+                </a:solidFill>
+                <a:miter lim="800000"/>
+                <a:headEnd/>
+                <a:tailEnd/>
+              </a14:hiddenLine>
+            </a:ext>
+          </a:extLst>
+        </p:spPr>
+        <p:txBody>
+          <a:bodyPr vert="horz" wrap="square" lIns="91440" tIns="45720" rIns="91440" bIns="45720" numCol="1" anchor="t" anchorCtr="0" compatLnSpc="1">
+            <a:prstTxWarp prst="textNoShape">
+              <a:avLst/>
+            </a:prstTxWarp>
+          </a:bodyPr>
+          <a:lstStyle>
+            <a:lvl1pPr marL="342900" indent="-342900" algn="l" rtl="0" eaLnBrk="1" fontAlgn="base" hangingPunct="1">
+              <a:spcBef>
+                <a:spcPct val="20000"/>
+              </a:spcBef>
+              <a:spcAft>
+                <a:spcPct val="0"/>
+              </a:spcAft>
+              <a:buFont typeface="Arial" panose="020B0604020202020204" pitchFamily="34" charset="0"/>
+              <a:buChar char="•"/>
+              <a:defRPr sz="3200" kern="1200">
+                <a:solidFill>
+                  <a:schemeClr val="tx1"/>
+                </a:solidFill>
+                <a:latin typeface="+mn-lt"/>
+                <a:ea typeface="+mn-ea"/>
+                <a:cs typeface="+mn-cs"/>
+              </a:defRPr>
+            </a:lvl1pPr>
+            <a:lvl2pPr marL="742950" indent="-285750" algn="l" rtl="0" eaLnBrk="1" fontAlgn="base" hangingPunct="1">
+              <a:spcBef>
+                <a:spcPct val="20000"/>
+              </a:spcBef>
+              <a:spcAft>
+                <a:spcPct val="0"/>
+              </a:spcAft>
+              <a:buFont typeface="Arial" panose="020B0604020202020204" pitchFamily="34" charset="0"/>
+              <a:buChar char="–"/>
+              <a:defRPr sz="2800" kern="1200">
+                <a:solidFill>
+                  <a:schemeClr val="tx1"/>
+                </a:solidFill>
+                <a:latin typeface="+mn-lt"/>
+                <a:ea typeface="+mn-ea"/>
+                <a:cs typeface="+mn-cs"/>
+              </a:defRPr>
+            </a:lvl2pPr>
+            <a:lvl3pPr marL="1143000" indent="-228600" algn="l" rtl="0" eaLnBrk="1" fontAlgn="base" hangingPunct="1">
+              <a:spcBef>
+                <a:spcPct val="20000"/>
+              </a:spcBef>
+              <a:spcAft>
+                <a:spcPct val="0"/>
+              </a:spcAft>
+              <a:buFont typeface="Arial" panose="020B0604020202020204" pitchFamily="34" charset="0"/>
+              <a:buChar char="•"/>
+              <a:defRPr sz="2400" kern="1200">
+                <a:solidFill>
+                  <a:schemeClr val="tx1"/>
+                </a:solidFill>
+                <a:latin typeface="+mn-lt"/>
+                <a:ea typeface="+mn-ea"/>
+                <a:cs typeface="+mn-cs"/>
+              </a:defRPr>
+            </a:lvl3pPr>
+            <a:lvl4pPr marL="1600200" indent="-228600" algn="l" rtl="0" eaLnBrk="1" fontAlgn="base" hangingPunct="1">
+              <a:spcBef>
+                <a:spcPct val="20000"/>
+              </a:spcBef>
+              <a:spcAft>
+                <a:spcPct val="0"/>
+              </a:spcAft>
+              <a:buFont typeface="Arial" panose="020B0604020202020204" pitchFamily="34" charset="0"/>
+              <a:buChar char="–"/>
+              <a:defRPr sz="2000" kern="1200">
+                <a:solidFill>
+                  <a:schemeClr val="tx1"/>
+                </a:solidFill>
+                <a:latin typeface="+mn-lt"/>
+                <a:ea typeface="+mn-ea"/>
+                <a:cs typeface="+mn-cs"/>
+              </a:defRPr>
+            </a:lvl4pPr>
+            <a:lvl5pPr marL="2057400" indent="-228600" algn="l" rtl="0" eaLnBrk="1" fontAlgn="base" hangingPunct="1">
+              <a:spcBef>
+                <a:spcPct val="20000"/>
+              </a:spcBef>
+              <a:spcAft>
+                <a:spcPct val="0"/>
+              </a:spcAft>
+              <a:buFont typeface="Arial" panose="020B0604020202020204" pitchFamily="34" charset="0"/>
+              <a:buChar char="»"/>
+              <a:defRPr sz="2000" kern="1200">
+                <a:solidFill>
+                  <a:schemeClr val="tx1"/>
+                </a:solidFill>
+                <a:latin typeface="+mn-lt"/>
+                <a:ea typeface="+mn-ea"/>
+                <a:cs typeface="+mn-cs"/>
+              </a:defRPr>
+            </a:lvl5pPr>
+            <a:lvl6pPr marL="2514600" indent="-228600" algn="l" defTabSz="914400" rtl="0" eaLnBrk="1" latinLnBrk="0" hangingPunct="1">
+              <a:spcBef>
+                <a:spcPct val="20000"/>
+              </a:spcBef>
+              <a:buFont typeface="Arial" pitchFamily="34" charset="0"/>
+              <a:buChar char="•"/>
+              <a:defRPr sz="2000" kern="1200">
+                <a:solidFill>
+                  <a:schemeClr val="tx1"/>
+                </a:solidFill>
+                <a:latin typeface="+mn-lt"/>
+                <a:ea typeface="+mn-ea"/>
+                <a:cs typeface="+mn-cs"/>
+              </a:defRPr>
+            </a:lvl6pPr>
+            <a:lvl7pPr marL="2971800" indent="-228600" algn="l" defTabSz="914400" rtl="0" eaLnBrk="1" latinLnBrk="0" hangingPunct="1">
+              <a:spcBef>
+                <a:spcPct val="20000"/>
+              </a:spcBef>
+              <a:buFont typeface="Arial" pitchFamily="34" charset="0"/>
+              <a:buChar char="•"/>
+              <a:defRPr sz="2000" kern="1200">
+                <a:solidFill>
+                  <a:schemeClr val="tx1"/>
+                </a:solidFill>
+                <a:latin typeface="+mn-lt"/>
+                <a:ea typeface="+mn-ea"/>
+                <a:cs typeface="+mn-cs"/>
+              </a:defRPr>
+            </a:lvl7pPr>
+            <a:lvl8pPr marL="3429000" indent="-228600" algn="l" defTabSz="914400" rtl="0" eaLnBrk="1" latinLnBrk="0" hangingPunct="1">
+              <a:spcBef>
+                <a:spcPct val="20000"/>
+              </a:spcBef>
+              <a:buFont typeface="Arial" pitchFamily="34" charset="0"/>
+              <a:buChar char="•"/>
+              <a:defRPr sz="2000" kern="1200">
+                <a:solidFill>
+                  <a:schemeClr val="tx1"/>
+                </a:solidFill>
+                <a:latin typeface="+mn-lt"/>
+                <a:ea typeface="+mn-ea"/>
+                <a:cs typeface="+mn-cs"/>
+              </a:defRPr>
+            </a:lvl8pPr>
+            <a:lvl9pPr marL="3886200" indent="-228600" algn="l" defTabSz="914400" rtl="0" eaLnBrk="1" latinLnBrk="0" hangingPunct="1">
+              <a:spcBef>
+                <a:spcPct val="20000"/>
+              </a:spcBef>
+              <a:buFont typeface="Arial" pitchFamily="34" charset="0"/>
+              <a:buChar char="•"/>
+              <a:defRPr sz="2000" kern="1200">
+                <a:solidFill>
+                  <a:schemeClr val="tx1"/>
+                </a:solidFill>
+                <a:latin typeface="+mn-lt"/>
+                <a:ea typeface="+mn-ea"/>
+                <a:cs typeface="+mn-cs"/>
+              </a:defRPr>
+            </a:lvl9pPr>
+          </a:lstStyle>
+          <a:p>
+            <a:r>
+              <a:rPr lang="en-US" sz="2400" dirty="0">
+                <a:hlinkClick r:id="rId3"/>
+              </a:rPr>
+              <a:t>https://</a:t>
+            </a:r>
+            <a:r>
+              <a:rPr lang="en-US" sz="2400" dirty="0" smtClean="0">
+                <a:hlinkClick r:id="rId3"/>
+              </a:rPr>
+              <a:t>github.com/SoftwareEgineeringWaterDetectionSystem/Smart_Water_Level_Detection_System/tree/new-code-update</a:t>
+            </a:r>
+            <a:endParaRPr lang="en-US" sz="2400" dirty="0" smtClean="0"/>
+          </a:p>
+          <a:p>
+            <a:endParaRPr lang="en-US" sz="2400" dirty="0"/>
+          </a:p>
+        </p:txBody>
+      </p:sp>
+    </p:spTree>
+    <p:extLst>
+      <p:ext uri="{BB962C8B-B14F-4D97-AF65-F5344CB8AC3E}">
+        <p14:creationId xmlns:p14="http://schemas.microsoft.com/office/powerpoint/2010/main" val="3941612618"/>
+      </p:ext>
+    </p:extLst>
+  </p:cSld>
+  <p:clrMapOvr>
+    <a:masterClrMapping/>
+  </p:clrMapOvr>
+</p:sld>
+</file>
+
+<file path=ppt/slides/slide22.xml><?xml version="1.0" encoding="utf-8"?>
+<p:sld xmlns:a="http://schemas.openxmlformats.org/drawingml/2006/main" xmlns:r="http://schemas.openxmlformats.org/officeDocument/2006/relationships" xmlns:p="http://schemas.openxmlformats.org/presentationml/2006/main">
+  <p:cSld>
+    <p:spTree>
+      <p:nvGrpSpPr>
+        <p:cNvPr id="1" name=""/>
+        <p:cNvGrpSpPr/>
+        <p:nvPr/>
+      </p:nvGrpSpPr>
+      <p:grpSpPr>
+        <a:xfrm>
+          <a:off x="0" y="0"/>
+          <a:ext cx="0" cy="0"/>
+          <a:chOff x="0" y="0"/>
+          <a:chExt cx="0" cy="0"/>
+        </a:xfrm>
+      </p:grpSpPr>
+      <p:sp>
+        <p:nvSpPr>
+          <p:cNvPr id="4" name="Slide Number Placeholder 3"/>
+          <p:cNvSpPr>
+            <a:spLocks noGrp="1"/>
+          </p:cNvSpPr>
+          <p:nvPr>
+            <p:ph type="sldNum" sz="quarter" idx="12"/>
+          </p:nvPr>
+        </p:nvSpPr>
+        <p:spPr/>
+        <p:txBody>
+          <a:bodyPr/>
+          <a:lstStyle/>
+          <a:p>
+            <a:fld id="{A90F21CD-99AA-425F-97AE-5CC2D8B33E07}" type="slidenum">
+              <a:rPr lang="en-MY" smtClean="0"/>
+              <a:pPr/>
+              <a:t>22</a:t>
+            </a:fld>
+            <a:endParaRPr lang="en-MY"/>
+          </a:p>
+        </p:txBody>
+      </p:sp>
+      <p:sp>
+        <p:nvSpPr>
+          <p:cNvPr id="5" name="Title 1"/>
+          <p:cNvSpPr txBox="1">
+            <a:spLocks/>
+          </p:cNvSpPr>
+          <p:nvPr/>
+        </p:nvSpPr>
+        <p:spPr bwMode="auto">
+          <a:xfrm>
+            <a:off x="838200" y="365125"/>
+            <a:ext cx="10515600" cy="1325563"/>
+          </a:xfrm>
+          <a:prstGeom prst="rect">
+            <a:avLst/>
+          </a:prstGeom>
+          <a:noFill/>
+          <a:ln>
+            <a:noFill/>
+          </a:ln>
+          <a:extLst>
+            <a:ext uri="{909E8E84-426E-40DD-AFC4-6F175D3DCCD1}">
+              <a14:hiddenFill xmlns:a14="http://schemas.microsoft.com/office/drawing/2010/main">
+                <a:solidFill>
+                  <a:srgbClr val="FFFFFF"/>
+                </a:solidFill>
+              </a14:hiddenFill>
+            </a:ext>
+            <a:ext uri="{91240B29-F687-4F45-9708-019B960494DF}">
+              <a14:hiddenLine xmlns:a14="http://schemas.microsoft.com/office/drawing/2010/main" w="9525">
+                <a:solidFill>
+                  <a:srgbClr val="000000"/>
+                </a:solidFill>
+                <a:miter lim="800000"/>
+                <a:headEnd/>
+                <a:tailEnd/>
+              </a14:hiddenLine>
+            </a:ext>
+          </a:extLst>
+        </p:spPr>
+        <p:txBody>
+          <a:bodyPr vert="horz" wrap="square" lIns="91440" tIns="45720" rIns="91440" bIns="45720" numCol="1" anchor="ctr" anchorCtr="0" compatLnSpc="1">
+            <a:prstTxWarp prst="textNoShape">
+              <a:avLst/>
+            </a:prstTxWarp>
+          </a:bodyPr>
+          <a:lstStyle>
+            <a:lvl1pPr algn="ctr" rtl="0" eaLnBrk="1" fontAlgn="base" hangingPunct="1">
+              <a:spcBef>
+                <a:spcPct val="0"/>
+              </a:spcBef>
+              <a:spcAft>
+                <a:spcPct val="0"/>
+              </a:spcAft>
+              <a:defRPr sz="4400" kern="1200">
+                <a:solidFill>
+                  <a:schemeClr val="tx1"/>
+                </a:solidFill>
+                <a:latin typeface="+mj-lt"/>
+                <a:ea typeface="+mj-ea"/>
+                <a:cs typeface="+mj-cs"/>
+              </a:defRPr>
+            </a:lvl1pPr>
+            <a:lvl2pPr algn="ctr" rtl="0" eaLnBrk="1" fontAlgn="base" hangingPunct="1">
+              <a:spcBef>
+                <a:spcPct val="0"/>
+              </a:spcBef>
+              <a:spcAft>
+                <a:spcPct val="0"/>
+              </a:spcAft>
+              <a:defRPr sz="4400">
+                <a:solidFill>
+                  <a:schemeClr val="tx1"/>
+                </a:solidFill>
+                <a:latin typeface="Calibri" pitchFamily="-112" charset="0"/>
+              </a:defRPr>
+            </a:lvl2pPr>
+            <a:lvl3pPr algn="ctr" rtl="0" eaLnBrk="1" fontAlgn="base" hangingPunct="1">
+              <a:spcBef>
+                <a:spcPct val="0"/>
+              </a:spcBef>
+              <a:spcAft>
+                <a:spcPct val="0"/>
+              </a:spcAft>
+              <a:defRPr sz="4400">
+                <a:solidFill>
+                  <a:schemeClr val="tx1"/>
+                </a:solidFill>
+                <a:latin typeface="Calibri" pitchFamily="-112" charset="0"/>
+              </a:defRPr>
+            </a:lvl3pPr>
+            <a:lvl4pPr algn="ctr" rtl="0" eaLnBrk="1" fontAlgn="base" hangingPunct="1">
+              <a:spcBef>
+                <a:spcPct val="0"/>
+              </a:spcBef>
+              <a:spcAft>
+                <a:spcPct val="0"/>
+              </a:spcAft>
+              <a:defRPr sz="4400">
+                <a:solidFill>
+                  <a:schemeClr val="tx1"/>
+                </a:solidFill>
+                <a:latin typeface="Calibri" pitchFamily="-112" charset="0"/>
+              </a:defRPr>
+            </a:lvl4pPr>
+            <a:lvl5pPr algn="ctr" rtl="0" eaLnBrk="1" fontAlgn="base" hangingPunct="1">
+              <a:spcBef>
+                <a:spcPct val="0"/>
+              </a:spcBef>
+              <a:spcAft>
+                <a:spcPct val="0"/>
+              </a:spcAft>
+              <a:defRPr sz="4400">
+                <a:solidFill>
+                  <a:schemeClr val="tx1"/>
+                </a:solidFill>
+                <a:latin typeface="Calibri" pitchFamily="-112" charset="0"/>
+              </a:defRPr>
+            </a:lvl5pPr>
+            <a:lvl6pPr marL="457200" algn="ctr" rtl="0" eaLnBrk="1" fontAlgn="base" hangingPunct="1">
+              <a:spcBef>
+                <a:spcPct val="0"/>
+              </a:spcBef>
+              <a:spcAft>
+                <a:spcPct val="0"/>
+              </a:spcAft>
+              <a:defRPr sz="4400">
+                <a:solidFill>
+                  <a:schemeClr val="tx1"/>
+                </a:solidFill>
+                <a:latin typeface="Calibri" pitchFamily="-112" charset="0"/>
+              </a:defRPr>
+            </a:lvl6pPr>
+            <a:lvl7pPr marL="914400" algn="ctr" rtl="0" eaLnBrk="1" fontAlgn="base" hangingPunct="1">
+              <a:spcBef>
+                <a:spcPct val="0"/>
+              </a:spcBef>
+              <a:spcAft>
+                <a:spcPct val="0"/>
+              </a:spcAft>
+              <a:defRPr sz="4400">
+                <a:solidFill>
+                  <a:schemeClr val="tx1"/>
+                </a:solidFill>
+                <a:latin typeface="Calibri" pitchFamily="-112" charset="0"/>
+              </a:defRPr>
+            </a:lvl7pPr>
+            <a:lvl8pPr marL="1371600" algn="ctr" rtl="0" eaLnBrk="1" fontAlgn="base" hangingPunct="1">
+              <a:spcBef>
+                <a:spcPct val="0"/>
+              </a:spcBef>
+              <a:spcAft>
+                <a:spcPct val="0"/>
+              </a:spcAft>
+              <a:defRPr sz="4400">
+                <a:solidFill>
+                  <a:schemeClr val="tx1"/>
+                </a:solidFill>
+                <a:latin typeface="Calibri" pitchFamily="-112" charset="0"/>
+              </a:defRPr>
+            </a:lvl8pPr>
+            <a:lvl9pPr marL="1828800" algn="ctr" rtl="0" eaLnBrk="1" fontAlgn="base" hangingPunct="1">
+              <a:spcBef>
+                <a:spcPct val="0"/>
+              </a:spcBef>
+              <a:spcAft>
+                <a:spcPct val="0"/>
+              </a:spcAft>
+              <a:defRPr sz="4400">
+                <a:solidFill>
+                  <a:schemeClr val="tx1"/>
+                </a:solidFill>
+                <a:latin typeface="Calibri" pitchFamily="-112" charset="0"/>
+              </a:defRPr>
+            </a:lvl9pPr>
+          </a:lstStyle>
+          <a:p>
+            <a:r>
               <a:rPr lang="en-US" smtClean="0"/>
-              <a:t>php files</a:t>
+              <a:t>Database</a:t>
             </a:r>
             <a:endParaRPr lang="en-US" dirty="0"/>
           </a:p>
@@ -6788,8 +7973,98 @@
         </p:blipFill>
         <p:spPr bwMode="auto">
           <a:xfrm>
-            <a:off x="838200" y="1864262"/>
-            <a:ext cx="9934325" cy="4351338"/>
+            <a:off x="838200" y="1988239"/>
+            <a:ext cx="10515600" cy="2042765"/>
+          </a:xfrm>
+          <a:prstGeom prst="rect">
+            <a:avLst/>
+          </a:prstGeom>
+          <a:noFill/>
+          <a:ln w="9525">
+            <a:solidFill>
+              <a:srgbClr val="000000"/>
+            </a:solidFill>
+            <a:miter lim="800000"/>
+            <a:headEnd/>
+            <a:tailEnd/>
+          </a:ln>
+          <a:extLst>
+            <a:ext uri="{909E8E84-426E-40DD-AFC4-6F175D3DCCD1}">
+              <a14:hiddenFill xmlns:a14="http://schemas.microsoft.com/office/drawing/2010/main">
+                <a:solidFill>
+                  <a:srgbClr val="FFFFFF"/>
+                </a:solidFill>
+              </a14:hiddenFill>
+            </a:ext>
+          </a:extLst>
+        </p:spPr>
+      </p:pic>
+    </p:spTree>
+    <p:extLst>
+      <p:ext uri="{BB962C8B-B14F-4D97-AF65-F5344CB8AC3E}">
+        <p14:creationId xmlns:p14="http://schemas.microsoft.com/office/powerpoint/2010/main" val="3132910798"/>
+      </p:ext>
+    </p:extLst>
+  </p:cSld>
+  <p:clrMapOvr>
+    <a:masterClrMapping/>
+  </p:clrMapOvr>
+</p:sld>
+</file>
+
+<file path=ppt/slides/slide23.xml><?xml version="1.0" encoding="utf-8"?>
+<p:sld xmlns:a="http://schemas.openxmlformats.org/drawingml/2006/main" xmlns:r="http://schemas.openxmlformats.org/officeDocument/2006/relationships" xmlns:p="http://schemas.openxmlformats.org/presentationml/2006/main">
+  <p:cSld>
+    <p:spTree>
+      <p:nvGrpSpPr>
+        <p:cNvPr id="1" name=""/>
+        <p:cNvGrpSpPr/>
+        <p:nvPr/>
+      </p:nvGrpSpPr>
+      <p:grpSpPr>
+        <a:xfrm>
+          <a:off x="0" y="0"/>
+          <a:ext cx="0" cy="0"/>
+          <a:chOff x="0" y="0"/>
+          <a:chExt cx="0" cy="0"/>
+        </a:xfrm>
+      </p:grpSpPr>
+      <p:sp>
+        <p:nvSpPr>
+          <p:cNvPr id="4" name="Slide Number Placeholder 3"/>
+          <p:cNvSpPr>
+            <a:spLocks noGrp="1"/>
+          </p:cNvSpPr>
+          <p:nvPr>
+            <p:ph type="sldNum" sz="quarter" idx="12"/>
+          </p:nvPr>
+        </p:nvSpPr>
+        <p:spPr/>
+        <p:txBody>
+          <a:bodyPr/>
+          <a:lstStyle/>
+          <a:p>
+            <a:fld id="{A90F21CD-99AA-425F-97AE-5CC2D8B33E07}" type="slidenum">
+              <a:rPr lang="en-MY" smtClean="0"/>
+              <a:pPr/>
+              <a:t>23</a:t>
+            </a:fld>
+            <a:endParaRPr lang="en-MY"/>
+          </a:p>
+        </p:txBody>
+      </p:sp>
+      <p:sp>
+        <p:nvSpPr>
+          <p:cNvPr id="5" name="Title 1"/>
+          <p:cNvSpPr txBox="1">
+            <a:spLocks/>
+          </p:cNvSpPr>
+          <p:nvPr/>
+        </p:nvSpPr>
+        <p:spPr bwMode="auto">
+          <a:xfrm>
+            <a:off x="838200" y="365125"/>
+            <a:ext cx="10515600" cy="1325563"/>
           </a:xfrm>
           <a:prstGeom prst="rect">
             <a:avLst/>
@@ -6815,6 +8090,192 @@
                 <a:headEnd/>
                 <a:tailEnd/>
               </a14:hiddenLine>
+            </a:ext>
+          </a:extLst>
+        </p:spPr>
+        <p:txBody>
+          <a:bodyPr vert="horz" wrap="square" lIns="91440" tIns="45720" rIns="91440" bIns="45720" numCol="1" anchor="ctr" anchorCtr="0" compatLnSpc="1">
+            <a:prstTxWarp prst="textNoShape">
+              <a:avLst/>
+            </a:prstTxWarp>
+          </a:bodyPr>
+          <a:lstStyle>
+            <a:lvl1pPr algn="ctr" rtl="0" eaLnBrk="1" fontAlgn="base" hangingPunct="1">
+              <a:spcBef>
+                <a:spcPct val="0"/>
+              </a:spcBef>
+              <a:spcAft>
+                <a:spcPct val="0"/>
+              </a:spcAft>
+              <a:defRPr sz="4400" kern="1200">
+                <a:solidFill>
+                  <a:schemeClr val="tx1"/>
+                </a:solidFill>
+                <a:latin typeface="+mj-lt"/>
+                <a:ea typeface="+mj-ea"/>
+                <a:cs typeface="+mj-cs"/>
+              </a:defRPr>
+            </a:lvl1pPr>
+            <a:lvl2pPr algn="ctr" rtl="0" eaLnBrk="1" fontAlgn="base" hangingPunct="1">
+              <a:spcBef>
+                <a:spcPct val="0"/>
+              </a:spcBef>
+              <a:spcAft>
+                <a:spcPct val="0"/>
+              </a:spcAft>
+              <a:defRPr sz="4400">
+                <a:solidFill>
+                  <a:schemeClr val="tx1"/>
+                </a:solidFill>
+                <a:latin typeface="Calibri" pitchFamily="-112" charset="0"/>
+              </a:defRPr>
+            </a:lvl2pPr>
+            <a:lvl3pPr algn="ctr" rtl="0" eaLnBrk="1" fontAlgn="base" hangingPunct="1">
+              <a:spcBef>
+                <a:spcPct val="0"/>
+              </a:spcBef>
+              <a:spcAft>
+                <a:spcPct val="0"/>
+              </a:spcAft>
+              <a:defRPr sz="4400">
+                <a:solidFill>
+                  <a:schemeClr val="tx1"/>
+                </a:solidFill>
+                <a:latin typeface="Calibri" pitchFamily="-112" charset="0"/>
+              </a:defRPr>
+            </a:lvl3pPr>
+            <a:lvl4pPr algn="ctr" rtl="0" eaLnBrk="1" fontAlgn="base" hangingPunct="1">
+              <a:spcBef>
+                <a:spcPct val="0"/>
+              </a:spcBef>
+              <a:spcAft>
+                <a:spcPct val="0"/>
+              </a:spcAft>
+              <a:defRPr sz="4400">
+                <a:solidFill>
+                  <a:schemeClr val="tx1"/>
+                </a:solidFill>
+                <a:latin typeface="Calibri" pitchFamily="-112" charset="0"/>
+              </a:defRPr>
+            </a:lvl4pPr>
+            <a:lvl5pPr algn="ctr" rtl="0" eaLnBrk="1" fontAlgn="base" hangingPunct="1">
+              <a:spcBef>
+                <a:spcPct val="0"/>
+              </a:spcBef>
+              <a:spcAft>
+                <a:spcPct val="0"/>
+              </a:spcAft>
+              <a:defRPr sz="4400">
+                <a:solidFill>
+                  <a:schemeClr val="tx1"/>
+                </a:solidFill>
+                <a:latin typeface="Calibri" pitchFamily="-112" charset="0"/>
+              </a:defRPr>
+            </a:lvl5pPr>
+            <a:lvl6pPr marL="457200" algn="ctr" rtl="0" eaLnBrk="1" fontAlgn="base" hangingPunct="1">
+              <a:spcBef>
+                <a:spcPct val="0"/>
+              </a:spcBef>
+              <a:spcAft>
+                <a:spcPct val="0"/>
+              </a:spcAft>
+              <a:defRPr sz="4400">
+                <a:solidFill>
+                  <a:schemeClr val="tx1"/>
+                </a:solidFill>
+                <a:latin typeface="Calibri" pitchFamily="-112" charset="0"/>
+              </a:defRPr>
+            </a:lvl6pPr>
+            <a:lvl7pPr marL="914400" algn="ctr" rtl="0" eaLnBrk="1" fontAlgn="base" hangingPunct="1">
+              <a:spcBef>
+                <a:spcPct val="0"/>
+              </a:spcBef>
+              <a:spcAft>
+                <a:spcPct val="0"/>
+              </a:spcAft>
+              <a:defRPr sz="4400">
+                <a:solidFill>
+                  <a:schemeClr val="tx1"/>
+                </a:solidFill>
+                <a:latin typeface="Calibri" pitchFamily="-112" charset="0"/>
+              </a:defRPr>
+            </a:lvl7pPr>
+            <a:lvl8pPr marL="1371600" algn="ctr" rtl="0" eaLnBrk="1" fontAlgn="base" hangingPunct="1">
+              <a:spcBef>
+                <a:spcPct val="0"/>
+              </a:spcBef>
+              <a:spcAft>
+                <a:spcPct val="0"/>
+              </a:spcAft>
+              <a:defRPr sz="4400">
+                <a:solidFill>
+                  <a:schemeClr val="tx1"/>
+                </a:solidFill>
+                <a:latin typeface="Calibri" pitchFamily="-112" charset="0"/>
+              </a:defRPr>
+            </a:lvl8pPr>
+            <a:lvl9pPr marL="1828800" algn="ctr" rtl="0" eaLnBrk="1" fontAlgn="base" hangingPunct="1">
+              <a:spcBef>
+                <a:spcPct val="0"/>
+              </a:spcBef>
+              <a:spcAft>
+                <a:spcPct val="0"/>
+              </a:spcAft>
+              <a:defRPr sz="4400">
+                <a:solidFill>
+                  <a:schemeClr val="tx1"/>
+                </a:solidFill>
+                <a:latin typeface="Calibri" pitchFamily="-112" charset="0"/>
+              </a:defRPr>
+            </a:lvl9pPr>
+          </a:lstStyle>
+          <a:p>
+            <a:r>
+              <a:rPr lang="en-US" smtClean="0"/>
+              <a:t>php files</a:t>
+            </a:r>
+            <a:endParaRPr lang="en-US" dirty="0"/>
+          </a:p>
+        </p:txBody>
+      </p:sp>
+      <p:pic>
+        <p:nvPicPr>
+          <p:cNvPr id="6" name="Content Placeholder 3"/>
+          <p:cNvPicPr>
+            <a:picLocks noChangeAspect="1"/>
+          </p:cNvPicPr>
+          <p:nvPr/>
+        </p:nvPicPr>
+        <p:blipFill>
+          <a:blip r:embed="rId2"/>
+          <a:stretch>
+            <a:fillRect/>
+          </a:stretch>
+        </p:blipFill>
+        <p:spPr bwMode="auto">
+          <a:xfrm>
+            <a:off x="838200" y="1864262"/>
+            <a:ext cx="9934325" cy="4351338"/>
+          </a:xfrm>
+          <a:prstGeom prst="rect">
+            <a:avLst/>
+          </a:prstGeom>
+          <a:noFill/>
+          <a:ln w="9525">
+            <a:solidFill>
+              <a:srgbClr val="000000"/>
+            </a:solidFill>
+            <a:miter lim="800000"/>
+            <a:headEnd/>
+            <a:tailEnd/>
+          </a:ln>
+          <a:extLst>
+            <a:ext uri="{909E8E84-426E-40DD-AFC4-6F175D3DCCD1}">
+              <a14:hiddenFill xmlns:a14="http://schemas.microsoft.com/office/drawing/2010/main">
+                <a:solidFill>
+                  <a:srgbClr val="FFFFFF"/>
+                </a:solidFill>
+              </a14:hiddenFill>
             </a:ext>
           </a:extLst>
         </p:spPr>
@@ -6865,38 +8326,10 @@
           <a:lstStyle/>
           <a:p>
             <a:r>
-              <a:rPr lang="en-US" sz="3200" b="1" dirty="0" smtClean="0">
-                <a:solidFill>
-                  <a:srgbClr val="002060"/>
-                </a:solidFill>
-                <a:latin typeface="Baskerville Old Face" panose="02020602080505020303" pitchFamily="18" charset="0"/>
-              </a:rPr>
-              <a:t>Important </a:t>
-            </a:r>
-            <a:r>
-              <a:rPr lang="en-US" sz="3200" b="1" dirty="0">
-                <a:solidFill>
-                  <a:srgbClr val="002060"/>
-                </a:solidFill>
-                <a:latin typeface="Baskerville Old Face" panose="02020602080505020303" pitchFamily="18" charset="0"/>
-              </a:rPr>
-              <a:t>P</a:t>
-            </a:r>
-            <a:r>
-              <a:rPr lang="en-US" sz="3200" b="1" dirty="0" smtClean="0">
-                <a:solidFill>
-                  <a:srgbClr val="002060"/>
-                </a:solidFill>
-                <a:latin typeface="Baskerville Old Face" panose="02020602080505020303" pitchFamily="18" charset="0"/>
-              </a:rPr>
-              <a:t>ython Code</a:t>
-            </a:r>
-            <a:endParaRPr lang="en-US" sz="3200" b="1" dirty="0">
-              <a:solidFill>
-                <a:srgbClr val="002060"/>
-              </a:solidFill>
-              <a:latin typeface="Baskerville Old Face" panose="02020602080505020303" pitchFamily="18" charset="0"/>
-            </a:endParaRPr>
+              <a:rPr lang="en-US" b="1" dirty="0" smtClean="0"/>
+              <a:t>INTRODUCTION</a:t>
+            </a:r>
+            <a:endParaRPr lang="en-US" b="1" dirty="0"/>
           </a:p>
         </p:txBody>
       </p:sp>
@@ -6910,64 +8343,18 @@
             <p:ph idx="1"/>
           </p:nvPr>
         </p:nvSpPr>
-        <p:spPr>
-          <a:xfrm>
-            <a:off x="386366" y="1249251"/>
-            <a:ext cx="11196034" cy="4876913"/>
-          </a:xfrm>
-        </p:spPr>
+        <p:spPr/>
         <p:txBody>
           <a:bodyPr/>
           <a:lstStyle/>
-          <a:p>
-            <a:r>
-              <a:rPr lang="en-US" sz="2400" dirty="0" smtClean="0"/>
-              <a:t>views.py (extract data from </a:t>
-            </a:r>
-            <a:r>
-              <a:rPr lang="en-US" sz="2400" dirty="0" err="1" smtClean="0"/>
-              <a:t>php</a:t>
-            </a:r>
-            <a:r>
-              <a:rPr lang="en-US" sz="2400" dirty="0" smtClean="0"/>
-              <a:t> file)</a:t>
-            </a:r>
-          </a:p>
           <a:p>
             <a:pPr marL="0" indent="0">
               <a:buNone/>
             </a:pPr>
             <a:r>
-              <a:rPr lang="en-US" sz="2000" b="1" dirty="0" smtClean="0"/>
-              <a:t>Package needed:</a:t>
-            </a:r>
-            <a:r>
-              <a:rPr lang="en-US" sz="2000" b="1" dirty="0"/>
-              <a:t>		Code</a:t>
-            </a:r>
-            <a:r>
-              <a:rPr lang="en-US" sz="2000" b="1" dirty="0" smtClean="0"/>
-              <a:t>:</a:t>
-            </a:r>
-          </a:p>
-          <a:p>
-            <a:pPr marL="0" indent="0">
-              <a:buNone/>
-            </a:pPr>
-            <a:r>
-              <a:rPr lang="en-US" sz="1800" dirty="0" smtClean="0"/>
-              <a:t>import json</a:t>
-            </a:r>
-          </a:p>
-          <a:p>
-            <a:pPr marL="0" indent="0">
-              <a:buNone/>
-            </a:pPr>
-            <a:r>
-              <a:rPr lang="en-US" sz="1800" dirty="0" smtClean="0"/>
-              <a:t>import urllib2</a:t>
-            </a:r>
-            <a:endParaRPr lang="en-US" sz="1800" dirty="0"/>
+              <a:rPr lang="en-US" dirty="0" smtClean="0"/>
+              <a:t>This project functions to read water level at any place where the system being installed such as dam or water tank.</a:t>
+            </a:r>
           </a:p>
           <a:p>
             <a:pPr marL="0" indent="0">
@@ -6975,6 +8362,40 @@
             </a:pPr>
             <a:endParaRPr lang="en-US" dirty="0"/>
           </a:p>
+          <a:p>
+            <a:pPr marL="0" indent="0">
+              <a:buNone/>
+            </a:pPr>
+            <a:r>
+              <a:rPr lang="en-US" dirty="0" smtClean="0"/>
+              <a:t>The project can be divided into 3 parts:</a:t>
+            </a:r>
+          </a:p>
+          <a:p>
+            <a:r>
+              <a:rPr lang="en-US" dirty="0" smtClean="0"/>
+              <a:t>Django to create webpage.</a:t>
+            </a:r>
+          </a:p>
+          <a:p>
+            <a:r>
+              <a:rPr lang="en-US" dirty="0" smtClean="0"/>
+              <a:t>Raspberry Pi for the controller.</a:t>
+            </a:r>
+          </a:p>
+          <a:p>
+            <a:r>
+              <a:rPr lang="en-US" dirty="0" smtClean="0"/>
+              <a:t>Smartphone apps.</a:t>
+            </a:r>
+          </a:p>
+          <a:p>
+            <a:r>
+              <a:rPr lang="en-US" dirty="0" smtClean="0"/>
+              <a:t>Webserver and database.</a:t>
+            </a:r>
+            <a:endParaRPr lang="en-US" dirty="0"/>
+          </a:p>
         </p:txBody>
       </p:sp>
       <p:sp>
@@ -6993,42 +8414,26 @@
           <a:lstStyle/>
           <a:p>
             <a:fld id="{A90F21CD-99AA-425F-97AE-5CC2D8B33E07}" type="slidenum">
-              <a:rPr lang="en-MY" smtClean="0"/>
+              <a:rPr lang="en-MY" smtClean="0">
+                <a:solidFill>
+                  <a:prstClr val="black"/>
+                </a:solidFill>
+              </a:rPr>
               <a:pPr/>
               <a:t>3</a:t>
             </a:fld>
-            <a:endParaRPr lang="en-MY"/>
-          </a:p>
-        </p:txBody>
-      </p:sp>
-      <p:pic>
-        <p:nvPicPr>
-          <p:cNvPr id="6" name="Picture 5"/>
-          <p:cNvPicPr>
-            <a:picLocks noChangeAspect="1"/>
-          </p:cNvPicPr>
-          <p:nvPr/>
-        </p:nvPicPr>
-        <p:blipFill>
-          <a:blip r:embed="rId2"/>
-          <a:stretch>
-            <a:fillRect/>
-          </a:stretch>
-        </p:blipFill>
-        <p:spPr>
-          <a:xfrm>
-            <a:off x="3879693" y="1628890"/>
-            <a:ext cx="6706741" cy="4928813"/>
-          </a:xfrm>
-          <a:prstGeom prst="rect">
-            <a:avLst/>
-          </a:prstGeom>
-        </p:spPr>
-      </p:pic>
+            <a:endParaRPr lang="en-MY">
+              <a:solidFill>
+                <a:prstClr val="black"/>
+              </a:solidFill>
+            </a:endParaRPr>
+          </a:p>
+        </p:txBody>
+      </p:sp>
     </p:spTree>
     <p:extLst>
       <p:ext uri="{BB962C8B-B14F-4D97-AF65-F5344CB8AC3E}">
-        <p14:creationId xmlns:p14="http://schemas.microsoft.com/office/powerpoint/2010/main" val="3890820118"/>
+        <p14:creationId xmlns:p14="http://schemas.microsoft.com/office/powerpoint/2010/main" val="3244485791"/>
       </p:ext>
     </p:extLst>
   </p:cSld>
@@ -7065,153 +8470,28 @@
             <p:ph type="title"/>
           </p:nvPr>
         </p:nvSpPr>
-        <p:spPr/>
+        <p:spPr>
+          <a:xfrm>
+            <a:off x="609600" y="2778941"/>
+            <a:ext cx="10972800" cy="1143000"/>
+          </a:xfrm>
+        </p:spPr>
         <p:txBody>
           <a:bodyPr/>
           <a:lstStyle/>
           <a:p>
             <a:r>
-              <a:rPr lang="en-US" sz="3200" b="1" dirty="0">
-                <a:solidFill>
-                  <a:srgbClr val="002060"/>
-                </a:solidFill>
-                <a:latin typeface="Baskerville Old Face" panose="02020602080505020303" pitchFamily="18" charset="0"/>
-              </a:rPr>
-              <a:t>h</a:t>
-            </a:r>
-            <a:r>
-              <a:rPr lang="en-US" sz="3200" b="1" dirty="0" smtClean="0">
-                <a:solidFill>
-                  <a:srgbClr val="002060"/>
-                </a:solidFill>
-                <a:latin typeface="Baskerville Old Face" panose="02020602080505020303" pitchFamily="18" charset="0"/>
-              </a:rPr>
-              <a:t>tml file for graph specification</a:t>
-            </a:r>
-            <a:endParaRPr lang="en-US" sz="3200" b="1" dirty="0">
-              <a:solidFill>
-                <a:srgbClr val="002060"/>
-              </a:solidFill>
-              <a:latin typeface="Baskerville Old Face" panose="02020602080505020303" pitchFamily="18" charset="0"/>
-            </a:endParaRPr>
-          </a:p>
-        </p:txBody>
-      </p:sp>
-      <p:sp>
-        <p:nvSpPr>
-          <p:cNvPr id="3" name="Content Placeholder 2"/>
-          <p:cNvSpPr>
-            <a:spLocks noGrp="1"/>
-          </p:cNvSpPr>
-          <p:nvPr>
-            <p:ph idx="1"/>
-          </p:nvPr>
-        </p:nvSpPr>
-        <p:spPr/>
-        <p:txBody>
-          <a:bodyPr/>
-          <a:lstStyle/>
-          <a:p>
-            <a:r>
-              <a:rPr lang="en-US" sz="1800" b="1" dirty="0"/>
-              <a:t>c</a:t>
-            </a:r>
-            <a:r>
-              <a:rPr lang="en-US" sz="1800" b="1" dirty="0" smtClean="0"/>
-              <a:t>hart.html</a:t>
-            </a:r>
-            <a:r>
-              <a:rPr lang="en-US" sz="1800" dirty="0" smtClean="0"/>
-              <a:t>:					</a:t>
-            </a:r>
-            <a:r>
-              <a:rPr lang="en-US" sz="1800" b="1" dirty="0" smtClean="0"/>
-              <a:t>base.html</a:t>
-            </a:r>
-            <a:r>
-              <a:rPr lang="en-US" sz="1800" dirty="0" smtClean="0"/>
-              <a:t>:  </a:t>
-            </a:r>
-            <a:endParaRPr lang="en-US" sz="1800" dirty="0"/>
-          </a:p>
-        </p:txBody>
-      </p:sp>
-      <p:sp>
-        <p:nvSpPr>
-          <p:cNvPr id="4" name="Slide Number Placeholder 3"/>
-          <p:cNvSpPr>
-            <a:spLocks noGrp="1"/>
-          </p:cNvSpPr>
-          <p:nvPr>
-            <p:ph type="sldNum" sz="quarter" idx="12"/>
-          </p:nvPr>
-        </p:nvSpPr>
-        <p:spPr/>
-        <p:txBody>
-          <a:bodyPr/>
-          <a:lstStyle/>
-          <a:p>
-            <a:fld id="{A90F21CD-99AA-425F-97AE-5CC2D8B33E07}" type="slidenum">
-              <a:rPr lang="en-MY" smtClean="0"/>
-              <a:pPr/>
-              <a:t>4</a:t>
-            </a:fld>
-            <a:endParaRPr lang="en-MY"/>
-          </a:p>
-        </p:txBody>
-      </p:sp>
-      <p:pic>
-        <p:nvPicPr>
-          <p:cNvPr id="6" name="Picture 5"/>
-          <p:cNvPicPr>
-            <a:picLocks noChangeAspect="1"/>
-          </p:cNvPicPr>
-          <p:nvPr/>
-        </p:nvPicPr>
-        <p:blipFill>
-          <a:blip r:embed="rId2"/>
-          <a:stretch>
-            <a:fillRect/>
-          </a:stretch>
-        </p:blipFill>
-        <p:spPr>
-          <a:xfrm>
-            <a:off x="2170091" y="1620949"/>
-            <a:ext cx="3548130" cy="4571629"/>
-          </a:xfrm>
-          <a:prstGeom prst="rect">
-            <a:avLst/>
-          </a:prstGeom>
-        </p:spPr>
-      </p:pic>
-      <p:pic>
-        <p:nvPicPr>
-          <p:cNvPr id="7" name="Picture 6"/>
-          <p:cNvPicPr>
-            <a:picLocks noChangeAspect="1"/>
-          </p:cNvPicPr>
-          <p:nvPr/>
-        </p:nvPicPr>
-        <p:blipFill>
-          <a:blip r:embed="rId3"/>
-          <a:stretch>
-            <a:fillRect/>
-          </a:stretch>
-        </p:blipFill>
-        <p:spPr>
-          <a:xfrm>
-            <a:off x="6565206" y="2047905"/>
-            <a:ext cx="5017194" cy="3717715"/>
-          </a:xfrm>
-          <a:prstGeom prst="rect">
-            <a:avLst/>
-          </a:prstGeom>
-        </p:spPr>
-      </p:pic>
+              <a:rPr lang="en-US" sz="6600" b="1" dirty="0" smtClean="0"/>
+              <a:t>RASBERRY PI</a:t>
+            </a:r>
+            <a:endParaRPr lang="en-MY" sz="6600" b="1" dirty="0"/>
+          </a:p>
+        </p:txBody>
+      </p:sp>
     </p:spTree>
     <p:extLst>
       <p:ext uri="{BB962C8B-B14F-4D97-AF65-F5344CB8AC3E}">
-        <p14:creationId xmlns:p14="http://schemas.microsoft.com/office/powerpoint/2010/main" val="2859280592"/>
+        <p14:creationId xmlns:p14="http://schemas.microsoft.com/office/powerpoint/2010/main" val="432555917"/>
       </p:ext>
     </p:extLst>
   </p:cSld>
@@ -7240,12 +8520,12 @@
       </p:grpSpPr>
       <p:sp>
         <p:nvSpPr>
-          <p:cNvPr id="2" name="Title 1"/>
-          <p:cNvSpPr>
-            <a:spLocks noGrp="1"/>
-          </p:cNvSpPr>
-          <p:nvPr>
-            <p:ph type="title"/>
+          <p:cNvPr id="4" name="Slide Number Placeholder 3"/>
+          <p:cNvSpPr>
+            <a:spLocks noGrp="1"/>
+          </p:cNvSpPr>
+          <p:nvPr>
+            <p:ph type="sldNum" sz="quarter" idx="12"/>
           </p:nvPr>
         </p:nvSpPr>
         <p:spPr/>
@@ -7253,140 +8533,304 @@
           <a:bodyPr/>
           <a:lstStyle/>
           <a:p>
-            <a:r>
-              <a:rPr lang="en-US" sz="3200" b="1" dirty="0" smtClean="0">
-                <a:solidFill>
-                  <a:srgbClr val="002060"/>
-                </a:solidFill>
-                <a:latin typeface="Baskerville Old Face" panose="02020602080505020303" pitchFamily="18" charset="0"/>
+            <a:fld id="{A90F21CD-99AA-425F-97AE-5CC2D8B33E07}" type="slidenum">
+              <a:rPr lang="en-MY" smtClean="0">
+                <a:solidFill>
+                  <a:prstClr val="black"/>
+                </a:solidFill>
               </a:rPr>
-              <a:t>Steps to produce web page</a:t>
-            </a:r>
-            <a:endParaRPr lang="en-US" sz="3200" b="1" dirty="0">
-              <a:solidFill>
-                <a:srgbClr val="002060"/>
-              </a:solidFill>
-              <a:latin typeface="Baskerville Old Face" panose="02020602080505020303" pitchFamily="18" charset="0"/>
-            </a:endParaRPr>
-          </a:p>
-        </p:txBody>
-      </p:sp>
-      <p:sp>
-        <p:nvSpPr>
-          <p:cNvPr id="3" name="Content Placeholder 2"/>
-          <p:cNvSpPr>
-            <a:spLocks noGrp="1"/>
-          </p:cNvSpPr>
-          <p:nvPr>
-            <p:ph idx="1"/>
-          </p:nvPr>
-        </p:nvSpPr>
-        <p:spPr/>
-        <p:txBody>
-          <a:bodyPr/>
-          <a:lstStyle/>
-          <a:p>
-            <a:pPr marL="514350" indent="-514350">
-              <a:buFont typeface="+mj-lt"/>
-              <a:buAutoNum type="arabicPeriod"/>
-            </a:pPr>
-            <a:r>
-              <a:rPr lang="en-US" dirty="0" smtClean="0"/>
-              <a:t>Run the manage.py:</a:t>
-            </a:r>
-          </a:p>
-          <a:p>
-            <a:pPr marL="514350" indent="-514350">
-              <a:buFont typeface="+mj-lt"/>
-              <a:buAutoNum type="arabicPeriod"/>
-            </a:pPr>
-            <a:endParaRPr lang="en-US" dirty="0"/>
-          </a:p>
-          <a:p>
-            <a:pPr marL="514350" indent="-514350">
-              <a:buFont typeface="+mj-lt"/>
-              <a:buAutoNum type="arabicPeriod"/>
-            </a:pPr>
-            <a:endParaRPr lang="en-US" dirty="0" smtClean="0"/>
-          </a:p>
-          <a:p>
-            <a:pPr marL="514350" indent="-514350">
-              <a:buFont typeface="+mj-lt"/>
-              <a:buAutoNum type="arabicPeriod"/>
-            </a:pPr>
-            <a:endParaRPr lang="en-US" dirty="0"/>
-          </a:p>
-          <a:p>
-            <a:pPr marL="514350" indent="-514350">
-              <a:buFont typeface="+mj-lt"/>
-              <a:buAutoNum type="arabicPeriod"/>
-            </a:pPr>
-            <a:endParaRPr lang="en-US" dirty="0" smtClean="0"/>
-          </a:p>
-          <a:p>
-            <a:pPr marL="514350" indent="-514350">
-              <a:buFont typeface="+mj-lt"/>
-              <a:buAutoNum type="arabicPeriod"/>
-            </a:pPr>
-            <a:r>
-              <a:rPr lang="en-US" dirty="0" err="1" smtClean="0"/>
-              <a:t>Goto</a:t>
-            </a:r>
-            <a:r>
-              <a:rPr lang="en-US" dirty="0" smtClean="0"/>
-              <a:t>: http://127.0.0.1:8000</a:t>
-            </a:r>
-          </a:p>
-          <a:p>
-            <a:pPr marL="0" indent="0">
-              <a:buNone/>
-            </a:pPr>
-            <a:endParaRPr lang="en-US" dirty="0"/>
-          </a:p>
-        </p:txBody>
-      </p:sp>
-      <p:sp>
-        <p:nvSpPr>
-          <p:cNvPr id="4" name="Slide Number Placeholder 3"/>
-          <p:cNvSpPr>
-            <a:spLocks noGrp="1"/>
-          </p:cNvSpPr>
-          <p:nvPr>
-            <p:ph type="sldNum" sz="quarter" idx="12"/>
-          </p:nvPr>
-        </p:nvSpPr>
-        <p:spPr/>
-        <p:txBody>
-          <a:bodyPr/>
-          <a:lstStyle/>
-          <a:p>
-            <a:fld id="{A90F21CD-99AA-425F-97AE-5CC2D8B33E07}" type="slidenum">
-              <a:rPr lang="en-MY" smtClean="0"/>
               <a:pPr/>
               <a:t>5</a:t>
             </a:fld>
-            <a:endParaRPr lang="en-MY"/>
+            <a:endParaRPr lang="en-MY">
+              <a:solidFill>
+                <a:prstClr val="black"/>
+              </a:solidFill>
+            </a:endParaRPr>
+          </a:p>
+        </p:txBody>
+      </p:sp>
+      <p:sp>
+        <p:nvSpPr>
+          <p:cNvPr id="6" name="Title 1"/>
+          <p:cNvSpPr>
+            <a:spLocks noGrp="1"/>
+          </p:cNvSpPr>
+          <p:nvPr>
+            <p:ph type="title"/>
+          </p:nvPr>
+        </p:nvSpPr>
+        <p:spPr>
+          <a:xfrm>
+            <a:off x="453736" y="323080"/>
+            <a:ext cx="10972800" cy="1143000"/>
+          </a:xfrm>
+        </p:spPr>
+        <p:txBody>
+          <a:bodyPr>
+            <a:normAutofit/>
+          </a:bodyPr>
+          <a:lstStyle/>
+          <a:p>
+            <a:pPr algn="ctr"/>
+            <a:r>
+              <a:rPr lang="en-US" b="1" dirty="0" smtClean="0"/>
+              <a:t>Raspberry Pi GPIO</a:t>
+            </a:r>
+            <a:endParaRPr lang="en-US" b="1" dirty="0"/>
+          </a:p>
+        </p:txBody>
+      </p:sp>
+      <p:sp>
+        <p:nvSpPr>
+          <p:cNvPr id="2" name="TextBox 1"/>
+          <p:cNvSpPr txBox="1"/>
+          <p:nvPr/>
+        </p:nvSpPr>
+        <p:spPr>
+          <a:xfrm>
+            <a:off x="529936" y="1652155"/>
+            <a:ext cx="11014364" cy="1200329"/>
+          </a:xfrm>
+          <a:prstGeom prst="rect">
+            <a:avLst/>
+          </a:prstGeom>
+          <a:noFill/>
+        </p:spPr>
+        <p:txBody>
+          <a:bodyPr wrap="square" rtlCol="0">
+            <a:spAutoFit/>
+          </a:bodyPr>
+          <a:lstStyle/>
+          <a:p>
+            <a:r>
+              <a:rPr lang="en-US" dirty="0" smtClean="0"/>
+              <a:t>All </a:t>
+            </a:r>
+            <a:r>
+              <a:rPr lang="en-US" dirty="0" err="1" smtClean="0"/>
+              <a:t>Rpi</a:t>
+            </a:r>
+            <a:r>
+              <a:rPr lang="en-US" dirty="0" smtClean="0"/>
+              <a:t> GPIO interaction is setup using Python language</a:t>
+            </a:r>
+          </a:p>
+          <a:p>
+            <a:pPr marL="285750" indent="-285750">
+              <a:buFontTx/>
+              <a:buChar char="-"/>
+            </a:pPr>
+            <a:r>
+              <a:rPr lang="en-US" dirty="0" smtClean="0"/>
+              <a:t>water_system.py</a:t>
+            </a:r>
+          </a:p>
+          <a:p>
+            <a:pPr marL="285750" indent="-285750">
+              <a:buFontTx/>
+              <a:buChar char="-"/>
+            </a:pPr>
+            <a:r>
+              <a:rPr lang="en-US" dirty="0" smtClean="0"/>
+              <a:t>start_pump.py</a:t>
+            </a:r>
+          </a:p>
+          <a:p>
+            <a:pPr marL="285750" indent="-285750">
+              <a:buFontTx/>
+              <a:buChar char="-"/>
+            </a:pPr>
+            <a:r>
+              <a:rPr lang="en-US" dirty="0" smtClean="0"/>
+              <a:t>cleanup.py</a:t>
+            </a:r>
+            <a:endParaRPr lang="en-US" dirty="0"/>
           </a:p>
         </p:txBody>
       </p:sp>
       <p:pic>
         <p:nvPicPr>
-          <p:cNvPr id="5" name="Picture 4"/>
+          <p:cNvPr id="1026" name="Picture 2" descr="Image result for rpi"/>
+          <p:cNvPicPr>
+            <a:picLocks noChangeAspect="1" noChangeArrowheads="1"/>
+          </p:cNvPicPr>
+          <p:nvPr/>
+        </p:nvPicPr>
+        <p:blipFill>
+          <a:blip r:embed="rId2" cstate="print">
+            <a:extLst>
+              <a:ext uri="{28A0092B-C50C-407E-A947-70E740481C1C}">
+                <a14:useLocalDpi xmlns:a14="http://schemas.microsoft.com/office/drawing/2010/main" val="0"/>
+              </a:ext>
+            </a:extLst>
+          </a:blip>
+          <a:srcRect/>
+          <a:stretch>
+            <a:fillRect/>
+          </a:stretch>
+        </p:blipFill>
+        <p:spPr bwMode="auto">
+          <a:xfrm>
+            <a:off x="763968" y="3470560"/>
+            <a:ext cx="1812651" cy="2277342"/>
+          </a:xfrm>
+          <a:prstGeom prst="rect">
+            <a:avLst/>
+          </a:prstGeom>
+          <a:noFill/>
+          <a:extLst>
+            <a:ext uri="{909E8E84-426E-40DD-AFC4-6F175D3DCCD1}">
+              <a14:hiddenFill xmlns:a14="http://schemas.microsoft.com/office/drawing/2010/main">
+                <a:solidFill>
+                  <a:srgbClr val="FFFFFF"/>
+                </a:solidFill>
+              </a14:hiddenFill>
+            </a:ext>
+          </a:extLst>
+        </p:spPr>
+      </p:pic>
+      <p:pic>
+        <p:nvPicPr>
+          <p:cNvPr id="1030" name="Picture 6" descr="Image result for plus symbol png"/>
+          <p:cNvPicPr>
+            <a:picLocks noChangeAspect="1" noChangeArrowheads="1"/>
+          </p:cNvPicPr>
+          <p:nvPr/>
+        </p:nvPicPr>
+        <p:blipFill>
+          <a:blip r:embed="rId3" cstate="print">
+            <a:extLst>
+              <a:ext uri="{28A0092B-C50C-407E-A947-70E740481C1C}">
+                <a14:useLocalDpi xmlns:a14="http://schemas.microsoft.com/office/drawing/2010/main" val="0"/>
+              </a:ext>
+            </a:extLst>
+          </a:blip>
+          <a:srcRect/>
+          <a:stretch>
+            <a:fillRect/>
+          </a:stretch>
+        </p:blipFill>
+        <p:spPr bwMode="auto">
+          <a:xfrm>
+            <a:off x="2977109" y="3979269"/>
+            <a:ext cx="1247197" cy="1259924"/>
+          </a:xfrm>
+          <a:prstGeom prst="rect">
+            <a:avLst/>
+          </a:prstGeom>
+          <a:noFill/>
+          <a:extLst>
+            <a:ext uri="{909E8E84-426E-40DD-AFC4-6F175D3DCCD1}">
+              <a14:hiddenFill xmlns:a14="http://schemas.microsoft.com/office/drawing/2010/main">
+                <a:solidFill>
+                  <a:srgbClr val="FFFFFF"/>
+                </a:solidFill>
+              </a14:hiddenFill>
+            </a:ext>
+          </a:extLst>
+        </p:spPr>
+      </p:pic>
+      <p:pic>
+        <p:nvPicPr>
+          <p:cNvPr id="1032" name="Picture 8" descr="Image result for equal symbol png"/>
+          <p:cNvPicPr>
+            <a:picLocks noChangeAspect="1" noChangeArrowheads="1"/>
+          </p:cNvPicPr>
+          <p:nvPr/>
+        </p:nvPicPr>
+        <p:blipFill>
+          <a:blip r:embed="rId4" cstate="print">
+            <a:extLst>
+              <a:ext uri="{28A0092B-C50C-407E-A947-70E740481C1C}">
+                <a14:useLocalDpi xmlns:a14="http://schemas.microsoft.com/office/drawing/2010/main" val="0"/>
+              </a:ext>
+            </a:extLst>
+          </a:blip>
+          <a:srcRect/>
+          <a:stretch>
+            <a:fillRect/>
+          </a:stretch>
+        </p:blipFill>
+        <p:spPr bwMode="auto">
+          <a:xfrm>
+            <a:off x="6816801" y="3709247"/>
+            <a:ext cx="1799963" cy="1799963"/>
+          </a:xfrm>
+          <a:prstGeom prst="rect">
+            <a:avLst/>
+          </a:prstGeom>
+          <a:noFill/>
+          <a:extLst>
+            <a:ext uri="{909E8E84-426E-40DD-AFC4-6F175D3DCCD1}">
+              <a14:hiddenFill xmlns:a14="http://schemas.microsoft.com/office/drawing/2010/main">
+                <a:solidFill>
+                  <a:srgbClr val="FFFFFF"/>
+                </a:solidFill>
+              </a14:hiddenFill>
+            </a:ext>
+          </a:extLst>
+        </p:spPr>
+      </p:pic>
+      <p:pic>
+        <p:nvPicPr>
+          <p:cNvPr id="1034" name="Picture 10" descr="Image result for python png"/>
+          <p:cNvPicPr>
+            <a:picLocks noChangeAspect="1" noChangeArrowheads="1"/>
+          </p:cNvPicPr>
+          <p:nvPr/>
+        </p:nvPicPr>
+        <p:blipFill>
+          <a:blip r:embed="rId5" cstate="print">
+            <a:extLst>
+              <a:ext uri="{28A0092B-C50C-407E-A947-70E740481C1C}">
+                <a14:useLocalDpi xmlns:a14="http://schemas.microsoft.com/office/drawing/2010/main" val="0"/>
+              </a:ext>
+            </a:extLst>
+          </a:blip>
+          <a:srcRect/>
+          <a:stretch>
+            <a:fillRect/>
+          </a:stretch>
+        </p:blipFill>
+        <p:spPr bwMode="auto">
+          <a:xfrm>
+            <a:off x="4624796" y="3513227"/>
+            <a:ext cx="2192005" cy="2192005"/>
+          </a:xfrm>
+          <a:prstGeom prst="rect">
+            <a:avLst/>
+          </a:prstGeom>
+          <a:noFill/>
+          <a:extLst>
+            <a:ext uri="{909E8E84-426E-40DD-AFC4-6F175D3DCCD1}">
+              <a14:hiddenFill xmlns:a14="http://schemas.microsoft.com/office/drawing/2010/main">
+                <a:solidFill>
+                  <a:srgbClr val="FFFFFF"/>
+                </a:solidFill>
+              </a14:hiddenFill>
+            </a:ext>
+          </a:extLst>
+        </p:spPr>
+      </p:pic>
+      <p:pic>
+        <p:nvPicPr>
+          <p:cNvPr id="3" name="Picture 2"/>
           <p:cNvPicPr>
             <a:picLocks noChangeAspect="1"/>
           </p:cNvPicPr>
           <p:nvPr/>
         </p:nvPicPr>
         <p:blipFill>
-          <a:blip r:embed="rId2"/>
+          <a:blip r:embed="rId6"/>
           <a:stretch>
             <a:fillRect/>
           </a:stretch>
         </p:blipFill>
         <p:spPr>
           <a:xfrm>
-            <a:off x="4677914" y="1600200"/>
-            <a:ext cx="5380485" cy="2419133"/>
+            <a:off x="8373468" y="2883458"/>
+            <a:ext cx="2921260" cy="2921260"/>
           </a:xfrm>
           <a:prstGeom prst="rect">
             <a:avLst/>
@@ -7396,7 +8840,7 @@
     </p:spTree>
     <p:extLst>
       <p:ext uri="{BB962C8B-B14F-4D97-AF65-F5344CB8AC3E}">
-        <p14:creationId xmlns:p14="http://schemas.microsoft.com/office/powerpoint/2010/main" val="2916478802"/>
+        <p14:creationId xmlns:p14="http://schemas.microsoft.com/office/powerpoint/2010/main" val="3699278382"/>
       </p:ext>
     </p:extLst>
   </p:cSld>
@@ -7425,12 +8869,12 @@
       </p:grpSpPr>
       <p:sp>
         <p:nvSpPr>
-          <p:cNvPr id="2" name="Title 1"/>
-          <p:cNvSpPr>
-            <a:spLocks noGrp="1"/>
-          </p:cNvSpPr>
-          <p:nvPr>
-            <p:ph type="ctrTitle"/>
+          <p:cNvPr id="4" name="Slide Number Placeholder 3"/>
+          <p:cNvSpPr>
+            <a:spLocks noGrp="1"/>
+          </p:cNvSpPr>
+          <p:nvPr>
+            <p:ph type="sldNum" sz="quarter" idx="12"/>
           </p:nvPr>
         </p:nvSpPr>
         <p:spPr/>
@@ -7438,37 +8882,143 @@
           <a:bodyPr/>
           <a:lstStyle/>
           <a:p>
+            <a:fld id="{A90F21CD-99AA-425F-97AE-5CC2D8B33E07}" type="slidenum">
+              <a:rPr lang="en-MY" smtClean="0">
+                <a:solidFill>
+                  <a:prstClr val="black"/>
+                </a:solidFill>
+              </a:rPr>
+              <a:pPr/>
+              <a:t>6</a:t>
+            </a:fld>
+            <a:endParaRPr lang="en-MY">
+              <a:solidFill>
+                <a:prstClr val="black"/>
+              </a:solidFill>
+            </a:endParaRPr>
+          </a:p>
+        </p:txBody>
+      </p:sp>
+      <p:sp>
+        <p:nvSpPr>
+          <p:cNvPr id="6" name="Title 1"/>
+          <p:cNvSpPr>
+            <a:spLocks noGrp="1"/>
+          </p:cNvSpPr>
+          <p:nvPr>
+            <p:ph type="title"/>
+          </p:nvPr>
+        </p:nvSpPr>
+        <p:spPr>
+          <a:xfrm>
+            <a:off x="1194955" y="645199"/>
+            <a:ext cx="10345882" cy="570537"/>
+          </a:xfrm>
+        </p:spPr>
+        <p:txBody>
+          <a:bodyPr>
+            <a:noAutofit/>
+          </a:bodyPr>
+          <a:lstStyle/>
+          <a:p>
+            <a:pPr algn="ctr"/>
+            <a:r>
+              <a:rPr lang="en-US" b="1" dirty="0" smtClean="0"/>
+              <a:t>Raspberry Pi Webserver</a:t>
+            </a:r>
+            <a:endParaRPr lang="en-US" b="1" dirty="0"/>
+          </a:p>
+        </p:txBody>
+      </p:sp>
+      <p:sp>
+        <p:nvSpPr>
+          <p:cNvPr id="2" name="TextBox 1"/>
+          <p:cNvSpPr txBox="1"/>
+          <p:nvPr/>
+        </p:nvSpPr>
+        <p:spPr>
+          <a:xfrm>
+            <a:off x="592282" y="1610591"/>
+            <a:ext cx="10948555" cy="923330"/>
+          </a:xfrm>
+          <a:prstGeom prst="rect">
+            <a:avLst/>
+          </a:prstGeom>
+          <a:noFill/>
+        </p:spPr>
+        <p:txBody>
+          <a:bodyPr wrap="square" rtlCol="0">
+            <a:spAutoFit/>
+          </a:bodyPr>
+          <a:lstStyle/>
+          <a:p>
+            <a:pPr marL="285750" indent="-285750">
+              <a:buFontTx/>
+              <a:buChar char="-"/>
+            </a:pPr>
             <a:r>
               <a:rPr lang="en-US" dirty="0" smtClean="0"/>
-              <a:t>Android </a:t>
-            </a:r>
-            <a:endParaRPr lang="en-MY" dirty="0"/>
-          </a:p>
-        </p:txBody>
-      </p:sp>
-      <p:sp>
-        <p:nvSpPr>
-          <p:cNvPr id="3" name="Subtitle 2"/>
-          <p:cNvSpPr>
-            <a:spLocks noGrp="1"/>
-          </p:cNvSpPr>
-          <p:nvPr>
-            <p:ph type="subTitle" idx="1"/>
-          </p:nvPr>
-        </p:nvSpPr>
-        <p:spPr/>
-        <p:txBody>
-          <a:bodyPr/>
-          <a:lstStyle/>
-          <a:p>
-            <a:endParaRPr lang="en-MY"/>
-          </a:p>
-        </p:txBody>
-      </p:sp>
+              <a:t>To run </a:t>
+            </a:r>
+            <a:r>
+              <a:rPr lang="en-US" dirty="0" err="1" smtClean="0"/>
+              <a:t>Rpi</a:t>
+            </a:r>
+            <a:r>
+              <a:rPr lang="en-US" dirty="0" smtClean="0"/>
+              <a:t> remotely, webserver setup is needed</a:t>
+            </a:r>
+          </a:p>
+          <a:p>
+            <a:pPr marL="285750" indent="-285750">
+              <a:buFontTx/>
+              <a:buChar char="-"/>
+            </a:pPr>
+            <a:r>
+              <a:rPr lang="en-US" dirty="0" smtClean="0"/>
+              <a:t>There are several choices of webserver available</a:t>
+            </a:r>
+          </a:p>
+          <a:p>
+            <a:pPr marL="285750" indent="-285750">
+              <a:buFontTx/>
+              <a:buChar char="-"/>
+            </a:pPr>
+            <a:r>
+              <a:rPr lang="en-US" dirty="0" smtClean="0"/>
+              <a:t>This project using : Apache + PHP </a:t>
+            </a:r>
+            <a:endParaRPr lang="en-US" dirty="0"/>
+          </a:p>
+        </p:txBody>
+      </p:sp>
+      <p:pic>
+        <p:nvPicPr>
+          <p:cNvPr id="3" name="Picture 2"/>
+          <p:cNvPicPr>
+            <a:picLocks noChangeAspect="1"/>
+          </p:cNvPicPr>
+          <p:nvPr/>
+        </p:nvPicPr>
+        <p:blipFill rotWithShape="1">
+          <a:blip r:embed="rId2"/>
+          <a:srcRect b="19048"/>
+          <a:stretch/>
+        </p:blipFill>
+        <p:spPr>
+          <a:xfrm>
+            <a:off x="2494684" y="3175000"/>
+            <a:ext cx="7143750" cy="2159000"/>
+          </a:xfrm>
+          <a:prstGeom prst="rect">
+            <a:avLst/>
+          </a:prstGeom>
+        </p:spPr>
+      </p:pic>
     </p:spTree>
     <p:extLst>
       <p:ext uri="{BB962C8B-B14F-4D97-AF65-F5344CB8AC3E}">
-        <p14:creationId xmlns:p14="http://schemas.microsoft.com/office/powerpoint/2010/main" val="4258769725"/>
+        <p14:creationId xmlns:p14="http://schemas.microsoft.com/office/powerpoint/2010/main" val="2754153469"/>
       </p:ext>
     </p:extLst>
   </p:cSld>
@@ -7497,36 +9047,70 @@
       </p:grpSpPr>
       <p:sp>
         <p:nvSpPr>
-          <p:cNvPr id="2" name="Title 1"/>
-          <p:cNvSpPr>
-            <a:spLocks noGrp="1"/>
-          </p:cNvSpPr>
-          <p:nvPr>
-            <p:ph type="title"/>
-          </p:nvPr>
-        </p:nvSpPr>
-        <p:spPr>
-          <a:xfrm>
-            <a:off x="838200" y="365125"/>
-            <a:ext cx="10515600" cy="729579"/>
-          </a:xfrm>
-        </p:spPr>
+          <p:cNvPr id="4" name="Slide Number Placeholder 3"/>
+          <p:cNvSpPr>
+            <a:spLocks noGrp="1"/>
+          </p:cNvSpPr>
+          <p:nvPr>
+            <p:ph type="sldNum" sz="quarter" idx="12"/>
+          </p:nvPr>
+        </p:nvSpPr>
+        <p:spPr/>
         <p:txBody>
           <a:bodyPr/>
           <a:lstStyle/>
           <a:p>
+            <a:fld id="{A90F21CD-99AA-425F-97AE-5CC2D8B33E07}" type="slidenum">
+              <a:rPr lang="en-MY" smtClean="0">
+                <a:solidFill>
+                  <a:prstClr val="black"/>
+                </a:solidFill>
+              </a:rPr>
+              <a:pPr/>
+              <a:t>7</a:t>
+            </a:fld>
+            <a:endParaRPr lang="en-MY">
+              <a:solidFill>
+                <a:prstClr val="black"/>
+              </a:solidFill>
+            </a:endParaRPr>
+          </a:p>
+        </p:txBody>
+      </p:sp>
+      <p:sp>
+        <p:nvSpPr>
+          <p:cNvPr id="6" name="Title 1"/>
+          <p:cNvSpPr>
+            <a:spLocks noGrp="1"/>
+          </p:cNvSpPr>
+          <p:nvPr>
+            <p:ph type="title"/>
+          </p:nvPr>
+        </p:nvSpPr>
+        <p:spPr>
+          <a:xfrm>
+            <a:off x="600075" y="374504"/>
+            <a:ext cx="10972800" cy="955532"/>
+          </a:xfrm>
+        </p:spPr>
+        <p:txBody>
+          <a:bodyPr>
+            <a:normAutofit/>
+          </a:bodyPr>
+          <a:lstStyle/>
+          <a:p>
             <a:pPr algn="ctr"/>
             <a:r>
-              <a:rPr lang="en-US" dirty="0" smtClean="0"/>
-              <a:t>Android app flow ( request &amp; response) </a:t>
-            </a:r>
-            <a:endParaRPr lang="en-MY" dirty="0"/>
+              <a:rPr lang="en-US" b="1" dirty="0" smtClean="0"/>
+              <a:t>Access Raspberry Pi via Remotely</a:t>
+            </a:r>
+            <a:endParaRPr lang="en-US" b="1" dirty="0"/>
           </a:p>
         </p:txBody>
       </p:sp>
       <p:pic>
         <p:nvPicPr>
-          <p:cNvPr id="9" name="Picture 8"/>
+          <p:cNvPr id="2" name="Picture 1"/>
           <p:cNvPicPr>
             <a:picLocks noChangeAspect="1"/>
           </p:cNvPicPr>
@@ -7540,24 +9124,29 @@
         </p:blipFill>
         <p:spPr>
           <a:xfrm>
-            <a:off x="1015284" y="1094704"/>
-            <a:ext cx="10161431" cy="2884863"/>
+            <a:off x="1752600" y="2431904"/>
+            <a:ext cx="8667750" cy="3528141"/>
           </a:xfrm>
           <a:prstGeom prst="rect">
             <a:avLst/>
           </a:prstGeom>
+          <a:ln>
+            <a:solidFill>
+              <a:schemeClr val="tx1"/>
+            </a:solidFill>
+          </a:ln>
         </p:spPr>
       </p:pic>
       <p:sp>
         <p:nvSpPr>
-          <p:cNvPr id="10" name="TextBox 9"/>
+          <p:cNvPr id="3" name="TextBox 2"/>
           <p:cNvSpPr txBox="1"/>
           <p:nvPr/>
         </p:nvSpPr>
         <p:spPr>
           <a:xfrm>
-            <a:off x="562914" y="4025736"/>
-            <a:ext cx="3737020" cy="2677656"/>
+            <a:off x="592282" y="1444336"/>
+            <a:ext cx="11024754" cy="646331"/>
           </a:xfrm>
           <a:prstGeom prst="rect">
             <a:avLst/>
@@ -7570,467 +9159,48 @@
           </a:bodyPr>
           <a:lstStyle/>
           <a:p>
-            <a:pPr algn="ctr"/>
-            <a:r>
-              <a:rPr lang="en-US" sz="1900" dirty="0" smtClean="0">
-                <a:solidFill>
-                  <a:schemeClr val="accent4">
-                    <a:lumMod val="75000"/>
-                  </a:schemeClr>
-                </a:solidFill>
-              </a:rPr>
-              <a:t>Android apps using android studio software</a:t>
-            </a:r>
-          </a:p>
-          <a:p>
-            <a:pPr marL="742950" lvl="1" indent="-285750">
-              <a:buFont typeface="Arial" panose="020B0604020202020204" pitchFamily="34" charset="0"/>
-              <a:buChar char="•"/>
+            <a:pPr marL="285750" indent="-285750">
+              <a:buFontTx/>
+              <a:buChar char="-"/>
             </a:pPr>
             <a:r>
-              <a:rPr lang="en-US" sz="1600" dirty="0" smtClean="0"/>
-              <a:t>Java</a:t>
-            </a:r>
-          </a:p>
-          <a:p>
-            <a:pPr marL="1200150" lvl="2" indent="-285750">
-              <a:buFont typeface="Arial" panose="020B0604020202020204" pitchFamily="34" charset="0"/>
-              <a:buChar char="•"/>
+              <a:rPr lang="en-US" dirty="0" smtClean="0"/>
+              <a:t>Webserver setup in </a:t>
+            </a:r>
+            <a:r>
+              <a:rPr lang="en-US" dirty="0" err="1" smtClean="0"/>
+              <a:t>Rpi</a:t>
+            </a:r>
+            <a:r>
+              <a:rPr lang="en-US" dirty="0" smtClean="0"/>
+              <a:t> can be publish to the internet for remote access</a:t>
+            </a:r>
+          </a:p>
+          <a:p>
+            <a:pPr marL="285750" indent="-285750">
+              <a:buFontTx/>
+              <a:buChar char="-"/>
             </a:pPr>
             <a:r>
-              <a:rPr lang="en-US" sz="1600" dirty="0" smtClean="0"/>
-              <a:t>Login.java</a:t>
-            </a:r>
-          </a:p>
-          <a:p>
-            <a:pPr marL="1200150" lvl="2" indent="-285750">
-              <a:buFont typeface="Arial" panose="020B0604020202020204" pitchFamily="34" charset="0"/>
-              <a:buChar char="•"/>
-            </a:pPr>
-            <a:r>
-              <a:rPr lang="en-US" sz="1600" dirty="0" smtClean="0"/>
-              <a:t>Register.java</a:t>
-            </a:r>
-          </a:p>
-          <a:p>
-            <a:pPr marL="1200150" lvl="2" indent="-285750">
-              <a:buFont typeface="Arial" panose="020B0604020202020204" pitchFamily="34" charset="0"/>
-              <a:buChar char="•"/>
-            </a:pPr>
-            <a:r>
-              <a:rPr lang="en-US" sz="1600" dirty="0" smtClean="0"/>
-              <a:t>Home.java</a:t>
-            </a:r>
-            <a:endParaRPr lang="en-MY" sz="1600" dirty="0" smtClean="0"/>
-          </a:p>
-          <a:p>
-            <a:pPr marL="742950" lvl="1" indent="-285750">
-              <a:buFont typeface="Arial" panose="020B0604020202020204" pitchFamily="34" charset="0"/>
-              <a:buChar char="•"/>
-            </a:pPr>
-            <a:r>
-              <a:rPr lang="en-US" sz="1600" dirty="0" smtClean="0"/>
-              <a:t>Xml ( layout)</a:t>
-            </a:r>
-          </a:p>
-          <a:p>
-            <a:pPr marL="1200150" lvl="2" indent="-285750">
-              <a:buFont typeface="Arial" panose="020B0604020202020204" pitchFamily="34" charset="0"/>
-              <a:buChar char="•"/>
-            </a:pPr>
-            <a:r>
-              <a:rPr lang="en-US" sz="1600" dirty="0" smtClean="0"/>
-              <a:t>Login.xml</a:t>
-            </a:r>
-          </a:p>
-          <a:p>
-            <a:pPr marL="1200150" lvl="2" indent="-285750">
-              <a:buFont typeface="Arial" panose="020B0604020202020204" pitchFamily="34" charset="0"/>
-              <a:buChar char="•"/>
-            </a:pPr>
-            <a:r>
-              <a:rPr lang="en-US" sz="1600" dirty="0" smtClean="0"/>
-              <a:t>Register.xml</a:t>
-            </a:r>
-          </a:p>
-          <a:p>
-            <a:pPr marL="1200150" lvl="2" indent="-285750">
-              <a:buFont typeface="Arial" panose="020B0604020202020204" pitchFamily="34" charset="0"/>
-              <a:buChar char="•"/>
-            </a:pPr>
-            <a:r>
-              <a:rPr lang="en-US" sz="1600" dirty="0" smtClean="0"/>
-              <a:t>Home.xml</a:t>
-            </a:r>
-          </a:p>
-        </p:txBody>
-      </p:sp>
-      <p:sp>
-        <p:nvSpPr>
-          <p:cNvPr id="11" name="TextBox 10"/>
-          <p:cNvSpPr txBox="1"/>
-          <p:nvPr/>
-        </p:nvSpPr>
-        <p:spPr>
-          <a:xfrm>
-            <a:off x="4319788" y="3979562"/>
-            <a:ext cx="3693018" cy="3354765"/>
-          </a:xfrm>
-          <a:prstGeom prst="rect">
-            <a:avLst/>
-          </a:prstGeom>
-          <a:noFill/>
-        </p:spPr>
-        <p:txBody>
-          <a:bodyPr wrap="square" rtlCol="0">
-            <a:spAutoFit/>
-          </a:bodyPr>
-          <a:lstStyle/>
-          <a:p>
-            <a:pPr algn="ctr"/>
-            <a:r>
-              <a:rPr lang="en-US" sz="2000" dirty="0" err="1" smtClean="0">
-                <a:solidFill>
-                  <a:schemeClr val="accent4">
-                    <a:lumMod val="75000"/>
-                  </a:schemeClr>
-                </a:solidFill>
-              </a:rPr>
-              <a:t>Php</a:t>
-            </a:r>
-            <a:endParaRPr lang="en-US" sz="2000" dirty="0" smtClean="0">
-              <a:solidFill>
-                <a:schemeClr val="accent4">
-                  <a:lumMod val="75000"/>
-                </a:schemeClr>
-              </a:solidFill>
-            </a:endParaRPr>
-          </a:p>
-          <a:p>
-            <a:pPr marL="742950" lvl="1" indent="-285750">
-              <a:buFont typeface="Arial" panose="020B0604020202020204" pitchFamily="34" charset="0"/>
-              <a:buChar char="•"/>
-            </a:pPr>
-            <a:r>
-              <a:rPr lang="en-US" sz="1600" dirty="0" err="1" smtClean="0"/>
-              <a:t>Init.php</a:t>
-            </a:r>
-            <a:r>
-              <a:rPr lang="en-US" sz="1600" dirty="0" smtClean="0"/>
-              <a:t> </a:t>
-            </a:r>
-          </a:p>
-          <a:p>
-            <a:pPr marL="1200150" lvl="2" indent="-285750">
-              <a:buFont typeface="Arial" panose="020B0604020202020204" pitchFamily="34" charset="0"/>
-              <a:buChar char="•"/>
-            </a:pPr>
-            <a:r>
-              <a:rPr lang="en-US" sz="1600" dirty="0" smtClean="0"/>
-              <a:t> To setup connection to database</a:t>
-            </a:r>
-          </a:p>
-          <a:p>
-            <a:pPr marL="742950" lvl="1" indent="-285750">
-              <a:buFont typeface="Arial" panose="020B0604020202020204" pitchFamily="34" charset="0"/>
-              <a:buChar char="•"/>
-            </a:pPr>
-            <a:r>
-              <a:rPr lang="en-US" sz="1600" dirty="0" err="1" smtClean="0"/>
-              <a:t>Login.php</a:t>
-            </a:r>
-            <a:r>
-              <a:rPr lang="en-US" sz="1600" dirty="0" smtClean="0"/>
-              <a:t> </a:t>
-            </a:r>
-          </a:p>
-          <a:p>
-            <a:pPr marL="1200150" lvl="2" indent="-285750">
-              <a:buFont typeface="Arial" panose="020B0604020202020204" pitchFamily="34" charset="0"/>
-              <a:buChar char="•"/>
-            </a:pPr>
-            <a:r>
-              <a:rPr lang="en-US" sz="1600" dirty="0" smtClean="0"/>
-              <a:t>To send user information and retrieve </a:t>
-            </a:r>
-            <a:r>
-              <a:rPr lang="en-US" sz="1600" dirty="0" smtClean="0"/>
-              <a:t>from </a:t>
-            </a:r>
-            <a:r>
-              <a:rPr lang="en-US" sz="1600" dirty="0" smtClean="0"/>
-              <a:t>database for compare purposes</a:t>
-            </a:r>
-          </a:p>
-          <a:p>
-            <a:pPr marL="742950" lvl="1" indent="-285750">
-              <a:buFont typeface="Arial" panose="020B0604020202020204" pitchFamily="34" charset="0"/>
-              <a:buChar char="•"/>
-            </a:pPr>
-            <a:r>
-              <a:rPr lang="en-US" sz="1600" dirty="0" err="1" smtClean="0"/>
-              <a:t>Register.php</a:t>
-            </a:r>
-            <a:endParaRPr lang="en-US" sz="1600" dirty="0" smtClean="0"/>
-          </a:p>
-          <a:p>
-            <a:pPr marL="1200150" lvl="2" indent="-285750">
-              <a:buFont typeface="Arial" panose="020B0604020202020204" pitchFamily="34" charset="0"/>
-              <a:buChar char="•"/>
-            </a:pPr>
-            <a:r>
-              <a:rPr lang="en-US" sz="1600" dirty="0" smtClean="0"/>
-              <a:t>To send and store user information to database</a:t>
-            </a:r>
-          </a:p>
-          <a:p>
-            <a:pPr marL="1200150" lvl="2" indent="-285750">
-              <a:buFont typeface="Arial" panose="020B0604020202020204" pitchFamily="34" charset="0"/>
-              <a:buChar char="•"/>
-            </a:pPr>
-            <a:endParaRPr lang="en-US" sz="1600" dirty="0" smtClean="0"/>
-          </a:p>
-          <a:p>
-            <a:pPr marL="742950" lvl="1" indent="-285750">
-              <a:buFont typeface="Arial" panose="020B0604020202020204" pitchFamily="34" charset="0"/>
-              <a:buChar char="•"/>
-            </a:pPr>
-            <a:endParaRPr lang="en-MY" sz="1600" dirty="0"/>
-          </a:p>
-        </p:txBody>
-      </p:sp>
-      <p:sp>
-        <p:nvSpPr>
-          <p:cNvPr id="12" name="TextBox 11"/>
-          <p:cNvSpPr txBox="1"/>
-          <p:nvPr/>
-        </p:nvSpPr>
-        <p:spPr>
-          <a:xfrm>
-            <a:off x="8347657" y="3979571"/>
-            <a:ext cx="3709116" cy="2062103"/>
-          </a:xfrm>
-          <a:prstGeom prst="rect">
-            <a:avLst/>
-          </a:prstGeom>
-          <a:noFill/>
-        </p:spPr>
-        <p:txBody>
-          <a:bodyPr wrap="square" rtlCol="0">
-            <a:spAutoFit/>
-          </a:bodyPr>
-          <a:lstStyle/>
-          <a:p>
-            <a:pPr algn="ctr"/>
-            <a:r>
-              <a:rPr lang="en-US" sz="2400" dirty="0" smtClean="0">
-                <a:solidFill>
-                  <a:schemeClr val="accent4">
-                    <a:lumMod val="75000"/>
-                  </a:schemeClr>
-                </a:solidFill>
-              </a:rPr>
-              <a:t>Database MySQL</a:t>
-            </a:r>
-          </a:p>
-          <a:p>
-            <a:pPr marL="285750" indent="-285750">
-              <a:buFont typeface="Arial" panose="020B0604020202020204" pitchFamily="34" charset="0"/>
-              <a:buChar char="•"/>
-            </a:pPr>
-            <a:r>
-              <a:rPr lang="en-MY" sz="1600" dirty="0" smtClean="0">
-                <a:hlinkClick r:id="rId3"/>
-              </a:rPr>
-              <a:t>https://www.000webhost.com</a:t>
-            </a:r>
-            <a:endParaRPr lang="en-US" dirty="0" smtClean="0"/>
-          </a:p>
-          <a:p>
-            <a:pPr algn="ctr"/>
-            <a:r>
-              <a:rPr lang="en-US" sz="2400" dirty="0" smtClean="0">
-                <a:solidFill>
-                  <a:schemeClr val="accent4">
-                    <a:lumMod val="75000"/>
-                  </a:schemeClr>
-                </a:solidFill>
-              </a:rPr>
-              <a:t>Table</a:t>
-            </a:r>
-          </a:p>
-          <a:p>
-            <a:pPr marL="742950" lvl="1" indent="-285750">
-              <a:buFont typeface="Arial" panose="020B0604020202020204" pitchFamily="34" charset="0"/>
-              <a:buChar char="•"/>
-            </a:pPr>
-            <a:r>
-              <a:rPr lang="en-US" sz="1600" dirty="0" err="1" smtClean="0"/>
-              <a:t>User_info</a:t>
-            </a:r>
-            <a:endParaRPr lang="en-US" sz="1600" dirty="0" smtClean="0"/>
-          </a:p>
-          <a:p>
-            <a:pPr marL="1200150" lvl="2" indent="-285750">
-              <a:buFont typeface="Arial" panose="020B0604020202020204" pitchFamily="34" charset="0"/>
-              <a:buChar char="•"/>
-            </a:pPr>
-            <a:r>
-              <a:rPr lang="en-US" sz="1600" dirty="0" smtClean="0"/>
-              <a:t>For login and register</a:t>
-            </a:r>
-          </a:p>
-          <a:p>
-            <a:pPr marL="742950" lvl="1" indent="-285750">
-              <a:buFont typeface="Arial" panose="020B0604020202020204" pitchFamily="34" charset="0"/>
-              <a:buChar char="•"/>
-            </a:pPr>
-            <a:r>
-              <a:rPr lang="en-US" sz="1600" dirty="0" err="1" smtClean="0"/>
-              <a:t>Water_level_detection</a:t>
-            </a:r>
-            <a:endParaRPr lang="en-US" sz="1600" dirty="0" smtClean="0"/>
-          </a:p>
-          <a:p>
-            <a:pPr marL="1200150" lvl="2" indent="-285750">
-              <a:buFont typeface="Arial" panose="020B0604020202020204" pitchFamily="34" charset="0"/>
-              <a:buChar char="•"/>
-            </a:pPr>
-            <a:r>
-              <a:rPr lang="en-US" sz="1600" dirty="0" smtClean="0"/>
-              <a:t>For data retrieve </a:t>
-            </a:r>
-            <a:endParaRPr lang="en-MY" sz="1600" dirty="0"/>
-          </a:p>
-        </p:txBody>
-      </p:sp>
-      <p:sp>
-        <p:nvSpPr>
-          <p:cNvPr id="14" name="Rounded Rectangle 13"/>
-          <p:cNvSpPr/>
-          <p:nvPr/>
-        </p:nvSpPr>
-        <p:spPr>
-          <a:xfrm>
-            <a:off x="562915" y="3979572"/>
-            <a:ext cx="3661356" cy="2769989"/>
-          </a:xfrm>
-          <a:prstGeom prst="roundRect">
-            <a:avLst/>
-          </a:prstGeom>
-          <a:noFill/>
-        </p:spPr>
-        <p:style>
-          <a:lnRef idx="2">
-            <a:schemeClr val="accent1">
-              <a:shade val="50000"/>
-            </a:schemeClr>
-          </a:lnRef>
-          <a:fillRef idx="1">
-            <a:schemeClr val="accent1"/>
-          </a:fillRef>
-          <a:effectRef idx="0">
-            <a:schemeClr val="accent1"/>
-          </a:effectRef>
-          <a:fontRef idx="minor">
-            <a:schemeClr val="lt1"/>
-          </a:fontRef>
-        </p:style>
-        <p:txBody>
-          <a:bodyPr rtlCol="0" anchor="ctr"/>
-          <a:lstStyle/>
-          <a:p>
-            <a:pPr algn="ctr"/>
-            <a:endParaRPr lang="en-MY"/>
-          </a:p>
-        </p:txBody>
-      </p:sp>
-      <p:sp>
-        <p:nvSpPr>
-          <p:cNvPr id="15" name="Rounded Rectangle 14"/>
-          <p:cNvSpPr/>
-          <p:nvPr/>
-        </p:nvSpPr>
-        <p:spPr>
-          <a:xfrm>
-            <a:off x="4752303" y="3972030"/>
-            <a:ext cx="3314702" cy="2769989"/>
-          </a:xfrm>
-          <a:prstGeom prst="roundRect">
-            <a:avLst/>
-          </a:prstGeom>
-          <a:noFill/>
-        </p:spPr>
-        <p:style>
-          <a:lnRef idx="2">
-            <a:schemeClr val="accent1">
-              <a:shade val="50000"/>
-            </a:schemeClr>
-          </a:lnRef>
-          <a:fillRef idx="1">
-            <a:schemeClr val="accent1"/>
-          </a:fillRef>
-          <a:effectRef idx="0">
-            <a:schemeClr val="accent1"/>
-          </a:effectRef>
-          <a:fontRef idx="minor">
-            <a:schemeClr val="lt1"/>
-          </a:fontRef>
-        </p:style>
-        <p:txBody>
-          <a:bodyPr rtlCol="0" anchor="ctr"/>
-          <a:lstStyle/>
-          <a:p>
-            <a:pPr algn="ctr"/>
-            <a:endParaRPr lang="en-MY"/>
-          </a:p>
-        </p:txBody>
-      </p:sp>
-      <p:sp>
-        <p:nvSpPr>
-          <p:cNvPr id="17" name="Rounded Rectangle 16"/>
-          <p:cNvSpPr/>
-          <p:nvPr/>
-        </p:nvSpPr>
-        <p:spPr>
-          <a:xfrm>
-            <a:off x="8347657" y="3979570"/>
-            <a:ext cx="3374265" cy="2769989"/>
-          </a:xfrm>
-          <a:prstGeom prst="roundRect">
-            <a:avLst/>
-          </a:prstGeom>
-          <a:noFill/>
-        </p:spPr>
-        <p:style>
-          <a:lnRef idx="2">
-            <a:schemeClr val="accent1">
-              <a:shade val="50000"/>
-            </a:schemeClr>
-          </a:lnRef>
-          <a:fillRef idx="1">
-            <a:schemeClr val="accent1"/>
-          </a:fillRef>
-          <a:effectRef idx="0">
-            <a:schemeClr val="accent1"/>
-          </a:effectRef>
-          <a:fontRef idx="minor">
-            <a:schemeClr val="lt1"/>
-          </a:fontRef>
-        </p:style>
-        <p:txBody>
-          <a:bodyPr rtlCol="0" anchor="ctr"/>
-          <a:lstStyle/>
-          <a:p>
-            <a:pPr algn="ctr"/>
-            <a:endParaRPr lang="en-MY"/>
+              <a:rPr lang="en-US" dirty="0" smtClean="0"/>
+              <a:t>This project use </a:t>
+            </a:r>
+            <a:r>
+              <a:rPr lang="en-US" dirty="0" err="1" smtClean="0"/>
+              <a:t>PageKite</a:t>
+            </a:r>
+            <a:r>
+              <a:rPr lang="en-US" dirty="0" smtClean="0"/>
+              <a:t> as the server to create accessible domain for user</a:t>
+            </a:r>
+            <a:endParaRPr lang="en-US" dirty="0"/>
           </a:p>
         </p:txBody>
       </p:sp>
     </p:spTree>
     <p:extLst>
       <p:ext uri="{BB962C8B-B14F-4D97-AF65-F5344CB8AC3E}">
-        <p14:creationId xmlns:p14="http://schemas.microsoft.com/office/powerpoint/2010/main" val="1608665547"/>
+        <p14:creationId xmlns:p14="http://schemas.microsoft.com/office/powerpoint/2010/main" val="3038903447"/>
       </p:ext>
     </p:extLst>
   </p:cSld>
@@ -8069,195 +9239,26 @@
         </p:nvSpPr>
         <p:spPr>
           <a:xfrm>
-            <a:off x="838200" y="365126"/>
-            <a:ext cx="10515600" cy="858368"/>
+            <a:off x="609600" y="2556522"/>
+            <a:ext cx="10972800" cy="1143000"/>
           </a:xfrm>
         </p:spPr>
         <p:txBody>
           <a:bodyPr/>
           <a:lstStyle/>
           <a:p>
-            <a:pPr algn="ctr"/>
-            <a:r>
-              <a:rPr lang="en-US" dirty="0" err="1" smtClean="0"/>
-              <a:t>Php</a:t>
-            </a:r>
-            <a:r>
-              <a:rPr lang="en-US" dirty="0" smtClean="0"/>
-              <a:t> file</a:t>
-            </a:r>
-            <a:endParaRPr lang="en-MY" dirty="0"/>
-          </a:p>
-        </p:txBody>
-      </p:sp>
-      <p:pic>
-        <p:nvPicPr>
-          <p:cNvPr id="6" name="Content Placeholder 5"/>
-          <p:cNvPicPr>
-            <a:picLocks noGrp="1" noChangeAspect="1"/>
-          </p:cNvPicPr>
-          <p:nvPr>
-            <p:ph idx="1"/>
-          </p:nvPr>
-        </p:nvPicPr>
-        <p:blipFill>
-          <a:blip r:embed="rId2"/>
-          <a:stretch>
-            <a:fillRect/>
-          </a:stretch>
-        </p:blipFill>
-        <p:spPr>
-          <a:xfrm>
-            <a:off x="1103154" y="1756799"/>
-            <a:ext cx="9418885" cy="1128069"/>
-          </a:xfrm>
-          <a:prstGeom prst="rect">
-            <a:avLst/>
-          </a:prstGeom>
-        </p:spPr>
-      </p:pic>
-      <p:pic>
-        <p:nvPicPr>
-          <p:cNvPr id="7" name="Picture 6"/>
-          <p:cNvPicPr>
-            <a:picLocks noChangeAspect="1"/>
-          </p:cNvPicPr>
-          <p:nvPr/>
-        </p:nvPicPr>
-        <p:blipFill>
-          <a:blip r:embed="rId3"/>
-          <a:stretch>
-            <a:fillRect/>
-          </a:stretch>
-        </p:blipFill>
-        <p:spPr>
-          <a:xfrm>
-            <a:off x="1103154" y="3231747"/>
-            <a:ext cx="8452969" cy="1243550"/>
-          </a:xfrm>
-          <a:prstGeom prst="rect">
-            <a:avLst/>
-          </a:prstGeom>
-        </p:spPr>
-      </p:pic>
-      <p:pic>
-        <p:nvPicPr>
-          <p:cNvPr id="8" name="Picture 7"/>
-          <p:cNvPicPr>
-            <a:picLocks noChangeAspect="1"/>
-          </p:cNvPicPr>
-          <p:nvPr/>
-        </p:nvPicPr>
-        <p:blipFill>
-          <a:blip r:embed="rId4"/>
-          <a:stretch>
-            <a:fillRect/>
-          </a:stretch>
-        </p:blipFill>
-        <p:spPr>
-          <a:xfrm>
-            <a:off x="1055864" y="4844629"/>
-            <a:ext cx="9363144" cy="1590428"/>
-          </a:xfrm>
-          <a:prstGeom prst="rect">
-            <a:avLst/>
-          </a:prstGeom>
-        </p:spPr>
-      </p:pic>
-      <p:sp>
-        <p:nvSpPr>
-          <p:cNvPr id="9" name="TextBox 8"/>
-          <p:cNvSpPr txBox="1"/>
-          <p:nvPr/>
-        </p:nvSpPr>
-        <p:spPr>
-          <a:xfrm>
-            <a:off x="1055864" y="1387247"/>
-            <a:ext cx="3378693" cy="369332"/>
-          </a:xfrm>
-          <a:prstGeom prst="rect">
-            <a:avLst/>
-          </a:prstGeom>
-          <a:noFill/>
-        </p:spPr>
-        <p:txBody>
-          <a:bodyPr wrap="square" rtlCol="0">
-            <a:spAutoFit/>
-          </a:bodyPr>
-          <a:lstStyle/>
-          <a:p>
-            <a:r>
-              <a:rPr lang="en-US" dirty="0" err="1" smtClean="0"/>
-              <a:t>Init.php</a:t>
-            </a:r>
-            <a:endParaRPr lang="en-MY" dirty="0"/>
-          </a:p>
-        </p:txBody>
-      </p:sp>
-      <p:sp>
-        <p:nvSpPr>
-          <p:cNvPr id="10" name="TextBox 9"/>
-          <p:cNvSpPr txBox="1"/>
-          <p:nvPr/>
-        </p:nvSpPr>
-        <p:spPr>
-          <a:xfrm>
-            <a:off x="1055864" y="2792766"/>
-            <a:ext cx="4009758" cy="369332"/>
-          </a:xfrm>
-          <a:prstGeom prst="rect">
-            <a:avLst/>
-          </a:prstGeom>
-          <a:noFill/>
-        </p:spPr>
-        <p:txBody>
-          <a:bodyPr wrap="square" rtlCol="0">
-            <a:spAutoFit/>
-          </a:bodyPr>
-          <a:lstStyle/>
-          <a:p>
-            <a:r>
-              <a:rPr lang="en-US" dirty="0" err="1" smtClean="0"/>
-              <a:t>Login.php</a:t>
-            </a:r>
-            <a:endParaRPr lang="en-MY" dirty="0"/>
-          </a:p>
-        </p:txBody>
-      </p:sp>
-      <p:sp>
-        <p:nvSpPr>
-          <p:cNvPr id="11" name="TextBox 10"/>
-          <p:cNvSpPr txBox="1"/>
-          <p:nvPr/>
-        </p:nvSpPr>
-        <p:spPr>
-          <a:xfrm>
-            <a:off x="1055864" y="4475297"/>
-            <a:ext cx="2902176" cy="369332"/>
-          </a:xfrm>
-          <a:prstGeom prst="rect">
-            <a:avLst/>
-          </a:prstGeom>
-          <a:noFill/>
-        </p:spPr>
-        <p:txBody>
-          <a:bodyPr wrap="square" rtlCol="0">
-            <a:spAutoFit/>
-          </a:bodyPr>
-          <a:lstStyle/>
-          <a:p>
-            <a:r>
-              <a:rPr lang="en-US" dirty="0" err="1" smtClean="0"/>
-              <a:t>Register.php</a:t>
-            </a:r>
-            <a:endParaRPr lang="en-MY" dirty="0"/>
+            <a:r>
+              <a:rPr lang="en-US" sz="6600" b="1" dirty="0" smtClean="0"/>
+              <a:t>WEBSERVER</a:t>
+            </a:r>
+            <a:endParaRPr lang="en-MY" sz="6600" b="1" dirty="0"/>
           </a:p>
         </p:txBody>
       </p:sp>
     </p:spTree>
     <p:extLst>
       <p:ext uri="{BB962C8B-B14F-4D97-AF65-F5344CB8AC3E}">
-        <p14:creationId xmlns:p14="http://schemas.microsoft.com/office/powerpoint/2010/main" val="949850996"/>
+        <p14:creationId xmlns:p14="http://schemas.microsoft.com/office/powerpoint/2010/main" val="683785326"/>
       </p:ext>
     </p:extLst>
   </p:cSld>
@@ -8286,12 +9287,12 @@
       </p:grpSpPr>
       <p:sp>
         <p:nvSpPr>
-          <p:cNvPr id="2" name="Title 1"/>
-          <p:cNvSpPr>
-            <a:spLocks noGrp="1"/>
-          </p:cNvSpPr>
-          <p:nvPr>
-            <p:ph type="title"/>
+          <p:cNvPr id="4" name="Slide Number Placeholder 3"/>
+          <p:cNvSpPr>
+            <a:spLocks noGrp="1"/>
+          </p:cNvSpPr>
+          <p:nvPr>
+            <p:ph type="sldNum" sz="quarter" idx="12"/>
           </p:nvPr>
         </p:nvSpPr>
         <p:spPr/>
@@ -8299,270 +9300,109 @@
           <a:bodyPr/>
           <a:lstStyle/>
           <a:p>
-            <a:pPr algn="ctr"/>
-            <a:r>
-              <a:rPr lang="en-US" dirty="0" smtClean="0"/>
-              <a:t>Android app user interface</a:t>
-            </a:r>
-            <a:endParaRPr lang="en-MY" dirty="0"/>
-          </a:p>
-        </p:txBody>
-      </p:sp>
-      <p:pic>
-        <p:nvPicPr>
-          <p:cNvPr id="10" name="Content Placeholder 9"/>
-          <p:cNvPicPr>
-            <a:picLocks noGrp="1" noChangeAspect="1"/>
-          </p:cNvPicPr>
-          <p:nvPr>
-            <p:ph idx="1"/>
-          </p:nvPr>
-        </p:nvPicPr>
-        <p:blipFill>
-          <a:blip r:embed="rId2">
-            <a:extLst>
-              <a:ext uri="{28A0092B-C50C-407E-A947-70E740481C1C}">
-                <a14:useLocalDpi xmlns:a14="http://schemas.microsoft.com/office/drawing/2010/main" val="0"/>
-              </a:ext>
-            </a:extLst>
-          </a:blip>
-          <a:stretch>
-            <a:fillRect/>
-          </a:stretch>
-        </p:blipFill>
+            <a:fld id="{A90F21CD-99AA-425F-97AE-5CC2D8B33E07}" type="slidenum">
+              <a:rPr lang="en-MY" smtClean="0"/>
+              <a:pPr/>
+              <a:t>9</a:t>
+            </a:fld>
+            <a:endParaRPr lang="en-MY"/>
+          </a:p>
+        </p:txBody>
+      </p:sp>
+      <p:sp>
+        <p:nvSpPr>
+          <p:cNvPr id="5" name="Title 1"/>
+          <p:cNvSpPr>
+            <a:spLocks noGrp="1"/>
+          </p:cNvSpPr>
+          <p:nvPr>
+            <p:ph type="title"/>
+          </p:nvPr>
+        </p:nvSpPr>
         <p:spPr>
           <a:xfrm>
-            <a:off x="6096000" y="1952048"/>
-            <a:ext cx="2610520" cy="3948927"/>
-          </a:xfrm>
-        </p:spPr>
-      </p:pic>
-      <p:pic>
-        <p:nvPicPr>
-          <p:cNvPr id="13" name="Picture 12"/>
-          <p:cNvPicPr>
-            <a:picLocks noChangeAspect="1"/>
-          </p:cNvPicPr>
-          <p:nvPr/>
-        </p:nvPicPr>
-        <p:blipFill>
-          <a:blip r:embed="rId3">
-            <a:extLst>
-              <a:ext uri="{28A0092B-C50C-407E-A947-70E740481C1C}">
-                <a14:useLocalDpi xmlns:a14="http://schemas.microsoft.com/office/drawing/2010/main" val="0"/>
-              </a:ext>
-            </a:extLst>
-          </a:blip>
-          <a:stretch>
-            <a:fillRect/>
-          </a:stretch>
-        </p:blipFill>
-        <p:spPr>
-          <a:xfrm>
-            <a:off x="614114" y="1952048"/>
-            <a:ext cx="2170605" cy="3948927"/>
-          </a:xfrm>
-          <a:prstGeom prst="rect">
-            <a:avLst/>
-          </a:prstGeom>
-        </p:spPr>
-      </p:pic>
-      <p:pic>
-        <p:nvPicPr>
-          <p:cNvPr id="14" name="Picture 13"/>
-          <p:cNvPicPr>
-            <a:picLocks noChangeAspect="1"/>
-          </p:cNvPicPr>
-          <p:nvPr/>
-        </p:nvPicPr>
-        <p:blipFill>
-          <a:blip r:embed="rId4">
-            <a:extLst>
-              <a:ext uri="{28A0092B-C50C-407E-A947-70E740481C1C}">
-                <a14:useLocalDpi xmlns:a14="http://schemas.microsoft.com/office/drawing/2010/main" val="0"/>
-              </a:ext>
-            </a:extLst>
-          </a:blip>
-          <a:stretch>
-            <a:fillRect/>
-          </a:stretch>
-        </p:blipFill>
-        <p:spPr>
-          <a:xfrm>
-            <a:off x="3184183" y="1952048"/>
-            <a:ext cx="2405247" cy="3948927"/>
-          </a:xfrm>
-          <a:prstGeom prst="rect">
-            <a:avLst/>
-          </a:prstGeom>
-        </p:spPr>
-      </p:pic>
-      <p:pic>
-        <p:nvPicPr>
-          <p:cNvPr id="15" name="Picture 14"/>
-          <p:cNvPicPr>
-            <a:picLocks noChangeAspect="1"/>
-          </p:cNvPicPr>
-          <p:nvPr/>
-        </p:nvPicPr>
-        <p:blipFill>
-          <a:blip r:embed="rId5" cstate="print">
-            <a:extLst>
-              <a:ext uri="{28A0092B-C50C-407E-A947-70E740481C1C}">
-                <a14:useLocalDpi xmlns:a14="http://schemas.microsoft.com/office/drawing/2010/main" val="0"/>
-              </a:ext>
-            </a:extLst>
-          </a:blip>
-          <a:stretch>
-            <a:fillRect/>
-          </a:stretch>
-        </p:blipFill>
-        <p:spPr>
-          <a:xfrm>
-            <a:off x="9016402" y="2358406"/>
-            <a:ext cx="2449132" cy="1085147"/>
-          </a:xfrm>
-          <a:prstGeom prst="rect">
-            <a:avLst/>
-          </a:prstGeom>
-        </p:spPr>
-      </p:pic>
-      <p:pic>
-        <p:nvPicPr>
-          <p:cNvPr id="16" name="Picture 15"/>
-          <p:cNvPicPr>
-            <a:picLocks noChangeAspect="1"/>
-          </p:cNvPicPr>
-          <p:nvPr/>
-        </p:nvPicPr>
-        <p:blipFill>
-          <a:blip r:embed="rId6" cstate="print">
-            <a:extLst>
-              <a:ext uri="{28A0092B-C50C-407E-A947-70E740481C1C}">
-                <a14:useLocalDpi xmlns:a14="http://schemas.microsoft.com/office/drawing/2010/main" val="0"/>
-              </a:ext>
-            </a:extLst>
-          </a:blip>
-          <a:stretch>
-            <a:fillRect/>
-          </a:stretch>
-        </p:blipFill>
-        <p:spPr>
-          <a:xfrm>
-            <a:off x="9273577" y="3578341"/>
-            <a:ext cx="1728720" cy="681242"/>
-          </a:xfrm>
-          <a:prstGeom prst="rect">
-            <a:avLst/>
-          </a:prstGeom>
-        </p:spPr>
-      </p:pic>
-      <p:sp>
-        <p:nvSpPr>
-          <p:cNvPr id="18" name="Rounded Rectangle 17"/>
-          <p:cNvSpPr/>
-          <p:nvPr/>
-        </p:nvSpPr>
-        <p:spPr>
-          <a:xfrm>
-            <a:off x="9016403" y="2266683"/>
-            <a:ext cx="2449132" cy="2125014"/>
-          </a:xfrm>
-          <a:prstGeom prst="roundRect">
-            <a:avLst/>
-          </a:prstGeom>
-          <a:noFill/>
-        </p:spPr>
-        <p:style>
-          <a:lnRef idx="2">
-            <a:schemeClr val="accent1">
-              <a:shade val="50000"/>
-            </a:schemeClr>
-          </a:lnRef>
-          <a:fillRef idx="1">
-            <a:schemeClr val="accent1"/>
-          </a:fillRef>
-          <a:effectRef idx="0">
-            <a:schemeClr val="accent1"/>
-          </a:effectRef>
-          <a:fontRef idx="minor">
-            <a:schemeClr val="lt1"/>
-          </a:fontRef>
-        </p:style>
-        <p:txBody>
-          <a:bodyPr rtlCol="0" anchor="ctr"/>
+            <a:off x="838200" y="365125"/>
+            <a:ext cx="10515600" cy="1325563"/>
+          </a:xfrm>
+        </p:spPr>
+        <p:txBody>
+          <a:bodyPr/>
           <a:lstStyle/>
           <a:p>
-            <a:pPr algn="ctr"/>
-            <a:endParaRPr lang="en-MY"/>
-          </a:p>
-        </p:txBody>
-      </p:sp>
-      <p:sp>
-        <p:nvSpPr>
-          <p:cNvPr id="19" name="TextBox 18"/>
-          <p:cNvSpPr txBox="1"/>
-          <p:nvPr/>
-        </p:nvSpPr>
-        <p:spPr>
-          <a:xfrm>
-            <a:off x="9169758" y="4507606"/>
-            <a:ext cx="2446986" cy="1200329"/>
-          </a:xfrm>
-          <a:prstGeom prst="rect">
-            <a:avLst/>
-          </a:prstGeom>
-          <a:noFill/>
-        </p:spPr>
-        <p:txBody>
-          <a:bodyPr wrap="square" rtlCol="0">
-            <a:spAutoFit/>
-          </a:bodyPr>
-          <a:lstStyle/>
-          <a:p>
-            <a:pPr algn="ctr"/>
-            <a:r>
-              <a:rPr lang="en-US" dirty="0" smtClean="0"/>
-              <a:t>System Control</a:t>
-            </a:r>
-          </a:p>
-          <a:p>
-            <a:pPr marL="285750" indent="-285750">
-              <a:buFont typeface="Arial" panose="020B0604020202020204" pitchFamily="34" charset="0"/>
-              <a:buChar char="•"/>
-            </a:pPr>
-            <a:r>
-              <a:rPr lang="en-US" dirty="0" smtClean="0"/>
-              <a:t>ON</a:t>
-            </a:r>
-          </a:p>
-          <a:p>
-            <a:pPr marL="285750" indent="-285750">
-              <a:buFont typeface="Arial" panose="020B0604020202020204" pitchFamily="34" charset="0"/>
-              <a:buChar char="•"/>
-            </a:pPr>
-            <a:r>
-              <a:rPr lang="en-US" dirty="0" smtClean="0"/>
-              <a:t>START PUMP</a:t>
-            </a:r>
-          </a:p>
-          <a:p>
-            <a:pPr marL="285750" indent="-285750">
-              <a:buFont typeface="Arial" panose="020B0604020202020204" pitchFamily="34" charset="0"/>
-              <a:buChar char="•"/>
-            </a:pPr>
-            <a:r>
-              <a:rPr lang="en-US" dirty="0" smtClean="0"/>
-              <a:t>STOP PUMP</a:t>
-            </a:r>
-            <a:endParaRPr lang="en-MY" dirty="0"/>
-          </a:p>
-        </p:txBody>
-      </p:sp>
+            <a:r>
+              <a:rPr lang="en-US" b="1" dirty="0" smtClean="0"/>
+              <a:t>Element in Web Server</a:t>
+            </a:r>
+            <a:endParaRPr lang="en-US" b="1" dirty="0"/>
+          </a:p>
+        </p:txBody>
+      </p:sp>
+      <p:graphicFrame>
+        <p:nvGraphicFramePr>
+          <p:cNvPr id="6" name="Object 5"/>
+          <p:cNvGraphicFramePr>
+            <a:graphicFrameLocks noChangeAspect="1"/>
+          </p:cNvGraphicFramePr>
+          <p:nvPr>
+            <p:extLst>
+              <p:ext uri="{D42A27DB-BD31-4B8C-83A1-F6EECF244321}">
+                <p14:modId xmlns:p14="http://schemas.microsoft.com/office/powerpoint/2010/main" val="939431665"/>
+              </p:ext>
+            </p:extLst>
+          </p:nvPr>
+        </p:nvGraphicFramePr>
+        <p:xfrm>
+          <a:off x="1794993" y="1329789"/>
+          <a:ext cx="8602014" cy="4536980"/>
+        </p:xfrm>
+        <a:graphic>
+          <a:graphicData uri="http://schemas.openxmlformats.org/presentationml/2006/ole">
+            <mc:AlternateContent xmlns:mc="http://schemas.openxmlformats.org/markup-compatibility/2006">
+              <mc:Choice xmlns:v="urn:schemas-microsoft-com:vml" Requires="v">
+                <p:oleObj spid="_x0000_s1029" name="Image" r:id="rId3" imgW="4340160" imgH="2288880" progId="Photoshop.Image.13">
+                  <p:embed/>
+                </p:oleObj>
+              </mc:Choice>
+              <mc:Fallback>
+                <p:oleObj name="Image" r:id="rId3" imgW="4340160" imgH="2288880" progId="Photoshop.Image.13">
+                  <p:embed/>
+                  <p:pic>
+                    <p:nvPicPr>
+                      <p:cNvPr id="0" name=""/>
+                      <p:cNvPicPr/>
+                      <p:nvPr/>
+                    </p:nvPicPr>
+                    <p:blipFill>
+                      <a:blip r:embed="rId4"/>
+                      <a:stretch>
+                        <a:fillRect/>
+                      </a:stretch>
+                    </p:blipFill>
+                    <p:spPr>
+                      <a:xfrm>
+                        <a:off x="1794993" y="1329789"/>
+                        <a:ext cx="8602014" cy="4536980"/>
+                      </a:xfrm>
+                      <a:prstGeom prst="rect">
+                        <a:avLst/>
+                      </a:prstGeom>
+                      <a:ln>
+                        <a:solidFill>
+                          <a:schemeClr val="tx1"/>
+                        </a:solidFill>
+                      </a:ln>
+                    </p:spPr>
+                  </p:pic>
+                </p:oleObj>
+              </mc:Fallback>
+            </mc:AlternateContent>
+          </a:graphicData>
+        </a:graphic>
+      </p:graphicFrame>
     </p:spTree>
     <p:extLst>
       <p:ext uri="{BB962C8B-B14F-4D97-AF65-F5344CB8AC3E}">
-        <p14:creationId xmlns:p14="http://schemas.microsoft.com/office/powerpoint/2010/main" val="3147457187"/>
+        <p14:creationId xmlns:p14="http://schemas.microsoft.com/office/powerpoint/2010/main" val="893836207"/>
       </p:ext>
     </p:extLst>
   </p:cSld>
